--- a/Praxis/Advisor/Session 7/Wacey Michal Praxis Methodology V2.pptx
+++ b/Praxis/Advisor/Session 7/Wacey Michal Praxis Methodology V2.pptx
@@ -12,9 +12,9 @@
     <p:sldId id="278" r:id="rId6"/>
     <p:sldId id="270" r:id="rId7"/>
     <p:sldId id="272" r:id="rId8"/>
-    <p:sldId id="274" r:id="rId9"/>
-    <p:sldId id="277" r:id="rId10"/>
-    <p:sldId id="271" r:id="rId11"/>
+    <p:sldId id="283" r:id="rId9"/>
+    <p:sldId id="271" r:id="rId10"/>
+    <p:sldId id="284" r:id="rId11"/>
     <p:sldId id="273" r:id="rId12"/>
     <p:sldId id="275" r:id="rId13"/>
     <p:sldId id="276" r:id="rId14"/>
@@ -6095,7 +6095,7 @@
           <a:p>
             <a:fld id="{84D0E6BA-C896-4F66-AC39-BCF86AB0AE0D}" type="datetimeFigureOut">
               <a:rPr lang="en-US" smtClean="0"/>
-              <a:t>2/8/2025</a:t>
+              <a:t>2/21/2025</a:t>
             </a:fld>
             <a:endParaRPr lang="en-US"/>
           </a:p>
@@ -6293,7 +6293,7 @@
           <a:p>
             <a:fld id="{84D0E6BA-C896-4F66-AC39-BCF86AB0AE0D}" type="datetimeFigureOut">
               <a:rPr lang="en-US" smtClean="0"/>
-              <a:t>2/8/2025</a:t>
+              <a:t>2/21/2025</a:t>
             </a:fld>
             <a:endParaRPr lang="en-US"/>
           </a:p>
@@ -6501,7 +6501,7 @@
           <a:p>
             <a:fld id="{84D0E6BA-C896-4F66-AC39-BCF86AB0AE0D}" type="datetimeFigureOut">
               <a:rPr lang="en-US" smtClean="0"/>
-              <a:t>2/8/2025</a:t>
+              <a:t>2/21/2025</a:t>
             </a:fld>
             <a:endParaRPr lang="en-US"/>
           </a:p>
@@ -6699,7 +6699,7 @@
           <a:p>
             <a:fld id="{84D0E6BA-C896-4F66-AC39-BCF86AB0AE0D}" type="datetimeFigureOut">
               <a:rPr lang="en-US" smtClean="0"/>
-              <a:t>2/8/2025</a:t>
+              <a:t>2/21/2025</a:t>
             </a:fld>
             <a:endParaRPr lang="en-US"/>
           </a:p>
@@ -6974,7 +6974,7 @@
           <a:p>
             <a:fld id="{84D0E6BA-C896-4F66-AC39-BCF86AB0AE0D}" type="datetimeFigureOut">
               <a:rPr lang="en-US" smtClean="0"/>
-              <a:t>2/8/2025</a:t>
+              <a:t>2/21/2025</a:t>
             </a:fld>
             <a:endParaRPr lang="en-US"/>
           </a:p>
@@ -7239,7 +7239,7 @@
           <a:p>
             <a:fld id="{84D0E6BA-C896-4F66-AC39-BCF86AB0AE0D}" type="datetimeFigureOut">
               <a:rPr lang="en-US" smtClean="0"/>
-              <a:t>2/8/2025</a:t>
+              <a:t>2/21/2025</a:t>
             </a:fld>
             <a:endParaRPr lang="en-US"/>
           </a:p>
@@ -7651,7 +7651,7 @@
           <a:p>
             <a:fld id="{84D0E6BA-C896-4F66-AC39-BCF86AB0AE0D}" type="datetimeFigureOut">
               <a:rPr lang="en-US" smtClean="0"/>
-              <a:t>2/8/2025</a:t>
+              <a:t>2/21/2025</a:t>
             </a:fld>
             <a:endParaRPr lang="en-US"/>
           </a:p>
@@ -7792,7 +7792,7 @@
           <a:p>
             <a:fld id="{84D0E6BA-C896-4F66-AC39-BCF86AB0AE0D}" type="datetimeFigureOut">
               <a:rPr lang="en-US" smtClean="0"/>
-              <a:t>2/8/2025</a:t>
+              <a:t>2/21/2025</a:t>
             </a:fld>
             <a:endParaRPr lang="en-US"/>
           </a:p>
@@ -7905,7 +7905,7 @@
           <a:p>
             <a:fld id="{84D0E6BA-C896-4F66-AC39-BCF86AB0AE0D}" type="datetimeFigureOut">
               <a:rPr lang="en-US" smtClean="0"/>
-              <a:t>2/8/2025</a:t>
+              <a:t>2/21/2025</a:t>
             </a:fld>
             <a:endParaRPr lang="en-US"/>
           </a:p>
@@ -8216,7 +8216,7 @@
           <a:p>
             <a:fld id="{84D0E6BA-C896-4F66-AC39-BCF86AB0AE0D}" type="datetimeFigureOut">
               <a:rPr lang="en-US" smtClean="0"/>
-              <a:t>2/8/2025</a:t>
+              <a:t>2/21/2025</a:t>
             </a:fld>
             <a:endParaRPr lang="en-US"/>
           </a:p>
@@ -8504,7 +8504,7 @@
           <a:p>
             <a:fld id="{84D0E6BA-C896-4F66-AC39-BCF86AB0AE0D}" type="datetimeFigureOut">
               <a:rPr lang="en-US" smtClean="0"/>
-              <a:t>2/8/2025</a:t>
+              <a:t>2/21/2025</a:t>
             </a:fld>
             <a:endParaRPr lang="en-US"/>
           </a:p>
@@ -8745,7 +8745,7 @@
           <a:p>
             <a:fld id="{84D0E6BA-C896-4F66-AC39-BCF86AB0AE0D}" type="datetimeFigureOut">
               <a:rPr lang="en-US" smtClean="0"/>
-              <a:t>2/8/2025</a:t>
+              <a:t>2/21/2025</a:t>
             </a:fld>
             <a:endParaRPr lang="en-US"/>
           </a:p>
@@ -9489,7 +9489,7 @@
         <p:cNvPr id="1" name="">
           <a:extLst>
             <a:ext uri="{FF2B5EF4-FFF2-40B4-BE49-F238E27FC236}">
-              <a16:creationId xmlns:a16="http://schemas.microsoft.com/office/drawing/2014/main" id="{9F2062BF-7214-1EB6-932E-3B314691713E}"/>
+              <a16:creationId xmlns:a16="http://schemas.microsoft.com/office/drawing/2014/main" id="{2A846A89-3C90-AEDB-FECD-22E0DCEF9114}"/>
             </a:ext>
           </a:extLst>
         </p:cNvPr>
@@ -9509,7 +9509,7 @@
           <p:cNvPr id="14" name="Rectangle 13">
             <a:extLst>
               <a:ext uri="{FF2B5EF4-FFF2-40B4-BE49-F238E27FC236}">
-                <a16:creationId xmlns:a16="http://schemas.microsoft.com/office/drawing/2014/main" id="{98DED6BC-9A3E-48D4-AD7C-A56D63F547E8}"/>
+                <a16:creationId xmlns:a16="http://schemas.microsoft.com/office/drawing/2014/main" id="{46E2DBD8-1517-FB34-DBDB-B9DCE0173E64}"/>
               </a:ext>
               <a:ext uri="{C183D7F6-B498-43B3-948B-1728B52AA6E4}">
                 <adec:decorative xmlns:adec="http://schemas.microsoft.com/office/drawing/2017/decorative" val="1"/>
@@ -9569,7 +9569,7 @@
           <p:cNvPr id="15" name="Freeform: Shape 14">
             <a:extLst>
               <a:ext uri="{FF2B5EF4-FFF2-40B4-BE49-F238E27FC236}">
-                <a16:creationId xmlns:a16="http://schemas.microsoft.com/office/drawing/2014/main" id="{6B6E033A-DB2E-49B8-B600-B38E0C280263}"/>
+                <a16:creationId xmlns:a16="http://schemas.microsoft.com/office/drawing/2014/main" id="{7EECC18E-633B-2018-7570-0613114CA227}"/>
               </a:ext>
               <a:ext uri="{C183D7F6-B498-43B3-948B-1728B52AA6E4}">
                 <adec:decorative xmlns:adec="http://schemas.microsoft.com/office/drawing/2017/decorative" val="1"/>
@@ -12007,7 +12007,7 @@
           <p:cNvPr id="3" name="Title 2">
             <a:extLst>
               <a:ext uri="{FF2B5EF4-FFF2-40B4-BE49-F238E27FC236}">
-                <a16:creationId xmlns:a16="http://schemas.microsoft.com/office/drawing/2014/main" id="{A181F1DF-CB2C-9588-DD72-F8EE97663954}"/>
+                <a16:creationId xmlns:a16="http://schemas.microsoft.com/office/drawing/2014/main" id="{380E2A14-42F3-D27D-E447-8296AF39724B}"/>
               </a:ext>
             </a:extLst>
           </p:cNvPr>
@@ -12032,7 +12032,7 @@
           <a:p>
             <a:r>
               <a:rPr lang="en-US" dirty="0"/>
-              <a:t>Prompt Definitions</a:t>
+              <a:t>Processing Definitions</a:t>
             </a:r>
           </a:p>
         </p:txBody>
@@ -12042,7 +12042,7 @@
           <p:cNvPr id="5" name="Content Placeholder 4">
             <a:extLst>
               <a:ext uri="{FF2B5EF4-FFF2-40B4-BE49-F238E27FC236}">
-                <a16:creationId xmlns:a16="http://schemas.microsoft.com/office/drawing/2014/main" id="{C5C8D3D5-F510-9003-A7C5-C49B508D16AD}"/>
+                <a16:creationId xmlns:a16="http://schemas.microsoft.com/office/drawing/2014/main" id="{631343DA-4837-3360-3852-342E47AAA1D1}"/>
               </a:ext>
             </a:extLst>
           </p:cNvPr>
@@ -12053,14 +12053,14 @@
             <p:ph idx="1"/>
             <p:extLst>
               <p:ext uri="{D42A27DB-BD31-4B8C-83A1-F6EECF244321}">
-                <p14:modId xmlns:p14="http://schemas.microsoft.com/office/powerpoint/2010/main" val="2169748395"/>
+                <p14:modId xmlns:p14="http://schemas.microsoft.com/office/powerpoint/2010/main" val="332419630"/>
               </p:ext>
             </p:extLst>
           </p:nvPr>
         </p:nvGraphicFramePr>
         <p:xfrm>
           <a:off x="4702547" y="1302555"/>
-          <a:ext cx="6651256" cy="4433757"/>
+          <a:ext cx="6651256" cy="1761062"/>
         </p:xfrm>
         <a:graphic>
           <a:graphicData uri="http://schemas.openxmlformats.org/drawingml/2006/table">
@@ -12157,15 +12157,15 @@
                   </a:ext>
                 </a:extLst>
               </a:tr>
-              <a:tr h="1213505">
+              <a:tr h="1435487">
                 <a:tc>
                   <a:txBody>
                     <a:bodyPr/>
                     <a:lstStyle/>
                     <a:p>
                       <a:r>
-                        <a:rPr lang="en-US" sz="1500"/>
-                        <a:t>P3</a:t>
+                        <a:rPr lang="en-US" sz="1400" dirty="0"/>
+                        <a:t>P6</a:t>
                       </a:r>
                     </a:p>
                   </a:txBody>
@@ -12177,8 +12177,8 @@
                     <a:lstStyle/>
                     <a:p>
                       <a:r>
-                        <a:rPr lang="en-US" sz="1500" dirty="0"/>
-                        <a:t>Query</a:t>
+                        <a:rPr lang="en-US" sz="1400" dirty="0"/>
+                        <a:t>Response Processing Agent</a:t>
                       </a:r>
                     </a:p>
                   </a:txBody>
@@ -12190,122 +12190,7 @@
                     <a:lstStyle/>
                     <a:p>
                       <a:r>
-                        <a:rPr lang="en-US" sz="1500"/>
-                        <a:t>A general LLM prompt. Can include references to Long-Term or Short-Term memory. The prompt is augmented to store the prompt in the short-term knowledge graph.</a:t>
-                      </a:r>
-                    </a:p>
-                  </a:txBody>
-                  <a:tcPr marL="73994" marR="73994" marT="36997" marB="36997"/>
-                </a:tc>
-                <a:tc>
-                  <a:txBody>
-                    <a:bodyPr/>
-                    <a:lstStyle/>
-                    <a:p>
-                      <a:endParaRPr lang="en-US" sz="1500"/>
-                    </a:p>
-                  </a:txBody>
-                  <a:tcPr marL="73994" marR="73994" marT="36997" marB="36997"/>
-                </a:tc>
-                <a:extLst>
-                  <a:ext uri="{0D108BD9-81ED-4DB2-BD59-A6C34878D82A}">
-                    <a16:rowId xmlns:a16="http://schemas.microsoft.com/office/drawing/2014/main" val="1338793342"/>
-                  </a:ext>
-                </a:extLst>
-              </a:tr>
-              <a:tr h="1435487">
-                <a:tc>
-                  <a:txBody>
-                    <a:bodyPr/>
-                    <a:lstStyle/>
-                    <a:p>
-                      <a:r>
-                        <a:rPr lang="en-US" sz="1500"/>
-                        <a:t>P4</a:t>
-                      </a:r>
-                    </a:p>
-                  </a:txBody>
-                  <a:tcPr marL="73994" marR="73994" marT="36997" marB="36997"/>
-                </a:tc>
-                <a:tc>
-                  <a:txBody>
-                    <a:bodyPr/>
-                    <a:lstStyle/>
-                    <a:p>
-                      <a:r>
-                        <a:rPr lang="en-US" sz="1500"/>
-                        <a:t>Long Term Memory Processing</a:t>
-                      </a:r>
-                    </a:p>
-                  </a:txBody>
-                  <a:tcPr marL="73994" marR="73994" marT="36997" marB="36997"/>
-                </a:tc>
-                <a:tc>
-                  <a:txBody>
-                    <a:bodyPr/>
-                    <a:lstStyle/>
-                    <a:p>
-                      <a:r>
-                        <a:rPr lang="en-US" sz="1500"/>
-                        <a:t>A prompt like: Review all nodes of the knowledge graphs and look for ways to improve them by creating new edges, adding attributes, making similar things similar. Replace with the better version.</a:t>
-                      </a:r>
-                    </a:p>
-                  </a:txBody>
-                  <a:tcPr marL="73994" marR="73994" marT="36997" marB="36997"/>
-                </a:tc>
-                <a:tc>
-                  <a:txBody>
-                    <a:bodyPr/>
-                    <a:lstStyle/>
-                    <a:p>
-                      <a:r>
-                        <a:rPr lang="en-US" sz="1500"/>
-                        <a:t>Runs once a day to keep the long-term memory well organized.</a:t>
-                      </a:r>
-                    </a:p>
-                  </a:txBody>
-                  <a:tcPr marL="73994" marR="73994" marT="36997" marB="36997"/>
-                </a:tc>
-                <a:extLst>
-                  <a:ext uri="{0D108BD9-81ED-4DB2-BD59-A6C34878D82A}">
-                    <a16:rowId xmlns:a16="http://schemas.microsoft.com/office/drawing/2014/main" val="2151593779"/>
-                  </a:ext>
-                </a:extLst>
-              </a:tr>
-              <a:tr h="1435487">
-                <a:tc>
-                  <a:txBody>
-                    <a:bodyPr/>
-                    <a:lstStyle/>
-                    <a:p>
-                      <a:r>
-                        <a:rPr lang="en-US" sz="1500"/>
-                        <a:t>P5</a:t>
-                      </a:r>
-                    </a:p>
-                  </a:txBody>
-                  <a:tcPr marL="73994" marR="73994" marT="36997" marB="36997"/>
-                </a:tc>
-                <a:tc>
-                  <a:txBody>
-                    <a:bodyPr/>
-                    <a:lstStyle/>
-                    <a:p>
-                      <a:r>
-                        <a:rPr lang="en-US" sz="1500"/>
-                        <a:t>Response</a:t>
-                      </a:r>
-                    </a:p>
-                  </a:txBody>
-                  <a:tcPr marL="73994" marR="73994" marT="36997" marB="36997"/>
-                </a:tc>
-                <a:tc>
-                  <a:txBody>
-                    <a:bodyPr/>
-                    <a:lstStyle/>
-                    <a:p>
-                      <a:r>
-                        <a:rPr lang="en-US" sz="1500"/>
+                        <a:rPr lang="en-US" sz="1400" dirty="0"/>
                         <a:t>An agent that reviews the short-term memory looking for things that it can respond to. Uses a prompt like: Review the short-term memory and look for items that you can respond to. Use the long-term memory if needed.</a:t>
                       </a:r>
                     </a:p>
@@ -12317,7 +12202,7 @@
                     <a:bodyPr/>
                     <a:lstStyle/>
                     <a:p>
-                      <a:endParaRPr lang="en-US" sz="1500" dirty="0"/>
+                      <a:endParaRPr lang="en-US" sz="1400" dirty="0"/>
                     </a:p>
                   </a:txBody>
                   <a:tcPr marL="73994" marR="73994" marT="36997" marB="36997"/>
@@ -12335,7 +12220,7 @@
     </p:spTree>
     <p:extLst>
       <p:ext uri="{BB962C8B-B14F-4D97-AF65-F5344CB8AC3E}">
-        <p14:creationId xmlns:p14="http://schemas.microsoft.com/office/powerpoint/2010/main" val="3561826105"/>
+        <p14:creationId xmlns:p14="http://schemas.microsoft.com/office/powerpoint/2010/main" val="1899181605"/>
       </p:ext>
     </p:extLst>
   </p:cSld>
@@ -16319,7 +16204,7 @@
           <a:p>
             <a:r>
               <a:rPr lang="en-US" dirty="0"/>
-              <a:t>LLM can process the entire document or documents within its window</a:t>
+              <a:t>LLM can process the entire document for documents that are smaller than its window</a:t>
             </a:r>
           </a:p>
         </p:txBody>
@@ -16339,7 +16224,7 @@
         <p:spPr>
           <a:xfrm>
             <a:off x="5532119" y="5606796"/>
-            <a:ext cx="4851495" cy="646331"/>
+            <a:ext cx="4851495" cy="923330"/>
           </a:xfrm>
           <a:prstGeom prst="rect">
             <a:avLst/>
@@ -16354,7 +16239,7 @@
           <a:p>
             <a:r>
               <a:rPr lang="en-US" dirty="0"/>
-              <a:t>LLM can only process a subset of the document or documents within its window</a:t>
+              <a:t>LLM can only process a subset of the document or documents that extend beyond its window</a:t>
             </a:r>
           </a:p>
         </p:txBody>
@@ -16848,7 +16733,7 @@
             <a:pPr algn="ctr"/>
             <a:r>
               <a:rPr lang="en-US" dirty="0"/>
-              <a:t>LLM</a:t>
+              <a:t>LLM / Prompt</a:t>
             </a:r>
           </a:p>
         </p:txBody>
@@ -17014,8 +16899,8 @@
         </p:nvSpPr>
         <p:spPr>
           <a:xfrm>
-            <a:off x="5239512" y="4325112"/>
-            <a:ext cx="1658113" cy="1754326"/>
+            <a:off x="5239512" y="4222937"/>
+            <a:ext cx="1658113" cy="954107"/>
           </a:xfrm>
           <a:prstGeom prst="rect">
             <a:avLst/>
@@ -17029,7 +16914,7 @@
           <a:lstStyle/>
           <a:p>
             <a:r>
-              <a:rPr lang="en-US" dirty="0"/>
+              <a:rPr lang="en-US" sz="1400" dirty="0"/>
               <a:t>Process Chunks into one Knowledge Graph per Entity</a:t>
             </a:r>
           </a:p>
@@ -17079,7 +16964,7 @@
             <a:pPr algn="ctr"/>
             <a:r>
               <a:rPr lang="en-US" dirty="0"/>
-              <a:t>LLM</a:t>
+              <a:t>LLM / Prompt</a:t>
             </a:r>
           </a:p>
         </p:txBody>
@@ -17098,8 +16983,8 @@
         </p:nvSpPr>
         <p:spPr>
           <a:xfrm>
-            <a:off x="8388094" y="4226740"/>
-            <a:ext cx="1658113" cy="1200329"/>
+            <a:off x="8388094" y="4222937"/>
+            <a:ext cx="1658113" cy="738664"/>
           </a:xfrm>
           <a:prstGeom prst="rect">
             <a:avLst/>
@@ -17113,7 +16998,7 @@
           <a:lstStyle/>
           <a:p>
             <a:r>
-              <a:rPr lang="en-US" dirty="0"/>
+              <a:rPr lang="en-US" sz="1400" dirty="0"/>
               <a:t>Identify type of each entity and group together</a:t>
             </a:r>
           </a:p>
@@ -17414,6 +17299,41 @@
           </a:fontRef>
         </p:style>
       </p:cxnSp>
+      <p:sp>
+        <p:nvSpPr>
+          <p:cNvPr id="10" name="TextBox 9">
+            <a:extLst>
+              <a:ext uri="{FF2B5EF4-FFF2-40B4-BE49-F238E27FC236}">
+                <a16:creationId xmlns:a16="http://schemas.microsoft.com/office/drawing/2014/main" id="{ED5F0561-AE95-3B78-EB09-877F2E7E0127}"/>
+              </a:ext>
+            </a:extLst>
+          </p:cNvPr>
+          <p:cNvSpPr txBox="1"/>
+          <p:nvPr/>
+        </p:nvSpPr>
+        <p:spPr>
+          <a:xfrm>
+            <a:off x="1877568" y="4222937"/>
+            <a:ext cx="1658113" cy="2031325"/>
+          </a:xfrm>
+          <a:prstGeom prst="rect">
+            <a:avLst/>
+          </a:prstGeom>
+          <a:noFill/>
+        </p:spPr>
+        <p:txBody>
+          <a:bodyPr wrap="square" rtlCol="0">
+            <a:spAutoFit/>
+          </a:bodyPr>
+          <a:lstStyle/>
+          <a:p>
+            <a:r>
+              <a:rPr lang="en-US" sz="1400" dirty="0"/>
+              <a:t>Process a document or documents into chunks. This will require multiple passes to ensure chunk boundaries are fully addressed.</a:t>
+            </a:r>
+          </a:p>
+        </p:txBody>
+      </p:sp>
     </p:spTree>
     <p:extLst>
       <p:ext uri="{BB962C8B-B14F-4D97-AF65-F5344CB8AC3E}">
@@ -17513,6 +17433,58 @@
           <a:lnRef idx="2">
             <a:schemeClr val="accent1">
               <a:shade val="50000"/>
+            </a:schemeClr>
+          </a:lnRef>
+          <a:fillRef idx="1">
+            <a:schemeClr val="accent1"/>
+          </a:fillRef>
+          <a:effectRef idx="0">
+            <a:schemeClr val="accent1"/>
+          </a:effectRef>
+          <a:fontRef idx="minor">
+            <a:schemeClr val="lt1"/>
+          </a:fontRef>
+        </p:style>
+        <p:txBody>
+          <a:bodyPr rtlCol="0" anchor="ctr"/>
+          <a:lstStyle/>
+          <a:p>
+            <a:pPr algn="ctr"/>
+            <a:endParaRPr lang="en-US"/>
+          </a:p>
+        </p:txBody>
+      </p:sp>
+      <p:sp>
+        <p:nvSpPr>
+          <p:cNvPr id="97" name="Rectangle 96">
+            <a:extLst>
+              <a:ext uri="{FF2B5EF4-FFF2-40B4-BE49-F238E27FC236}">
+                <a16:creationId xmlns:a16="http://schemas.microsoft.com/office/drawing/2014/main" id="{2BF18C88-90F5-FFB6-D7A6-14DD8FB71908}"/>
+              </a:ext>
+            </a:extLst>
+          </p:cNvPr>
+          <p:cNvSpPr/>
+          <p:nvPr/>
+        </p:nvSpPr>
+        <p:spPr>
+          <a:xfrm>
+            <a:off x="2294582" y="1663806"/>
+            <a:ext cx="8388829" cy="4956450"/>
+          </a:xfrm>
+          <a:prstGeom prst="rect">
+            <a:avLst/>
+          </a:prstGeom>
+          <a:solidFill>
+            <a:schemeClr val="accent1">
+              <a:lumMod val="40000"/>
+              <a:lumOff val="60000"/>
+            </a:schemeClr>
+          </a:solidFill>
+        </p:spPr>
+        <p:style>
+          <a:lnRef idx="2">
+            <a:schemeClr val="accent1">
+              <a:shade val="15000"/>
             </a:schemeClr>
           </a:lnRef>
           <a:fillRef idx="1">
@@ -17816,8 +17788,8 @@
         </p:nvSpPr>
         <p:spPr>
           <a:xfrm>
-            <a:off x="1411060" y="5297364"/>
-            <a:ext cx="1076462" cy="622927"/>
+            <a:off x="2443421" y="5674458"/>
+            <a:ext cx="1076462" cy="770795"/>
           </a:xfrm>
           <a:prstGeom prst="rect">
             <a:avLst/>
@@ -17849,7 +17821,7 @@
               </a:spcAft>
             </a:pPr>
             <a:r>
-              <a:rPr lang="en-US" sz="1602" kern="1200" dirty="0">
+              <a:rPr lang="en-US" sz="1400" kern="1200" dirty="0">
                 <a:solidFill>
                   <a:schemeClr val="bg1"/>
                 </a:solidFill>
@@ -17857,7 +17829,7 @@
                 <a:ea typeface="+mn-ea"/>
                 <a:cs typeface="+mn-cs"/>
               </a:rPr>
-              <a:t>(P3)</a:t>
+              <a:t>(P2)</a:t>
             </a:r>
           </a:p>
           <a:p>
@@ -17867,7 +17839,7 @@
               </a:spcAft>
             </a:pPr>
             <a:r>
-              <a:rPr lang="en-US" sz="1602" kern="1200" dirty="0">
+              <a:rPr lang="en-US" sz="1400" kern="1200" dirty="0">
                 <a:solidFill>
                   <a:schemeClr val="bg1"/>
                 </a:solidFill>
@@ -17875,178 +17847,9 @@
                 <a:ea typeface="+mn-ea"/>
                 <a:cs typeface="+mn-cs"/>
               </a:rPr>
-              <a:t>Query</a:t>
+              <a:t>Query Processing</a:t>
             </a:r>
-            <a:endParaRPr lang="en-US" dirty="0">
-              <a:solidFill>
-                <a:schemeClr val="bg1"/>
-              </a:solidFill>
-            </a:endParaRPr>
-          </a:p>
-        </p:txBody>
-      </p:sp>
-      <p:sp>
-        <p:nvSpPr>
-          <p:cNvPr id="3" name="Rectangle 2">
-            <a:extLst>
-              <a:ext uri="{FF2B5EF4-FFF2-40B4-BE49-F238E27FC236}">
-                <a16:creationId xmlns:a16="http://schemas.microsoft.com/office/drawing/2014/main" id="{EC30BE8C-8AD1-9549-BBC7-A6BF561F0032}"/>
-              </a:ext>
-            </a:extLst>
-          </p:cNvPr>
-          <p:cNvSpPr/>
-          <p:nvPr/>
-        </p:nvSpPr>
-        <p:spPr>
-          <a:xfrm>
-            <a:off x="5195907" y="5779958"/>
-            <a:ext cx="1874835" cy="1043300"/>
-          </a:xfrm>
-          <a:prstGeom prst="rect">
-            <a:avLst/>
-          </a:prstGeom>
-        </p:spPr>
-        <p:style>
-          <a:lnRef idx="2">
-            <a:schemeClr val="accent1">
-              <a:shade val="15000"/>
-            </a:schemeClr>
-          </a:lnRef>
-          <a:fillRef idx="1">
-            <a:schemeClr val="accent1"/>
-          </a:fillRef>
-          <a:effectRef idx="0">
-            <a:schemeClr val="accent1"/>
-          </a:effectRef>
-          <a:fontRef idx="minor">
-            <a:schemeClr val="lt1"/>
-          </a:fontRef>
-        </p:style>
-        <p:txBody>
-          <a:bodyPr rtlCol="0" anchor="ctr"/>
-          <a:lstStyle/>
-          <a:p>
-            <a:pPr algn="ctr" defTabSz="813816">
-              <a:spcAft>
-                <a:spcPts val="600"/>
-              </a:spcAft>
-            </a:pPr>
-            <a:r>
-              <a:rPr lang="en-US" sz="1602" kern="1200" dirty="0">
-                <a:solidFill>
-                  <a:schemeClr val="bg1"/>
-                </a:solidFill>
-                <a:latin typeface="+mn-lt"/>
-                <a:ea typeface="+mn-ea"/>
-                <a:cs typeface="+mn-cs"/>
-              </a:rPr>
-              <a:t>(KG1)</a:t>
-            </a:r>
-            <a:br>
-              <a:rPr lang="en-US" sz="1602" kern="1200" dirty="0">
-                <a:solidFill>
-                  <a:schemeClr val="bg1"/>
-                </a:solidFill>
-                <a:latin typeface="+mn-lt"/>
-                <a:ea typeface="+mn-ea"/>
-                <a:cs typeface="+mn-cs"/>
-              </a:rPr>
-            </a:br>
-            <a:r>
-              <a:rPr lang="en-US" sz="1602" kern="1200" dirty="0">
-                <a:solidFill>
-                  <a:schemeClr val="bg1"/>
-                </a:solidFill>
-                <a:latin typeface="+mn-lt"/>
-                <a:ea typeface="+mn-ea"/>
-                <a:cs typeface="+mn-cs"/>
-              </a:rPr>
-              <a:t>Short-Term Memory</a:t>
-            </a:r>
-            <a:endParaRPr lang="en-US" dirty="0">
-              <a:solidFill>
-                <a:schemeClr val="bg1"/>
-              </a:solidFill>
-            </a:endParaRPr>
-          </a:p>
-        </p:txBody>
-      </p:sp>
-      <p:sp>
-        <p:nvSpPr>
-          <p:cNvPr id="5" name="Rectangle 4">
-            <a:extLst>
-              <a:ext uri="{FF2B5EF4-FFF2-40B4-BE49-F238E27FC236}">
-                <a16:creationId xmlns:a16="http://schemas.microsoft.com/office/drawing/2014/main" id="{13DE8288-2E85-02D1-320E-6F19F71476EB}"/>
-              </a:ext>
-            </a:extLst>
-          </p:cNvPr>
-          <p:cNvSpPr/>
-          <p:nvPr/>
-        </p:nvSpPr>
-        <p:spPr>
-          <a:xfrm>
-            <a:off x="5190747" y="1830348"/>
-            <a:ext cx="1701077" cy="1251614"/>
-          </a:xfrm>
-          <a:prstGeom prst="rect">
-            <a:avLst/>
-          </a:prstGeom>
-        </p:spPr>
-        <p:style>
-          <a:lnRef idx="2">
-            <a:schemeClr val="accent1">
-              <a:shade val="15000"/>
-            </a:schemeClr>
-          </a:lnRef>
-          <a:fillRef idx="1">
-            <a:schemeClr val="accent1"/>
-          </a:fillRef>
-          <a:effectRef idx="0">
-            <a:schemeClr val="accent1"/>
-          </a:effectRef>
-          <a:fontRef idx="minor">
-            <a:schemeClr val="lt1"/>
-          </a:fontRef>
-        </p:style>
-        <p:txBody>
-          <a:bodyPr rtlCol="0" anchor="ctr"/>
-          <a:lstStyle/>
-          <a:p>
-            <a:pPr algn="ctr" defTabSz="813816">
-              <a:spcAft>
-                <a:spcPts val="600"/>
-              </a:spcAft>
-            </a:pPr>
-            <a:r>
-              <a:rPr lang="en-US" sz="1602" kern="1200" dirty="0">
-                <a:solidFill>
-                  <a:schemeClr val="bg1"/>
-                </a:solidFill>
-                <a:latin typeface="+mn-lt"/>
-                <a:ea typeface="+mn-ea"/>
-                <a:cs typeface="+mn-cs"/>
-              </a:rPr>
-              <a:t>(KG2)</a:t>
-            </a:r>
-          </a:p>
-          <a:p>
-            <a:pPr algn="ctr" defTabSz="813816">
-              <a:spcAft>
-                <a:spcPts val="600"/>
-              </a:spcAft>
-            </a:pPr>
-            <a:r>
-              <a:rPr lang="en-US" sz="1602" kern="1200" dirty="0">
-                <a:solidFill>
-                  <a:schemeClr val="bg1"/>
-                </a:solidFill>
-                <a:latin typeface="+mn-lt"/>
-                <a:ea typeface="+mn-ea"/>
-                <a:cs typeface="+mn-cs"/>
-              </a:rPr>
-              <a:t>Long-Term Memory</a:t>
-            </a:r>
-            <a:endParaRPr lang="en-US" dirty="0">
+            <a:endParaRPr lang="en-US" sz="1400" dirty="0">
               <a:solidFill>
                 <a:schemeClr val="bg1"/>
               </a:solidFill>
@@ -18068,8 +17871,8 @@
         </p:nvSpPr>
         <p:spPr>
           <a:xfrm>
-            <a:off x="2886709" y="5087178"/>
-            <a:ext cx="1874836" cy="1043300"/>
+            <a:off x="4106556" y="5128454"/>
+            <a:ext cx="1481198" cy="770795"/>
           </a:xfrm>
           <a:prstGeom prst="ellipse">
             <a:avLst/>
@@ -18101,7 +17904,7 @@
               </a:spcAft>
             </a:pPr>
             <a:r>
-              <a:rPr lang="en-US" sz="1602" kern="1200" dirty="0">
+              <a:rPr lang="en-US" sz="1400" kern="1200" dirty="0">
                 <a:solidFill>
                   <a:schemeClr val="bg1"/>
                 </a:solidFill>
@@ -18109,7 +17912,26 @@
                 <a:ea typeface="+mn-ea"/>
                 <a:cs typeface="+mn-cs"/>
               </a:rPr>
-              <a:t>(L1)</a:t>
+              <a:t>(P</a:t>
+            </a:r>
+            <a:r>
+              <a:rPr lang="en-US" sz="1400" dirty="0">
+                <a:solidFill>
+                  <a:schemeClr val="bg1"/>
+                </a:solidFill>
+              </a:rPr>
+              <a:t>3</a:t>
+            </a:r>
+            <a:r>
+              <a:rPr lang="en-US" sz="1400" kern="1200" dirty="0">
+                <a:solidFill>
+                  <a:schemeClr val="bg1"/>
+                </a:solidFill>
+                <a:latin typeface="+mn-lt"/>
+                <a:ea typeface="+mn-ea"/>
+                <a:cs typeface="+mn-cs"/>
+              </a:rPr>
+              <a:t>)</a:t>
             </a:r>
           </a:p>
           <a:p>
@@ -18119,7 +17941,7 @@
               </a:spcAft>
             </a:pPr>
             <a:r>
-              <a:rPr lang="en-US" sz="1602" kern="1200" dirty="0">
+              <a:rPr lang="en-US" sz="1400" kern="1200" dirty="0">
                 <a:solidFill>
                   <a:schemeClr val="bg1"/>
                 </a:solidFill>
@@ -18129,7 +17951,7 @@
               </a:rPr>
               <a:t>Input Processing</a:t>
             </a:r>
-            <a:endParaRPr lang="en-US" dirty="0">
+            <a:endParaRPr lang="en-US" sz="1400" dirty="0">
               <a:solidFill>
                 <a:schemeClr val="bg1"/>
               </a:solidFill>
@@ -18151,8 +17973,8 @@
         </p:nvSpPr>
         <p:spPr>
           <a:xfrm>
-            <a:off x="8906104" y="4697653"/>
-            <a:ext cx="1874836" cy="1043300"/>
+            <a:off x="9019787" y="4529597"/>
+            <a:ext cx="1536903" cy="1107022"/>
           </a:xfrm>
           <a:prstGeom prst="ellipse">
             <a:avLst/>
@@ -18184,7 +18006,7 @@
               </a:spcAft>
             </a:pPr>
             <a:r>
-              <a:rPr lang="en-US" sz="1602" kern="1200" dirty="0">
+              <a:rPr lang="en-US" sz="1400" kern="1200" dirty="0">
                 <a:solidFill>
                   <a:schemeClr val="bg1"/>
                 </a:solidFill>
@@ -18192,17 +18014,32 @@
                 <a:ea typeface="+mn-ea"/>
                 <a:cs typeface="+mn-cs"/>
               </a:rPr>
-              <a:t>(L4)</a:t>
+              <a:t>(</a:t>
+            </a:r>
+            <a:r>
+              <a:rPr lang="en-US" sz="1400" dirty="0">
+                <a:solidFill>
+                  <a:schemeClr val="bg1"/>
+                </a:solidFill>
+              </a:rPr>
+              <a:t>P6</a:t>
+            </a:r>
+            <a:r>
+              <a:rPr lang="en-US" sz="1400" kern="1200" dirty="0">
+                <a:solidFill>
+                  <a:schemeClr val="bg1"/>
+                </a:solidFill>
+                <a:latin typeface="+mn-lt"/>
+                <a:ea typeface="+mn-ea"/>
+                <a:cs typeface="+mn-cs"/>
+              </a:rPr>
+              <a:t>)</a:t>
             </a:r>
           </a:p>
           <a:p>
-            <a:pPr algn="ctr" defTabSz="813816">
-              <a:spcAft>
-                <a:spcPts val="600"/>
-              </a:spcAft>
-            </a:pPr>
+            <a:pPr algn="ctr" defTabSz="813816"/>
             <a:r>
-              <a:rPr lang="en-US" sz="1602" kern="1200" dirty="0">
+              <a:rPr lang="en-US" sz="1400" kern="1200" dirty="0">
                 <a:solidFill>
                   <a:schemeClr val="bg1"/>
                 </a:solidFill>
@@ -18212,11 +18049,17 @@
               </a:rPr>
               <a:t>Response Processing</a:t>
             </a:r>
-            <a:endParaRPr lang="en-US" dirty="0">
-              <a:solidFill>
-                <a:schemeClr val="bg1"/>
-              </a:solidFill>
-            </a:endParaRPr>
+          </a:p>
+          <a:p>
+            <a:pPr algn="ctr" defTabSz="813816"/>
+            <a:r>
+              <a:rPr lang="en-US" sz="1400" dirty="0">
+                <a:solidFill>
+                  <a:schemeClr val="bg1"/>
+                </a:solidFill>
+              </a:rPr>
+              <a:t>Agent</a:t>
+            </a:r>
           </a:p>
         </p:txBody>
       </p:sp>
@@ -18237,9 +18080,9 @@
           <p:nvPr/>
         </p:nvCxnSpPr>
         <p:spPr>
-          <a:xfrm>
-            <a:off x="2487522" y="5608828"/>
-            <a:ext cx="399186" cy="0"/>
+          <a:xfrm flipV="1">
+            <a:off x="3519883" y="5513852"/>
+            <a:ext cx="586673" cy="546004"/>
           </a:xfrm>
           <a:prstGeom prst="straightConnector1">
             <a:avLst/>
@@ -18275,14 +18118,14 @@
           <p:cNvCxnSpPr>
             <a:cxnSpLocks/>
             <a:stCxn id="7" idx="7"/>
-            <a:endCxn id="19" idx="1"/>
+            <a:endCxn id="94" idx="1"/>
           </p:cNvCxnSpPr>
           <p:nvPr/>
         </p:nvCxnSpPr>
         <p:spPr>
           <a:xfrm flipV="1">
-            <a:off x="10506377" y="4218134"/>
-            <a:ext cx="487847" cy="632307"/>
+            <a:off x="10331616" y="4387392"/>
+            <a:ext cx="582990" cy="304325"/>
           </a:xfrm>
           <a:prstGeom prst="straightConnector1">
             <a:avLst/>
@@ -18317,15 +18160,15 @@
           </p:cNvPr>
           <p:cNvCxnSpPr>
             <a:cxnSpLocks/>
-            <a:stCxn id="3" idx="3"/>
+            <a:stCxn id="144" idx="4"/>
             <a:endCxn id="7" idx="3"/>
           </p:cNvCxnSpPr>
           <p:nvPr/>
         </p:nvCxnSpPr>
         <p:spPr>
           <a:xfrm flipV="1">
-            <a:off x="7070742" y="5588165"/>
-            <a:ext cx="2109925" cy="713443"/>
+            <a:off x="7567667" y="5474499"/>
+            <a:ext cx="1677194" cy="150747"/>
           </a:xfrm>
           <a:prstGeom prst="straightConnector1">
             <a:avLst/>
@@ -18361,14 +18204,14 @@
           <p:cNvCxnSpPr>
             <a:cxnSpLocks/>
             <a:stCxn id="6" idx="6"/>
-            <a:endCxn id="3" idx="1"/>
+            <a:endCxn id="144" idx="2"/>
           </p:cNvCxnSpPr>
           <p:nvPr/>
         </p:nvCxnSpPr>
         <p:spPr>
           <a:xfrm>
-            <a:off x="4761545" y="5608828"/>
-            <a:ext cx="434362" cy="692780"/>
+            <a:off x="5587754" y="5513852"/>
+            <a:ext cx="707430" cy="111394"/>
           </a:xfrm>
           <a:prstGeom prst="straightConnector1">
             <a:avLst/>
@@ -18392,89 +18235,6 @@
           </a:fontRef>
         </p:style>
       </p:cxnSp>
-      <p:sp>
-        <p:nvSpPr>
-          <p:cNvPr id="13" name="Oval 12">
-            <a:extLst>
-              <a:ext uri="{FF2B5EF4-FFF2-40B4-BE49-F238E27FC236}">
-                <a16:creationId xmlns:a16="http://schemas.microsoft.com/office/drawing/2014/main" id="{5EB8DF64-888A-A5F3-EBAD-DFC7E6A5B637}"/>
-              </a:ext>
-            </a:extLst>
-          </p:cNvPr>
-          <p:cNvSpPr/>
-          <p:nvPr/>
-        </p:nvSpPr>
-        <p:spPr>
-          <a:xfrm>
-            <a:off x="5183004" y="4356723"/>
-            <a:ext cx="1874836" cy="1043300"/>
-          </a:xfrm>
-          <a:prstGeom prst="ellipse">
-            <a:avLst/>
-          </a:prstGeom>
-        </p:spPr>
-        <p:style>
-          <a:lnRef idx="2">
-            <a:schemeClr val="accent1">
-              <a:shade val="15000"/>
-            </a:schemeClr>
-          </a:lnRef>
-          <a:fillRef idx="1">
-            <a:schemeClr val="accent1"/>
-          </a:fillRef>
-          <a:effectRef idx="0">
-            <a:schemeClr val="accent1"/>
-          </a:effectRef>
-          <a:fontRef idx="minor">
-            <a:schemeClr val="lt1"/>
-          </a:fontRef>
-        </p:style>
-        <p:txBody>
-          <a:bodyPr rtlCol="0" anchor="ctr"/>
-          <a:lstStyle/>
-          <a:p>
-            <a:pPr algn="ctr" defTabSz="813816">
-              <a:spcAft>
-                <a:spcPts val="600"/>
-              </a:spcAft>
-            </a:pPr>
-            <a:r>
-              <a:rPr lang="en-US" sz="1602" kern="1200" dirty="0">
-                <a:solidFill>
-                  <a:schemeClr val="bg1"/>
-                </a:solidFill>
-                <a:latin typeface="+mn-lt"/>
-                <a:ea typeface="+mn-ea"/>
-                <a:cs typeface="+mn-cs"/>
-              </a:rPr>
-              <a:t>(L2)</a:t>
-            </a:r>
-          </a:p>
-          <a:p>
-            <a:pPr algn="ctr" defTabSz="813816">
-              <a:spcAft>
-                <a:spcPts val="600"/>
-              </a:spcAft>
-            </a:pPr>
-            <a:r>
-              <a:rPr lang="en-US" sz="1602" kern="1200" dirty="0">
-                <a:solidFill>
-                  <a:schemeClr val="bg1"/>
-                </a:solidFill>
-                <a:latin typeface="+mn-lt"/>
-                <a:ea typeface="+mn-ea"/>
-                <a:cs typeface="+mn-cs"/>
-              </a:rPr>
-              <a:t>Memory Formation</a:t>
-            </a:r>
-            <a:endParaRPr lang="en-US" dirty="0">
-              <a:solidFill>
-                <a:schemeClr val="bg1"/>
-              </a:solidFill>
-            </a:endParaRPr>
-          </a:p>
-        </p:txBody>
-      </p:sp>
       <p:cxnSp>
         <p:nvCxnSpPr>
           <p:cNvPr id="15" name="Straight Arrow Connector 14">
@@ -18486,20 +18246,21 @@
           </p:cNvPr>
           <p:cNvCxnSpPr>
             <a:cxnSpLocks/>
-            <a:stCxn id="13" idx="0"/>
-            <a:endCxn id="5" idx="2"/>
+            <a:stCxn id="27" idx="0"/>
+            <a:endCxn id="145" idx="3"/>
           </p:cNvCxnSpPr>
           <p:nvPr/>
         </p:nvCxnSpPr>
         <p:spPr>
-          <a:xfrm flipH="1" flipV="1">
-            <a:off x="6041286" y="3081962"/>
-            <a:ext cx="79136" cy="1274761"/>
+          <a:xfrm flipV="1">
+            <a:off x="6927422" y="2993647"/>
+            <a:ext cx="24978" cy="735198"/>
           </a:xfrm>
           <a:prstGeom prst="straightConnector1">
             <a:avLst/>
           </a:prstGeom>
           <a:ln>
+            <a:headEnd type="triangle"/>
             <a:tailEnd type="triangle"/>
           </a:ln>
         </p:spPr>
@@ -18529,15 +18290,15 @@
           </p:cNvPr>
           <p:cNvCxnSpPr>
             <a:cxnSpLocks/>
-            <a:stCxn id="3" idx="0"/>
-            <a:endCxn id="13" idx="4"/>
+            <a:stCxn id="144" idx="1"/>
+            <a:endCxn id="27" idx="2"/>
           </p:cNvCxnSpPr>
           <p:nvPr/>
         </p:nvCxnSpPr>
         <p:spPr>
           <a:xfrm flipH="1" flipV="1">
-            <a:off x="6120422" y="5400023"/>
-            <a:ext cx="12903" cy="379935"/>
+            <a:off x="6927422" y="4643745"/>
+            <a:ext cx="4004" cy="456125"/>
           </a:xfrm>
           <a:prstGeom prst="straightConnector1">
             <a:avLst/>
@@ -18561,89 +18322,6 @@
           </a:fontRef>
         </p:style>
       </p:cxnSp>
-      <p:sp>
-        <p:nvSpPr>
-          <p:cNvPr id="19" name="Rectangle 18">
-            <a:extLst>
-              <a:ext uri="{FF2B5EF4-FFF2-40B4-BE49-F238E27FC236}">
-                <a16:creationId xmlns:a16="http://schemas.microsoft.com/office/drawing/2014/main" id="{8891AA5C-048D-6728-CC46-98766A8D4453}"/>
-              </a:ext>
-            </a:extLst>
-          </p:cNvPr>
-          <p:cNvSpPr/>
-          <p:nvPr/>
-        </p:nvSpPr>
-        <p:spPr>
-          <a:xfrm>
-            <a:off x="10994224" y="3906670"/>
-            <a:ext cx="1076462" cy="622927"/>
-          </a:xfrm>
-          <a:prstGeom prst="rect">
-            <a:avLst/>
-          </a:prstGeom>
-        </p:spPr>
-        <p:style>
-          <a:lnRef idx="2">
-            <a:schemeClr val="accent1">
-              <a:shade val="15000"/>
-            </a:schemeClr>
-          </a:lnRef>
-          <a:fillRef idx="1">
-            <a:schemeClr val="accent1"/>
-          </a:fillRef>
-          <a:effectRef idx="0">
-            <a:schemeClr val="accent1"/>
-          </a:effectRef>
-          <a:fontRef idx="minor">
-            <a:schemeClr val="lt1"/>
-          </a:fontRef>
-        </p:style>
-        <p:txBody>
-          <a:bodyPr rtlCol="0" anchor="ctr"/>
-          <a:lstStyle/>
-          <a:p>
-            <a:pPr algn="ctr" defTabSz="813816">
-              <a:spcAft>
-                <a:spcPts val="600"/>
-              </a:spcAft>
-            </a:pPr>
-            <a:r>
-              <a:rPr lang="en-US" sz="1602" kern="1200" dirty="0">
-                <a:solidFill>
-                  <a:schemeClr val="bg1"/>
-                </a:solidFill>
-                <a:latin typeface="+mn-lt"/>
-                <a:ea typeface="+mn-ea"/>
-                <a:cs typeface="+mn-cs"/>
-              </a:rPr>
-              <a:t>(P5)</a:t>
-            </a:r>
-          </a:p>
-          <a:p>
-            <a:pPr algn="ctr" defTabSz="813816">
-              <a:spcAft>
-                <a:spcPts val="600"/>
-              </a:spcAft>
-            </a:pPr>
-            <a:r>
-              <a:rPr lang="en-US" sz="1602" kern="1200" dirty="0">
-                <a:solidFill>
-                  <a:schemeClr val="bg1"/>
-                </a:solidFill>
-                <a:latin typeface="+mn-lt"/>
-                <a:ea typeface="+mn-ea"/>
-                <a:cs typeface="+mn-cs"/>
-              </a:rPr>
-              <a:t>Response</a:t>
-            </a:r>
-            <a:endParaRPr lang="en-US" dirty="0">
-              <a:solidFill>
-                <a:schemeClr val="bg1"/>
-              </a:solidFill>
-            </a:endParaRPr>
-          </a:p>
-        </p:txBody>
-      </p:sp>
       <p:cxnSp>
         <p:nvCxnSpPr>
           <p:cNvPr id="20" name="Connector: Elbow 19">
@@ -18655,15 +18333,15 @@
           </p:cNvPr>
           <p:cNvCxnSpPr>
             <a:cxnSpLocks/>
-            <a:stCxn id="5" idx="1"/>
+            <a:stCxn id="145" idx="2"/>
             <a:endCxn id="6" idx="0"/>
           </p:cNvCxnSpPr>
           <p:nvPr/>
         </p:nvCxnSpPr>
         <p:spPr>
           <a:xfrm rot="10800000" flipV="1">
-            <a:off x="3824127" y="2456154"/>
-            <a:ext cx="1366620" cy="2631023"/>
+            <a:off x="4847156" y="2468270"/>
+            <a:ext cx="1469003" cy="2660183"/>
           </a:xfrm>
           <a:prstGeom prst="bentConnector2">
             <a:avLst/>
@@ -18701,7 +18379,7 @@
         </p:nvSpPr>
         <p:spPr>
           <a:xfrm>
-            <a:off x="1170432" y="4004920"/>
+            <a:off x="2545131" y="3716717"/>
             <a:ext cx="1317090" cy="770795"/>
           </a:xfrm>
           <a:prstGeom prst="rect">
@@ -18734,7 +18412,7 @@
               </a:spcAft>
             </a:pPr>
             <a:r>
-              <a:rPr lang="en-US" sz="1602" kern="1200" dirty="0">
+              <a:rPr lang="en-US" sz="1400" kern="1200" dirty="0">
                 <a:solidFill>
                   <a:schemeClr val="bg1"/>
                 </a:solidFill>
@@ -18745,7 +18423,7 @@
               <a:t>(P1)</a:t>
             </a:r>
             <a:br>
-              <a:rPr lang="en-US" sz="1602" kern="1200" dirty="0">
+              <a:rPr lang="en-US" sz="1400" kern="1200" dirty="0">
                 <a:solidFill>
                   <a:schemeClr val="bg1"/>
                 </a:solidFill>
@@ -18755,7 +18433,7 @@
               </a:rPr>
             </a:br>
             <a:r>
-              <a:rPr lang="en-US" sz="1602" kern="1200" dirty="0">
+              <a:rPr lang="en-US" sz="1400" kern="1200" dirty="0">
                 <a:solidFill>
                   <a:schemeClr val="bg1"/>
                 </a:solidFill>
@@ -18765,7 +18443,7 @@
               </a:rPr>
               <a:t>Document Processing</a:t>
             </a:r>
-            <a:endParaRPr lang="en-US" dirty="0">
+            <a:endParaRPr lang="en-US" sz="1400" dirty="0">
               <a:solidFill>
                 <a:schemeClr val="bg1"/>
               </a:solidFill>
@@ -18791,8 +18469,8 @@
         </p:nvCxnSpPr>
         <p:spPr>
           <a:xfrm>
-            <a:off x="2487522" y="4390318"/>
-            <a:ext cx="673750" cy="849648"/>
+            <a:off x="3862221" y="4102115"/>
+            <a:ext cx="461251" cy="1139219"/>
           </a:xfrm>
           <a:prstGeom prst="straightConnector1">
             <a:avLst/>
@@ -18830,8 +18508,8 @@
         </p:nvSpPr>
         <p:spPr>
           <a:xfrm>
-            <a:off x="1828977" y="2167770"/>
-            <a:ext cx="1599534" cy="1043298"/>
+            <a:off x="191499" y="3086564"/>
+            <a:ext cx="1317090" cy="877672"/>
           </a:xfrm>
           <a:prstGeom prst="flowChartMultidocument">
             <a:avLst/>
@@ -18859,14 +18537,14 @@
           <a:p>
             <a:pPr algn="ctr"/>
             <a:r>
-              <a:rPr lang="en-US" dirty="0"/>
+              <a:rPr lang="en-US" sz="1400" dirty="0"/>
               <a:t>(D1)</a:t>
             </a:r>
           </a:p>
           <a:p>
             <a:pPr algn="ctr"/>
             <a:r>
-              <a:rPr lang="en-US" dirty="0"/>
+              <a:rPr lang="en-US" sz="1400" dirty="0"/>
               <a:t>Documents</a:t>
             </a:r>
           </a:p>
@@ -18883,15 +18561,15 @@
           </p:cNvPr>
           <p:cNvCxnSpPr>
             <a:cxnSpLocks/>
-            <a:stCxn id="25" idx="2"/>
-            <a:endCxn id="21" idx="0"/>
+            <a:stCxn id="25" idx="3"/>
+            <a:endCxn id="21" idx="1"/>
           </p:cNvCxnSpPr>
           <p:nvPr/>
         </p:nvCxnSpPr>
         <p:spPr>
-          <a:xfrm flipH="1">
-            <a:off x="1828977" y="3171558"/>
-            <a:ext cx="688540" cy="833362"/>
+          <a:xfrm>
+            <a:off x="1508589" y="3525400"/>
+            <a:ext cx="1036542" cy="576715"/>
           </a:xfrm>
           <a:prstGeom prst="straightConnector1">
             <a:avLst/>
@@ -18929,8 +18607,8 @@
         </p:nvSpPr>
         <p:spPr>
           <a:xfrm>
-            <a:off x="4060478" y="3211068"/>
-            <a:ext cx="1455763" cy="1145654"/>
+            <a:off x="6374521" y="3728845"/>
+            <a:ext cx="1105801" cy="914900"/>
           </a:xfrm>
           <a:prstGeom prst="rect">
             <a:avLst/>
@@ -18962,7 +18640,7 @@
               </a:spcAft>
             </a:pPr>
             <a:r>
-              <a:rPr lang="en-US" sz="1602" kern="1200" dirty="0">
+              <a:rPr lang="en-US" sz="1400" kern="1200" dirty="0">
                 <a:solidFill>
                   <a:schemeClr val="bg1"/>
                 </a:solidFill>
@@ -18970,7 +18648,7 @@
                 <a:ea typeface="+mn-ea"/>
                 <a:cs typeface="+mn-cs"/>
               </a:rPr>
-              <a:t>(P2)</a:t>
+              <a:t>(P4)</a:t>
             </a:r>
           </a:p>
           <a:p>
@@ -18980,7 +18658,7 @@
               </a:spcAft>
             </a:pPr>
             <a:r>
-              <a:rPr lang="en-US" sz="1602" kern="1200" dirty="0">
+              <a:rPr lang="en-US" sz="1400" kern="1200" dirty="0">
                 <a:solidFill>
                   <a:schemeClr val="bg1"/>
                 </a:solidFill>
@@ -18990,7 +18668,7 @@
               </a:rPr>
               <a:t>Long Term Memory Formation</a:t>
             </a:r>
-            <a:endParaRPr lang="en-US" dirty="0">
+            <a:endParaRPr lang="en-US" sz="1400" dirty="0">
               <a:solidFill>
                 <a:schemeClr val="bg1"/>
               </a:solidFill>
@@ -18998,49 +18676,6 @@
           </a:p>
         </p:txBody>
       </p:sp>
-      <p:cxnSp>
-        <p:nvCxnSpPr>
-          <p:cNvPr id="29" name="Straight Arrow Connector 28">
-            <a:extLst>
-              <a:ext uri="{FF2B5EF4-FFF2-40B4-BE49-F238E27FC236}">
-                <a16:creationId xmlns:a16="http://schemas.microsoft.com/office/drawing/2014/main" id="{15134890-1CCF-3AB8-D334-EAC4A2BD96C6}"/>
-              </a:ext>
-            </a:extLst>
-          </p:cNvPr>
-          <p:cNvCxnSpPr>
-            <a:cxnSpLocks/>
-            <a:stCxn id="27" idx="2"/>
-            <a:endCxn id="13" idx="2"/>
-          </p:cNvCxnSpPr>
-          <p:nvPr/>
-        </p:nvCxnSpPr>
-        <p:spPr>
-          <a:xfrm>
-            <a:off x="4788360" y="4356722"/>
-            <a:ext cx="394644" cy="521651"/>
-          </a:xfrm>
-          <a:prstGeom prst="straightConnector1">
-            <a:avLst/>
-          </a:prstGeom>
-          <a:ln>
-            <a:tailEnd type="triangle"/>
-          </a:ln>
-        </p:spPr>
-        <p:style>
-          <a:lnRef idx="2">
-            <a:schemeClr val="accent1"/>
-          </a:lnRef>
-          <a:fillRef idx="0">
-            <a:schemeClr val="accent1"/>
-          </a:fillRef>
-          <a:effectRef idx="1">
-            <a:schemeClr val="accent1"/>
-          </a:effectRef>
-          <a:fontRef idx="minor">
-            <a:schemeClr val="tx1"/>
-          </a:fontRef>
-        </p:style>
-      </p:cxnSp>
       <p:sp>
         <p:nvSpPr>
           <p:cNvPr id="30" name="Rectangle 29">
@@ -19055,8 +18690,8 @@
         </p:nvSpPr>
         <p:spPr>
           <a:xfrm>
-            <a:off x="7410168" y="3348612"/>
-            <a:ext cx="1455763" cy="1041706"/>
+            <a:off x="8258576" y="2035812"/>
+            <a:ext cx="1118659" cy="864918"/>
           </a:xfrm>
           <a:prstGeom prst="rect">
             <a:avLst/>
@@ -19088,7 +18723,7 @@
               </a:spcAft>
             </a:pPr>
             <a:r>
-              <a:rPr lang="en-US" sz="1602" kern="1200" dirty="0">
+              <a:rPr lang="en-US" sz="1400" kern="1200" dirty="0">
                 <a:solidFill>
                   <a:schemeClr val="bg1"/>
                 </a:solidFill>
@@ -19096,7 +18731,7 @@
                 <a:ea typeface="+mn-ea"/>
                 <a:cs typeface="+mn-cs"/>
               </a:rPr>
-              <a:t>(P4)</a:t>
+              <a:t>(P5)</a:t>
             </a:r>
           </a:p>
           <a:p>
@@ -19106,7 +18741,7 @@
               </a:spcAft>
             </a:pPr>
             <a:r>
-              <a:rPr lang="en-US" sz="1602" kern="1200" dirty="0">
+              <a:rPr lang="en-US" sz="1400" kern="1200" dirty="0">
                 <a:solidFill>
                   <a:schemeClr val="bg1"/>
                 </a:solidFill>
@@ -19116,7 +18751,7 @@
               </a:rPr>
               <a:t>Long Term Memory Processing</a:t>
             </a:r>
-            <a:endParaRPr lang="en-US" dirty="0">
+            <a:endParaRPr lang="en-US" sz="1400" dirty="0">
               <a:solidFill>
                 <a:schemeClr val="bg1"/>
               </a:solidFill>
@@ -19135,19 +18770,19 @@
           </p:cNvPr>
           <p:cNvCxnSpPr>
             <a:cxnSpLocks/>
-            <a:stCxn id="5" idx="0"/>
+            <a:stCxn id="145" idx="1"/>
             <a:endCxn id="7" idx="0"/>
           </p:cNvCxnSpPr>
           <p:nvPr/>
         </p:nvCxnSpPr>
         <p:spPr>
           <a:xfrm rot="16200000" flipH="1">
-            <a:off x="6508751" y="1362882"/>
-            <a:ext cx="2867305" cy="3802236"/>
+            <a:off x="7076968" y="1818327"/>
+            <a:ext cx="2586702" cy="2835839"/>
           </a:xfrm>
           <a:prstGeom prst="bentConnector3">
             <a:avLst>
-              <a:gd name="adj1" fmla="val -7973"/>
+              <a:gd name="adj1" fmla="val -8838"/>
             </a:avLst>
           </a:prstGeom>
           <a:ln>
@@ -19169,89 +18804,6 @@
           </a:fontRef>
         </p:style>
       </p:cxnSp>
-      <p:sp>
-        <p:nvSpPr>
-          <p:cNvPr id="32" name="Oval 31">
-            <a:extLst>
-              <a:ext uri="{FF2B5EF4-FFF2-40B4-BE49-F238E27FC236}">
-                <a16:creationId xmlns:a16="http://schemas.microsoft.com/office/drawing/2014/main" id="{66840E0A-230A-7789-561D-770542E3C3C1}"/>
-              </a:ext>
-            </a:extLst>
-          </p:cNvPr>
-          <p:cNvSpPr/>
-          <p:nvPr/>
-        </p:nvSpPr>
-        <p:spPr>
-          <a:xfrm>
-            <a:off x="7277525" y="1929827"/>
-            <a:ext cx="1874836" cy="1043300"/>
-          </a:xfrm>
-          <a:prstGeom prst="ellipse">
-            <a:avLst/>
-          </a:prstGeom>
-        </p:spPr>
-        <p:style>
-          <a:lnRef idx="2">
-            <a:schemeClr val="accent1">
-              <a:shade val="15000"/>
-            </a:schemeClr>
-          </a:lnRef>
-          <a:fillRef idx="1">
-            <a:schemeClr val="accent1"/>
-          </a:fillRef>
-          <a:effectRef idx="0">
-            <a:schemeClr val="accent1"/>
-          </a:effectRef>
-          <a:fontRef idx="minor">
-            <a:schemeClr val="lt1"/>
-          </a:fontRef>
-        </p:style>
-        <p:txBody>
-          <a:bodyPr rtlCol="0" anchor="ctr"/>
-          <a:lstStyle/>
-          <a:p>
-            <a:pPr algn="ctr" defTabSz="813816">
-              <a:spcAft>
-                <a:spcPts val="600"/>
-              </a:spcAft>
-            </a:pPr>
-            <a:r>
-              <a:rPr lang="en-US" sz="1602" kern="1200" dirty="0">
-                <a:solidFill>
-                  <a:schemeClr val="bg1"/>
-                </a:solidFill>
-                <a:latin typeface="+mn-lt"/>
-                <a:ea typeface="+mn-ea"/>
-                <a:cs typeface="+mn-cs"/>
-              </a:rPr>
-              <a:t>(L3)</a:t>
-            </a:r>
-          </a:p>
-          <a:p>
-            <a:pPr algn="ctr" defTabSz="813816">
-              <a:spcAft>
-                <a:spcPts val="600"/>
-              </a:spcAft>
-            </a:pPr>
-            <a:r>
-              <a:rPr lang="en-US" sz="1602" kern="1200" dirty="0">
-                <a:solidFill>
-                  <a:schemeClr val="bg1"/>
-                </a:solidFill>
-                <a:latin typeface="+mn-lt"/>
-                <a:ea typeface="+mn-ea"/>
-                <a:cs typeface="+mn-cs"/>
-              </a:rPr>
-              <a:t>Memory</a:t>
-            </a:r>
-            <a:endParaRPr lang="en-US" dirty="0">
-              <a:solidFill>
-                <a:schemeClr val="bg1"/>
-              </a:solidFill>
-            </a:endParaRPr>
-          </a:p>
-        </p:txBody>
-      </p:sp>
       <p:cxnSp>
         <p:nvCxnSpPr>
           <p:cNvPr id="35" name="Straight Arrow Connector 34">
@@ -19263,64 +18815,21 @@
           </p:cNvPr>
           <p:cNvCxnSpPr>
             <a:cxnSpLocks/>
-            <a:stCxn id="32" idx="2"/>
-            <a:endCxn id="5" idx="3"/>
+            <a:stCxn id="30" idx="1"/>
+            <a:endCxn id="145" idx="4"/>
           </p:cNvCxnSpPr>
           <p:nvPr/>
         </p:nvCxnSpPr>
         <p:spPr>
           <a:xfrm flipH="1">
-            <a:off x="6891824" y="2451477"/>
-            <a:ext cx="385701" cy="4678"/>
+            <a:off x="7588641" y="2468271"/>
+            <a:ext cx="669935" cy="0"/>
           </a:xfrm>
           <a:prstGeom prst="straightConnector1">
             <a:avLst/>
           </a:prstGeom>
           <a:ln>
             <a:headEnd type="triangle"/>
-            <a:tailEnd type="triangle"/>
-          </a:ln>
-        </p:spPr>
-        <p:style>
-          <a:lnRef idx="2">
-            <a:schemeClr val="accent1"/>
-          </a:lnRef>
-          <a:fillRef idx="0">
-            <a:schemeClr val="accent1"/>
-          </a:fillRef>
-          <a:effectRef idx="1">
-            <a:schemeClr val="accent1"/>
-          </a:effectRef>
-          <a:fontRef idx="minor">
-            <a:schemeClr val="tx1"/>
-          </a:fontRef>
-        </p:style>
-      </p:cxnSp>
-      <p:cxnSp>
-        <p:nvCxnSpPr>
-          <p:cNvPr id="36" name="Straight Arrow Connector 35">
-            <a:extLst>
-              <a:ext uri="{FF2B5EF4-FFF2-40B4-BE49-F238E27FC236}">
-                <a16:creationId xmlns:a16="http://schemas.microsoft.com/office/drawing/2014/main" id="{C1D1A317-ED32-3561-0B85-B428F20505D9}"/>
-              </a:ext>
-            </a:extLst>
-          </p:cNvPr>
-          <p:cNvCxnSpPr>
-            <a:cxnSpLocks/>
-            <a:stCxn id="30" idx="0"/>
-            <a:endCxn id="32" idx="4"/>
-          </p:cNvCxnSpPr>
-          <p:nvPr/>
-        </p:nvCxnSpPr>
-        <p:spPr>
-          <a:xfrm flipV="1">
-            <a:off x="8138050" y="2973127"/>
-            <a:ext cx="76893" cy="375485"/>
-          </a:xfrm>
-          <a:prstGeom prst="straightConnector1">
-            <a:avLst/>
-          </a:prstGeom>
-          <a:ln>
             <a:tailEnd type="triangle"/>
           </a:ln>
         </p:spPr>
@@ -19353,41 +18862,124 @@
         </p:nvSpPr>
         <p:spPr>
           <a:xfrm>
-            <a:off x="173353" y="1663806"/>
-            <a:ext cx="1928926" cy="954107"/>
+            <a:off x="118698" y="1663806"/>
+            <a:ext cx="2079000" cy="877673"/>
           </a:xfrm>
           <a:prstGeom prst="rect">
             <a:avLst/>
           </a:prstGeom>
-          <a:noFill/>
+          <a:solidFill>
+            <a:schemeClr val="accent1">
+              <a:lumMod val="40000"/>
+              <a:lumOff val="60000"/>
+            </a:schemeClr>
+          </a:solidFill>
         </p:spPr>
+        <p:style>
+          <a:lnRef idx="2">
+            <a:schemeClr val="accent1">
+              <a:shade val="15000"/>
+            </a:schemeClr>
+          </a:lnRef>
+          <a:fillRef idx="1">
+            <a:schemeClr val="accent1"/>
+          </a:fillRef>
+          <a:effectRef idx="0">
+            <a:schemeClr val="accent1"/>
+          </a:effectRef>
+          <a:fontRef idx="minor">
+            <a:schemeClr val="lt1"/>
+          </a:fontRef>
+        </p:style>
         <p:txBody>
-          <a:bodyPr wrap="none" rtlCol="0">
-            <a:spAutoFit/>
-          </a:bodyPr>
-          <a:lstStyle/>
+          <a:bodyPr rtlCol="0" anchor="ctr"/>
+          <a:lstStyle>
+            <a:defPPr>
+              <a:defRPr lang="en-US"/>
+            </a:defPPr>
+            <a:lvl1pPr algn="ctr">
+              <a:defRPr>
+                <a:solidFill>
+                  <a:schemeClr val="lt1"/>
+                </a:solidFill>
+              </a:defRPr>
+            </a:lvl1pPr>
+            <a:lvl2pPr>
+              <a:defRPr>
+                <a:solidFill>
+                  <a:schemeClr val="lt1"/>
+                </a:solidFill>
+              </a:defRPr>
+            </a:lvl2pPr>
+            <a:lvl3pPr>
+              <a:defRPr>
+                <a:solidFill>
+                  <a:schemeClr val="lt1"/>
+                </a:solidFill>
+              </a:defRPr>
+            </a:lvl3pPr>
+            <a:lvl4pPr>
+              <a:defRPr>
+                <a:solidFill>
+                  <a:schemeClr val="lt1"/>
+                </a:solidFill>
+              </a:defRPr>
+            </a:lvl4pPr>
+            <a:lvl5pPr>
+              <a:defRPr>
+                <a:solidFill>
+                  <a:schemeClr val="lt1"/>
+                </a:solidFill>
+              </a:defRPr>
+            </a:lvl5pPr>
+            <a:lvl6pPr>
+              <a:defRPr>
+                <a:solidFill>
+                  <a:schemeClr val="lt1"/>
+                </a:solidFill>
+              </a:defRPr>
+            </a:lvl6pPr>
+            <a:lvl7pPr>
+              <a:defRPr>
+                <a:solidFill>
+                  <a:schemeClr val="lt1"/>
+                </a:solidFill>
+              </a:defRPr>
+            </a:lvl7pPr>
+            <a:lvl8pPr>
+              <a:defRPr>
+                <a:solidFill>
+                  <a:schemeClr val="lt1"/>
+                </a:solidFill>
+              </a:defRPr>
+            </a:lvl8pPr>
+            <a:lvl9pPr>
+              <a:defRPr>
+                <a:solidFill>
+                  <a:schemeClr val="lt1"/>
+                </a:solidFill>
+              </a:defRPr>
+            </a:lvl9pPr>
+          </a:lstStyle>
           <a:p>
+            <a:pPr algn="l"/>
             <a:r>
               <a:rPr lang="en-US" sz="1400" dirty="0"/>
               <a:t>D – Data</a:t>
             </a:r>
           </a:p>
           <a:p>
+            <a:pPr algn="l"/>
             <a:r>
               <a:rPr lang="en-US" sz="1400" dirty="0"/>
               <a:t>KG – Knowledge Graph</a:t>
             </a:r>
           </a:p>
           <a:p>
+            <a:pPr algn="l"/>
             <a:r>
               <a:rPr lang="en-US" sz="1400" dirty="0"/>
-              <a:t>L – LLM</a:t>
-            </a:r>
-          </a:p>
-          <a:p>
-            <a:r>
-              <a:rPr lang="en-US" sz="1400" dirty="0"/>
-              <a:t>P – Prompt</a:t>
+              <a:t>P – Processing</a:t>
             </a:r>
           </a:p>
         </p:txBody>
@@ -19401,13 +18993,15 @@
               </a:ext>
             </a:extLst>
           </p:cNvPr>
-          <p:cNvCxnSpPr/>
+          <p:cNvCxnSpPr>
+            <a:cxnSpLocks/>
+          </p:cNvCxnSpPr>
           <p:nvPr/>
         </p:nvCxnSpPr>
         <p:spPr>
           <a:xfrm flipH="1">
-            <a:off x="8138050" y="1830347"/>
-            <a:ext cx="1938638" cy="4698469"/>
+            <a:off x="8195894" y="3167265"/>
+            <a:ext cx="1769346" cy="3186456"/>
           </a:xfrm>
           <a:prstGeom prst="line">
             <a:avLst/>
@@ -19442,8 +19036,8 @@
         </p:nvSpPr>
         <p:spPr>
           <a:xfrm>
-            <a:off x="10387584" y="2368296"/>
-            <a:ext cx="1457450" cy="369332"/>
+            <a:off x="10832063" y="3353835"/>
+            <a:ext cx="1178528" cy="307777"/>
           </a:xfrm>
           <a:prstGeom prst="rect">
             <a:avLst/>
@@ -19457,12 +19051,432 @@
           <a:lstStyle/>
           <a:p>
             <a:r>
-              <a:rPr lang="en-US" dirty="0">
+              <a:rPr lang="en-US" sz="1400" dirty="0">
                 <a:solidFill>
                   <a:schemeClr val="accent2"/>
                 </a:solidFill>
               </a:rPr>
               <a:t>Out of scope</a:t>
+            </a:r>
+          </a:p>
+        </p:txBody>
+      </p:sp>
+      <p:sp>
+        <p:nvSpPr>
+          <p:cNvPr id="22" name="Flowchart: Document 21">
+            <a:extLst>
+              <a:ext uri="{FF2B5EF4-FFF2-40B4-BE49-F238E27FC236}">
+                <a16:creationId xmlns:a16="http://schemas.microsoft.com/office/drawing/2014/main" id="{001CF059-2F47-ADFB-68B7-2D944F5966F4}"/>
+              </a:ext>
+            </a:extLst>
+          </p:cNvPr>
+          <p:cNvSpPr/>
+          <p:nvPr/>
+        </p:nvSpPr>
+        <p:spPr>
+          <a:xfrm>
+            <a:off x="173353" y="5194194"/>
+            <a:ext cx="1076462" cy="770795"/>
+          </a:xfrm>
+          <a:prstGeom prst="flowChartDocument">
+            <a:avLst/>
+          </a:prstGeom>
+        </p:spPr>
+        <p:style>
+          <a:lnRef idx="2">
+            <a:schemeClr val="accent1">
+              <a:shade val="15000"/>
+            </a:schemeClr>
+          </a:lnRef>
+          <a:fillRef idx="1">
+            <a:schemeClr val="accent1"/>
+          </a:fillRef>
+          <a:effectRef idx="0">
+            <a:schemeClr val="accent1"/>
+          </a:effectRef>
+          <a:fontRef idx="minor">
+            <a:schemeClr val="lt1"/>
+          </a:fontRef>
+        </p:style>
+        <p:txBody>
+          <a:bodyPr rtlCol="0" anchor="ctr"/>
+          <a:lstStyle/>
+          <a:p>
+            <a:pPr algn="ctr"/>
+            <a:r>
+              <a:rPr lang="en-US" sz="1400" dirty="0"/>
+              <a:t>(D2)</a:t>
+            </a:r>
+          </a:p>
+          <a:p>
+            <a:pPr algn="ctr"/>
+            <a:r>
+              <a:rPr lang="en-US" sz="1400" dirty="0"/>
+              <a:t>Queries</a:t>
+            </a:r>
+          </a:p>
+        </p:txBody>
+      </p:sp>
+      <p:cxnSp>
+        <p:nvCxnSpPr>
+          <p:cNvPr id="23" name="Straight Arrow Connector 22">
+            <a:extLst>
+              <a:ext uri="{FF2B5EF4-FFF2-40B4-BE49-F238E27FC236}">
+                <a16:creationId xmlns:a16="http://schemas.microsoft.com/office/drawing/2014/main" id="{4EFB220A-3032-B3E3-52E4-438F27321311}"/>
+              </a:ext>
+            </a:extLst>
+          </p:cNvPr>
+          <p:cNvCxnSpPr>
+            <a:cxnSpLocks/>
+            <a:stCxn id="22" idx="3"/>
+            <a:endCxn id="2" idx="1"/>
+          </p:cNvCxnSpPr>
+          <p:nvPr/>
+        </p:nvCxnSpPr>
+        <p:spPr>
+          <a:xfrm>
+            <a:off x="1249815" y="5579592"/>
+            <a:ext cx="1193606" cy="480264"/>
+          </a:xfrm>
+          <a:prstGeom prst="straightConnector1">
+            <a:avLst/>
+          </a:prstGeom>
+          <a:ln>
+            <a:tailEnd type="triangle"/>
+          </a:ln>
+        </p:spPr>
+        <p:style>
+          <a:lnRef idx="2">
+            <a:schemeClr val="accent1"/>
+          </a:lnRef>
+          <a:fillRef idx="0">
+            <a:schemeClr val="accent1"/>
+          </a:fillRef>
+          <a:effectRef idx="1">
+            <a:schemeClr val="accent1"/>
+          </a:effectRef>
+          <a:fontRef idx="minor">
+            <a:schemeClr val="tx1"/>
+          </a:fontRef>
+        </p:style>
+      </p:cxnSp>
+      <p:sp>
+        <p:nvSpPr>
+          <p:cNvPr id="94" name="Flowchart: Document 93">
+            <a:extLst>
+              <a:ext uri="{FF2B5EF4-FFF2-40B4-BE49-F238E27FC236}">
+                <a16:creationId xmlns:a16="http://schemas.microsoft.com/office/drawing/2014/main" id="{8EDA9AF0-11EE-FE41-91DE-1E89EDFC9F74}"/>
+              </a:ext>
+            </a:extLst>
+          </p:cNvPr>
+          <p:cNvSpPr/>
+          <p:nvPr/>
+        </p:nvSpPr>
+        <p:spPr>
+          <a:xfrm>
+            <a:off x="10914606" y="4001994"/>
+            <a:ext cx="1076462" cy="770795"/>
+          </a:xfrm>
+          <a:prstGeom prst="flowChartDocument">
+            <a:avLst/>
+          </a:prstGeom>
+        </p:spPr>
+        <p:style>
+          <a:lnRef idx="2">
+            <a:schemeClr val="accent1">
+              <a:shade val="15000"/>
+            </a:schemeClr>
+          </a:lnRef>
+          <a:fillRef idx="1">
+            <a:schemeClr val="accent1"/>
+          </a:fillRef>
+          <a:effectRef idx="0">
+            <a:schemeClr val="accent1"/>
+          </a:effectRef>
+          <a:fontRef idx="minor">
+            <a:schemeClr val="lt1"/>
+          </a:fontRef>
+        </p:style>
+        <p:txBody>
+          <a:bodyPr rtlCol="0" anchor="ctr"/>
+          <a:lstStyle/>
+          <a:p>
+            <a:pPr algn="ctr"/>
+            <a:r>
+              <a:rPr lang="en-US" sz="1400" dirty="0"/>
+              <a:t>(D3)</a:t>
+            </a:r>
+          </a:p>
+          <a:p>
+            <a:pPr algn="ctr"/>
+            <a:r>
+              <a:rPr lang="en-US" sz="1400" dirty="0"/>
+              <a:t>Responses</a:t>
+            </a:r>
+          </a:p>
+        </p:txBody>
+      </p:sp>
+      <p:cxnSp>
+        <p:nvCxnSpPr>
+          <p:cNvPr id="121" name="Straight Connector 120">
+            <a:extLst>
+              <a:ext uri="{FF2B5EF4-FFF2-40B4-BE49-F238E27FC236}">
+                <a16:creationId xmlns:a16="http://schemas.microsoft.com/office/drawing/2014/main" id="{987C775E-3916-6290-3B2A-0D8EC0AA1454}"/>
+              </a:ext>
+            </a:extLst>
+          </p:cNvPr>
+          <p:cNvCxnSpPr>
+            <a:cxnSpLocks/>
+          </p:cNvCxnSpPr>
+          <p:nvPr/>
+        </p:nvCxnSpPr>
+        <p:spPr>
+          <a:xfrm>
+            <a:off x="2113424" y="4574872"/>
+            <a:ext cx="2358700" cy="1778849"/>
+          </a:xfrm>
+          <a:prstGeom prst="line">
+            <a:avLst/>
+          </a:prstGeom>
+        </p:spPr>
+        <p:style>
+          <a:lnRef idx="2">
+            <a:schemeClr val="accent2"/>
+          </a:lnRef>
+          <a:fillRef idx="0">
+            <a:schemeClr val="accent2"/>
+          </a:fillRef>
+          <a:effectRef idx="1">
+            <a:schemeClr val="accent2"/>
+          </a:effectRef>
+          <a:fontRef idx="minor">
+            <a:schemeClr val="tx1"/>
+          </a:fontRef>
+        </p:style>
+      </p:cxnSp>
+      <p:cxnSp>
+        <p:nvCxnSpPr>
+          <p:cNvPr id="126" name="Straight Connector 125">
+            <a:extLst>
+              <a:ext uri="{FF2B5EF4-FFF2-40B4-BE49-F238E27FC236}">
+                <a16:creationId xmlns:a16="http://schemas.microsoft.com/office/drawing/2014/main" id="{BEB03640-2367-2AA8-3EB2-74CE0C18AB6B}"/>
+              </a:ext>
+            </a:extLst>
+          </p:cNvPr>
+          <p:cNvCxnSpPr>
+            <a:cxnSpLocks/>
+          </p:cNvCxnSpPr>
+          <p:nvPr/>
+        </p:nvCxnSpPr>
+        <p:spPr>
+          <a:xfrm>
+            <a:off x="220107" y="4529597"/>
+            <a:ext cx="1925823" cy="45275"/>
+          </a:xfrm>
+          <a:prstGeom prst="line">
+            <a:avLst/>
+          </a:prstGeom>
+        </p:spPr>
+        <p:style>
+          <a:lnRef idx="2">
+            <a:schemeClr val="accent2"/>
+          </a:lnRef>
+          <a:fillRef idx="0">
+            <a:schemeClr val="accent2"/>
+          </a:fillRef>
+          <a:effectRef idx="1">
+            <a:schemeClr val="accent2"/>
+          </a:effectRef>
+          <a:fontRef idx="minor">
+            <a:schemeClr val="tx1"/>
+          </a:fontRef>
+        </p:style>
+      </p:cxnSp>
+      <p:sp>
+        <p:nvSpPr>
+          <p:cNvPr id="133" name="TextBox 132">
+            <a:extLst>
+              <a:ext uri="{FF2B5EF4-FFF2-40B4-BE49-F238E27FC236}">
+                <a16:creationId xmlns:a16="http://schemas.microsoft.com/office/drawing/2014/main" id="{CD13E8CC-334A-A124-F696-AEEB95C2E145}"/>
+              </a:ext>
+            </a:extLst>
+          </p:cNvPr>
+          <p:cNvSpPr txBox="1"/>
+          <p:nvPr/>
+        </p:nvSpPr>
+        <p:spPr>
+          <a:xfrm>
+            <a:off x="327328" y="4653510"/>
+            <a:ext cx="1178528" cy="307777"/>
+          </a:xfrm>
+          <a:prstGeom prst="rect">
+            <a:avLst/>
+          </a:prstGeom>
+          <a:noFill/>
+        </p:spPr>
+        <p:txBody>
+          <a:bodyPr wrap="none" rtlCol="0">
+            <a:spAutoFit/>
+          </a:bodyPr>
+          <a:lstStyle/>
+          <a:p>
+            <a:r>
+              <a:rPr lang="en-US" sz="1400" dirty="0">
+                <a:solidFill>
+                  <a:schemeClr val="accent2"/>
+                </a:solidFill>
+              </a:rPr>
+              <a:t>Out of scope</a:t>
+            </a:r>
+          </a:p>
+        </p:txBody>
+      </p:sp>
+      <p:cxnSp>
+        <p:nvCxnSpPr>
+          <p:cNvPr id="134" name="Straight Connector 133">
+            <a:extLst>
+              <a:ext uri="{FF2B5EF4-FFF2-40B4-BE49-F238E27FC236}">
+                <a16:creationId xmlns:a16="http://schemas.microsoft.com/office/drawing/2014/main" id="{AFABBA7F-F7F4-0CAA-A362-6D0DB2600666}"/>
+              </a:ext>
+            </a:extLst>
+          </p:cNvPr>
+          <p:cNvCxnSpPr>
+            <a:cxnSpLocks/>
+          </p:cNvCxnSpPr>
+          <p:nvPr/>
+        </p:nvCxnSpPr>
+        <p:spPr>
+          <a:xfrm>
+            <a:off x="9951694" y="3167265"/>
+            <a:ext cx="1925823" cy="45275"/>
+          </a:xfrm>
+          <a:prstGeom prst="line">
+            <a:avLst/>
+          </a:prstGeom>
+        </p:spPr>
+        <p:style>
+          <a:lnRef idx="2">
+            <a:schemeClr val="accent2"/>
+          </a:lnRef>
+          <a:fillRef idx="0">
+            <a:schemeClr val="accent2"/>
+          </a:fillRef>
+          <a:effectRef idx="1">
+            <a:schemeClr val="accent2"/>
+          </a:effectRef>
+          <a:fontRef idx="minor">
+            <a:schemeClr val="tx1"/>
+          </a:fontRef>
+        </p:style>
+      </p:cxnSp>
+      <p:sp>
+        <p:nvSpPr>
+          <p:cNvPr id="144" name="Flowchart: Magnetic Disk 143">
+            <a:extLst>
+              <a:ext uri="{FF2B5EF4-FFF2-40B4-BE49-F238E27FC236}">
+                <a16:creationId xmlns:a16="http://schemas.microsoft.com/office/drawing/2014/main" id="{7BAF3F71-3909-187E-F7E3-832894CA79FC}"/>
+              </a:ext>
+            </a:extLst>
+          </p:cNvPr>
+          <p:cNvSpPr/>
+          <p:nvPr/>
+        </p:nvSpPr>
+        <p:spPr>
+          <a:xfrm>
+            <a:off x="6295184" y="5099870"/>
+            <a:ext cx="1272483" cy="1050752"/>
+          </a:xfrm>
+          <a:prstGeom prst="flowChartMagneticDisk">
+            <a:avLst/>
+          </a:prstGeom>
+        </p:spPr>
+        <p:style>
+          <a:lnRef idx="2">
+            <a:schemeClr val="accent1">
+              <a:shade val="15000"/>
+            </a:schemeClr>
+          </a:lnRef>
+          <a:fillRef idx="1">
+            <a:schemeClr val="accent1"/>
+          </a:fillRef>
+          <a:effectRef idx="0">
+            <a:schemeClr val="accent1"/>
+          </a:effectRef>
+          <a:fontRef idx="minor">
+            <a:schemeClr val="lt1"/>
+          </a:fontRef>
+        </p:style>
+        <p:txBody>
+          <a:bodyPr rtlCol="0" anchor="ctr"/>
+          <a:lstStyle/>
+          <a:p>
+            <a:pPr algn="ctr"/>
+            <a:r>
+              <a:rPr lang="en-US" sz="1400" dirty="0"/>
+              <a:t>(KG1)</a:t>
+            </a:r>
+          </a:p>
+          <a:p>
+            <a:pPr algn="ctr"/>
+            <a:r>
+              <a:rPr lang="en-US" sz="1400" dirty="0"/>
+              <a:t>Short-Term Memory</a:t>
+            </a:r>
+          </a:p>
+        </p:txBody>
+      </p:sp>
+      <p:sp>
+        <p:nvSpPr>
+          <p:cNvPr id="145" name="Flowchart: Magnetic Disk 144">
+            <a:extLst>
+              <a:ext uri="{FF2B5EF4-FFF2-40B4-BE49-F238E27FC236}">
+                <a16:creationId xmlns:a16="http://schemas.microsoft.com/office/drawing/2014/main" id="{84F8EFA0-E704-6142-BDC0-0FB820346E35}"/>
+              </a:ext>
+            </a:extLst>
+          </p:cNvPr>
+          <p:cNvSpPr/>
+          <p:nvPr/>
+        </p:nvSpPr>
+        <p:spPr>
+          <a:xfrm>
+            <a:off x="6316158" y="1942895"/>
+            <a:ext cx="1272483" cy="1050752"/>
+          </a:xfrm>
+          <a:prstGeom prst="flowChartMagneticDisk">
+            <a:avLst/>
+          </a:prstGeom>
+        </p:spPr>
+        <p:style>
+          <a:lnRef idx="2">
+            <a:schemeClr val="accent1">
+              <a:shade val="15000"/>
+            </a:schemeClr>
+          </a:lnRef>
+          <a:fillRef idx="1">
+            <a:schemeClr val="accent1"/>
+          </a:fillRef>
+          <a:effectRef idx="0">
+            <a:schemeClr val="accent1"/>
+          </a:effectRef>
+          <a:fontRef idx="minor">
+            <a:schemeClr val="lt1"/>
+          </a:fontRef>
+        </p:style>
+        <p:txBody>
+          <a:bodyPr rtlCol="0" anchor="ctr"/>
+          <a:lstStyle/>
+          <a:p>
+            <a:pPr algn="ctr"/>
+            <a:r>
+              <a:rPr lang="en-US" sz="1400" dirty="0"/>
+              <a:t>(KG2)</a:t>
+            </a:r>
+          </a:p>
+          <a:p>
+            <a:pPr algn="ctr"/>
+            <a:r>
+              <a:rPr lang="en-US" sz="1400" dirty="0"/>
+              <a:t>Long-Term Memory</a:t>
             </a:r>
           </a:p>
         </p:txBody>
@@ -22260,14 +22274,14 @@
             <p:ph idx="1"/>
             <p:extLst>
               <p:ext uri="{D42A27DB-BD31-4B8C-83A1-F6EECF244321}">
-                <p14:modId xmlns:p14="http://schemas.microsoft.com/office/powerpoint/2010/main" val="1173283292"/>
+                <p14:modId xmlns:p14="http://schemas.microsoft.com/office/powerpoint/2010/main" val="2427466498"/>
               </p:ext>
             </p:extLst>
           </p:nvPr>
         </p:nvGraphicFramePr>
         <p:xfrm>
           <a:off x="4702547" y="1015783"/>
-          <a:ext cx="6651254" cy="857238"/>
+          <a:ext cx="6651254" cy="2320916"/>
         </p:xfrm>
         <a:graphic>
           <a:graphicData uri="http://schemas.openxmlformats.org/drawingml/2006/table">
@@ -22384,7 +22398,7 @@
                     <a:lstStyle/>
                     <a:p>
                       <a:r>
-                        <a:rPr lang="en-US" sz="1400"/>
+                        <a:rPr lang="en-US" sz="1400" dirty="0"/>
                         <a:t>Documents</a:t>
                       </a:r>
                     </a:p>
@@ -22417,6 +22431,115 @@
                 <a:extLst>
                   <a:ext uri="{0D108BD9-81ED-4DB2-BD59-A6C34878D82A}">
                     <a16:rowId xmlns:a16="http://schemas.microsoft.com/office/drawing/2014/main" val="1338793342"/>
+                  </a:ext>
+                </a:extLst>
+              </a:tr>
+              <a:tr h="537590">
+                <a:tc>
+                  <a:txBody>
+                    <a:bodyPr/>
+                    <a:lstStyle/>
+                    <a:p>
+                      <a:r>
+                        <a:rPr lang="en-US" sz="1400" dirty="0"/>
+                        <a:t>D2</a:t>
+                      </a:r>
+                    </a:p>
+                  </a:txBody>
+                  <a:tcPr marL="72647" marR="72647" marT="36324" marB="36324"/>
+                </a:tc>
+                <a:tc>
+                  <a:txBody>
+                    <a:bodyPr/>
+                    <a:lstStyle/>
+                    <a:p>
+                      <a:r>
+                        <a:rPr lang="en-US" sz="1400" dirty="0"/>
+                        <a:t>Queries</a:t>
+                      </a:r>
+                    </a:p>
+                  </a:txBody>
+                  <a:tcPr marL="72647" marR="72647" marT="36324" marB="36324"/>
+                </a:tc>
+                <a:tc>
+                  <a:txBody>
+                    <a:bodyPr/>
+                    <a:lstStyle/>
+                    <a:p>
+                      <a:r>
+                        <a:rPr lang="en-US" sz="1400" dirty="0"/>
+                        <a:t>These are questions about the documents that have been processed into long term memory.</a:t>
+                      </a:r>
+                    </a:p>
+                  </a:txBody>
+                  <a:tcPr marL="72647" marR="72647" marT="36324" marB="36324"/>
+                </a:tc>
+                <a:tc>
+                  <a:txBody>
+                    <a:bodyPr/>
+                    <a:lstStyle/>
+                    <a:p>
+                      <a:endParaRPr lang="en-US" sz="1400" dirty="0"/>
+                    </a:p>
+                  </a:txBody>
+                  <a:tcPr marL="72647" marR="72647" marT="36324" marB="36324"/>
+                </a:tc>
+                <a:extLst>
+                  <a:ext uri="{0D108BD9-81ED-4DB2-BD59-A6C34878D82A}">
+                    <a16:rowId xmlns:a16="http://schemas.microsoft.com/office/drawing/2014/main" val="1292910328"/>
+                  </a:ext>
+                </a:extLst>
+              </a:tr>
+              <a:tr h="537590">
+                <a:tc>
+                  <a:txBody>
+                    <a:bodyPr/>
+                    <a:lstStyle/>
+                    <a:p>
+                      <a:r>
+                        <a:rPr lang="en-US" sz="1400" dirty="0"/>
+                        <a:t>D3</a:t>
+                      </a:r>
+                    </a:p>
+                  </a:txBody>
+                  <a:tcPr marL="72647" marR="72647" marT="36324" marB="36324"/>
+                </a:tc>
+                <a:tc>
+                  <a:txBody>
+                    <a:bodyPr/>
+                    <a:lstStyle/>
+                    <a:p>
+                      <a:r>
+                        <a:rPr lang="en-US" sz="1400" dirty="0"/>
+                        <a:t>Response</a:t>
+                      </a:r>
+                    </a:p>
+                  </a:txBody>
+                  <a:tcPr marL="72647" marR="72647" marT="36324" marB="36324"/>
+                </a:tc>
+                <a:tc>
+                  <a:txBody>
+                    <a:bodyPr/>
+                    <a:lstStyle/>
+                    <a:p>
+                      <a:endParaRPr lang="en-US" sz="1400" dirty="0"/>
+                    </a:p>
+                  </a:txBody>
+                  <a:tcPr marL="72647" marR="72647" marT="36324" marB="36324"/>
+                </a:tc>
+                <a:tc>
+                  <a:txBody>
+                    <a:bodyPr/>
+                    <a:lstStyle/>
+                    <a:p>
+                      <a:endParaRPr lang="en-US" sz="1400" dirty="0"/>
+                    </a:p>
+                  </a:txBody>
+                  <a:tcPr marL="72647" marR="72647" marT="36324" marB="36324"/>
+                </a:tc>
+                <a:extLst>
+                  <a:ext uri="{0D108BD9-81ED-4DB2-BD59-A6C34878D82A}">
+                    <a16:rowId xmlns:a16="http://schemas.microsoft.com/office/drawing/2014/main" val="3052155989"/>
                   </a:ext>
                 </a:extLst>
               </a:tr>
@@ -25017,14 +25140,14 @@
             <p:ph idx="1"/>
             <p:extLst>
               <p:ext uri="{D42A27DB-BD31-4B8C-83A1-F6EECF244321}">
-                <p14:modId xmlns:p14="http://schemas.microsoft.com/office/powerpoint/2010/main" val="2458635256"/>
+                <p14:modId xmlns:p14="http://schemas.microsoft.com/office/powerpoint/2010/main" val="2633852472"/>
               </p:ext>
             </p:extLst>
           </p:nvPr>
         </p:nvGraphicFramePr>
         <p:xfrm>
           <a:off x="4894295" y="838199"/>
-          <a:ext cx="6992905" cy="5338766"/>
+          <a:ext cx="6992905" cy="2731645"/>
         </p:xfrm>
         <a:graphic>
           <a:graphicData uri="http://schemas.openxmlformats.org/drawingml/2006/table">
@@ -25062,7 +25185,7 @@
                   </a:extLst>
                 </a:gridCol>
               </a:tblGrid>
-              <a:tr h="428464">
+              <a:tr h="309078">
                 <a:tc>
                   <a:txBody>
                     <a:bodyPr/>
@@ -25121,14 +25244,14 @@
                   </a:ext>
                 </a:extLst>
               </a:tr>
-              <a:tr h="2455151">
+              <a:tr h="928826">
                 <a:tc>
                   <a:txBody>
                     <a:bodyPr/>
                     <a:lstStyle/>
                     <a:p>
                       <a:r>
-                        <a:rPr lang="en-US" sz="1900"/>
+                        <a:rPr lang="en-US" sz="1400" dirty="0"/>
                         <a:t>KG1</a:t>
                       </a:r>
                     </a:p>
@@ -25141,7 +25264,7 @@
                     <a:lstStyle/>
                     <a:p>
                       <a:r>
-                        <a:rPr lang="en-US" sz="1900" dirty="0"/>
+                        <a:rPr lang="en-US" sz="1400" dirty="0"/>
                         <a:t>Short-Term Memory</a:t>
                       </a:r>
                     </a:p>
@@ -25154,7 +25277,7 @@
                     <a:lstStyle/>
                     <a:p>
                       <a:r>
-                        <a:rPr lang="en-US" sz="1900"/>
+                        <a:rPr lang="en-US" sz="1400" dirty="0"/>
                         <a:t>Consolidation of knowledge graphs from all input processing.</a:t>
                       </a:r>
                     </a:p>
@@ -25167,7 +25290,7 @@
                     <a:lstStyle/>
                     <a:p>
                       <a:r>
-                        <a:rPr lang="en-US" sz="1900" dirty="0"/>
+                        <a:rPr lang="en-US" sz="1400" dirty="0"/>
                         <a:t>I am not sure if it is one graph, one graph per input, or one graph per type. I am not sure how to store it. How do I relate back to the document?</a:t>
                       </a:r>
                     </a:p>
@@ -25180,14 +25303,14 @@
                   </a:ext>
                 </a:extLst>
               </a:tr>
-              <a:tr h="2455151">
+              <a:tr h="1179161">
                 <a:tc>
                   <a:txBody>
                     <a:bodyPr/>
                     <a:lstStyle/>
                     <a:p>
                       <a:r>
-                        <a:rPr lang="en-US" sz="1900"/>
+                        <a:rPr lang="en-US" sz="1400" dirty="0"/>
                         <a:t>KG2</a:t>
                       </a:r>
                     </a:p>
@@ -25200,7 +25323,7 @@
                     <a:lstStyle/>
                     <a:p>
                       <a:r>
-                        <a:rPr lang="en-US" sz="1900" dirty="0"/>
+                        <a:rPr lang="en-US" sz="1400" dirty="0"/>
                         <a:t>Long-Term Memory</a:t>
                       </a:r>
                     </a:p>
@@ -25213,7 +25336,7 @@
                     <a:lstStyle/>
                     <a:p>
                       <a:r>
-                        <a:rPr lang="en-US" sz="1900"/>
+                        <a:rPr lang="en-US" sz="1400" dirty="0"/>
                         <a:t>Consolidation of knowledge graphs from all processing.</a:t>
                       </a:r>
                     </a:p>
@@ -25226,7 +25349,7 @@
                     <a:lstStyle/>
                     <a:p>
                       <a:r>
-                        <a:rPr lang="en-US" sz="1900" dirty="0"/>
+                        <a:rPr lang="en-US" sz="1400" dirty="0"/>
                         <a:t>I am not sure if it is one graph, one graph per input, or one graph per type. I am not sure how to store it.</a:t>
                       </a:r>
                     </a:p>
@@ -25272,7 +25395,7 @@
         <p:cNvPr id="1" name="">
           <a:extLst>
             <a:ext uri="{FF2B5EF4-FFF2-40B4-BE49-F238E27FC236}">
-              <a16:creationId xmlns:a16="http://schemas.microsoft.com/office/drawing/2014/main" id="{02C14EE4-3110-0C71-7A26-E3E3CD8360DC}"/>
+              <a16:creationId xmlns:a16="http://schemas.microsoft.com/office/drawing/2014/main" id="{A918EDE9-AAAA-FCE3-F873-B0B2CF966BE4}"/>
             </a:ext>
           </a:extLst>
         </p:cNvPr>
@@ -25290,6 +25413,2881 @@
       <p:sp useBgFill="1">
         <p:nvSpPr>
           <p:cNvPr id="17" name="Rectangle 16">
+            <a:extLst>
+              <a:ext uri="{FF2B5EF4-FFF2-40B4-BE49-F238E27FC236}">
+                <a16:creationId xmlns:a16="http://schemas.microsoft.com/office/drawing/2014/main" id="{52C30BE1-0C4C-D7E6-512E-A9F6C60351E2}"/>
+              </a:ext>
+              <a:ext uri="{C183D7F6-B498-43B3-948B-1728B52AA6E4}">
+                <adec:decorative xmlns:adec="http://schemas.microsoft.com/office/drawing/2017/decorative" val="1"/>
+              </a:ext>
+            </a:extLst>
+          </p:cNvPr>
+          <p:cNvSpPr>
+            <a:spLocks noGrp="1" noRot="1" noChangeAspect="1" noMove="1" noResize="1" noEditPoints="1" noAdjustHandles="1" noChangeArrowheads="1" noChangeShapeType="1" noTextEdit="1"/>
+          </p:cNvSpPr>
+          <p:nvPr>
+            <p:extLst>
+              <p:ext uri="{386F3935-93C4-4BCD-93E2-E3B085C9AB24}">
+                <p16:designElem xmlns:p16="http://schemas.microsoft.com/office/powerpoint/2015/main" val="1"/>
+              </p:ext>
+            </p:extLst>
+          </p:nvPr>
+        </p:nvSpPr>
+        <p:spPr>
+          <a:xfrm>
+            <a:off x="0" y="0"/>
+            <a:ext cx="12188952" cy="6858000"/>
+          </a:xfrm>
+          <a:prstGeom prst="rect">
+            <a:avLst/>
+          </a:prstGeom>
+          <a:ln>
+            <a:noFill/>
+          </a:ln>
+        </p:spPr>
+        <p:style>
+          <a:lnRef idx="2">
+            <a:schemeClr val="accent1">
+              <a:shade val="50000"/>
+            </a:schemeClr>
+          </a:lnRef>
+          <a:fillRef idx="1">
+            <a:schemeClr val="accent1"/>
+          </a:fillRef>
+          <a:effectRef idx="0">
+            <a:schemeClr val="accent1"/>
+          </a:effectRef>
+          <a:fontRef idx="minor">
+            <a:schemeClr val="lt1"/>
+          </a:fontRef>
+        </p:style>
+        <p:txBody>
+          <a:bodyPr rtlCol="0" anchor="ctr"/>
+          <a:lstStyle/>
+          <a:p>
+            <a:pPr algn="ctr"/>
+            <a:endParaRPr lang="en-US"/>
+          </a:p>
+        </p:txBody>
+      </p:sp>
+      <p:sp>
+        <p:nvSpPr>
+          <p:cNvPr id="19" name="Freeform: Shape 18">
+            <a:extLst>
+              <a:ext uri="{FF2B5EF4-FFF2-40B4-BE49-F238E27FC236}">
+                <a16:creationId xmlns:a16="http://schemas.microsoft.com/office/drawing/2014/main" id="{930CC5A3-B2E3-B7DE-61C9-CFFF995AC5CA}"/>
+              </a:ext>
+              <a:ext uri="{C183D7F6-B498-43B3-948B-1728B52AA6E4}">
+                <adec:decorative xmlns:adec="http://schemas.microsoft.com/office/drawing/2017/decorative" val="1"/>
+              </a:ext>
+            </a:extLst>
+          </p:cNvPr>
+          <p:cNvSpPr>
+            <a:spLocks noGrp="1" noRot="1" noChangeAspect="1" noMove="1" noResize="1" noEditPoints="1" noAdjustHandles="1" noChangeArrowheads="1" noChangeShapeType="1" noTextEdit="1"/>
+          </p:cNvSpPr>
+          <p:nvPr>
+            <p:extLst>
+              <p:ext uri="{386F3935-93C4-4BCD-93E2-E3B085C9AB24}">
+                <p16:designElem xmlns:p16="http://schemas.microsoft.com/office/powerpoint/2015/main" val="1"/>
+              </p:ext>
+            </p:extLst>
+          </p:nvPr>
+        </p:nvSpPr>
+        <p:spPr>
+          <a:xfrm>
+            <a:off x="173235" y="1371600"/>
+            <a:ext cx="4529312" cy="3589977"/>
+          </a:xfrm>
+          <a:custGeom>
+            <a:avLst/>
+            <a:gdLst>
+              <a:gd name="connsiteX0" fmla="*/ 5462602 w 5470628"/>
+              <a:gd name="connsiteY0" fmla="*/ 1413608 h 3193741"/>
+              <a:gd name="connsiteX1" fmla="*/ 5465724 w 5470628"/>
+              <a:gd name="connsiteY1" fmla="*/ 1421881 h 3193741"/>
+              <a:gd name="connsiteX2" fmla="*/ 5465025 w 5470628"/>
+              <a:gd name="connsiteY2" fmla="*/ 1466556 h 3193741"/>
+              <a:gd name="connsiteX3" fmla="*/ 5463208 w 5470628"/>
+              <a:gd name="connsiteY3" fmla="*/ 1466226 h 3193741"/>
+              <a:gd name="connsiteX4" fmla="*/ 5463242 w 5470628"/>
+              <a:gd name="connsiteY4" fmla="*/ 1451866 h 3193741"/>
+              <a:gd name="connsiteX5" fmla="*/ 5462894 w 5470628"/>
+              <a:gd name="connsiteY5" fmla="*/ 1423194 h 3193741"/>
+              <a:gd name="connsiteX6" fmla="*/ 5461417 w 5470628"/>
+              <a:gd name="connsiteY6" fmla="*/ 1391849 h 3193741"/>
+              <a:gd name="connsiteX7" fmla="*/ 5462246 w 5470628"/>
+              <a:gd name="connsiteY7" fmla="*/ 1401944 h 3193741"/>
+              <a:gd name="connsiteX8" fmla="*/ 5462602 w 5470628"/>
+              <a:gd name="connsiteY8" fmla="*/ 1413608 h 3193741"/>
+              <a:gd name="connsiteX9" fmla="*/ 5459078 w 5470628"/>
+              <a:gd name="connsiteY9" fmla="*/ 1404268 h 3193741"/>
+              <a:gd name="connsiteX10" fmla="*/ 5460137 w 5470628"/>
+              <a:gd name="connsiteY10" fmla="*/ 1393780 h 3193741"/>
+              <a:gd name="connsiteX11" fmla="*/ 5461417 w 5470628"/>
+              <a:gd name="connsiteY11" fmla="*/ 1391849 h 3193741"/>
+              <a:gd name="connsiteX12" fmla="*/ 614271 w 5470628"/>
+              <a:gd name="connsiteY12" fmla="*/ 1052206 h 3193741"/>
+              <a:gd name="connsiteX13" fmla="*/ 611497 w 5470628"/>
+              <a:gd name="connsiteY13" fmla="*/ 1055389 h 3193741"/>
+              <a:gd name="connsiteX14" fmla="*/ 630277 w 5470628"/>
+              <a:gd name="connsiteY14" fmla="*/ 1065215 h 3193741"/>
+              <a:gd name="connsiteX15" fmla="*/ 651856 w 5470628"/>
+              <a:gd name="connsiteY15" fmla="*/ 1067584 h 3193741"/>
+              <a:gd name="connsiteX16" fmla="*/ 614271 w 5470628"/>
+              <a:gd name="connsiteY16" fmla="*/ 1052206 h 3193741"/>
+              <a:gd name="connsiteX17" fmla="*/ 810628 w 5470628"/>
+              <a:gd name="connsiteY17" fmla="*/ 695550 h 3193741"/>
+              <a:gd name="connsiteX18" fmla="*/ 1033084 w 5470628"/>
+              <a:gd name="connsiteY18" fmla="*/ 791270 h 3193741"/>
+              <a:gd name="connsiteX19" fmla="*/ 1036153 w 5470628"/>
+              <a:gd name="connsiteY19" fmla="*/ 788050 h 3193741"/>
+              <a:gd name="connsiteX20" fmla="*/ 810628 w 5470628"/>
+              <a:gd name="connsiteY20" fmla="*/ 695550 h 3193741"/>
+              <a:gd name="connsiteX21" fmla="*/ 4850908 w 5470628"/>
+              <a:gd name="connsiteY21" fmla="*/ 727 h 3193741"/>
+              <a:gd name="connsiteX22" fmla="*/ 4858584 w 5470628"/>
+              <a:gd name="connsiteY22" fmla="*/ 13795 h 3193741"/>
+              <a:gd name="connsiteX23" fmla="*/ 4843408 w 5470628"/>
+              <a:gd name="connsiteY23" fmla="*/ 37224 h 3193741"/>
+              <a:gd name="connsiteX24" fmla="*/ 4871062 w 5470628"/>
+              <a:gd name="connsiteY24" fmla="*/ 78954 h 3193741"/>
+              <a:gd name="connsiteX25" fmla="*/ 4989038 w 5470628"/>
+              <a:gd name="connsiteY25" fmla="*/ 66799 h 3193741"/>
+              <a:gd name="connsiteX26" fmla="*/ 5002636 w 5470628"/>
+              <a:gd name="connsiteY26" fmla="*/ 79388 h 3193741"/>
+              <a:gd name="connsiteX27" fmla="*/ 5008332 w 5470628"/>
+              <a:gd name="connsiteY27" fmla="*/ 140859 h 3193741"/>
+              <a:gd name="connsiteX28" fmla="*/ 5014326 w 5470628"/>
+              <a:gd name="connsiteY28" fmla="*/ 155555 h 3193741"/>
+              <a:gd name="connsiteX29" fmla="*/ 5030704 w 5470628"/>
+              <a:gd name="connsiteY29" fmla="*/ 221190 h 3193741"/>
+              <a:gd name="connsiteX30" fmla="*/ 5097262 w 5470628"/>
+              <a:gd name="connsiteY30" fmla="*/ 317759 h 3193741"/>
+              <a:gd name="connsiteX31" fmla="*/ 5165084 w 5470628"/>
+              <a:gd name="connsiteY31" fmla="*/ 373367 h 3193741"/>
+              <a:gd name="connsiteX32" fmla="*/ 5174137 w 5470628"/>
+              <a:gd name="connsiteY32" fmla="*/ 389353 h 3193741"/>
+              <a:gd name="connsiteX33" fmla="*/ 5192507 w 5470628"/>
+              <a:gd name="connsiteY33" fmla="*/ 453561 h 3193741"/>
+              <a:gd name="connsiteX34" fmla="*/ 5187160 w 5470628"/>
+              <a:gd name="connsiteY34" fmla="*/ 467732 h 3193741"/>
+              <a:gd name="connsiteX35" fmla="*/ 5160106 w 5470628"/>
+              <a:gd name="connsiteY35" fmla="*/ 486904 h 3193741"/>
+              <a:gd name="connsiteX36" fmla="*/ 5138948 w 5470628"/>
+              <a:gd name="connsiteY36" fmla="*/ 528614 h 3193741"/>
+              <a:gd name="connsiteX37" fmla="*/ 5097016 w 5470628"/>
+              <a:gd name="connsiteY37" fmla="*/ 589923 h 3193741"/>
+              <a:gd name="connsiteX38" fmla="*/ 5075869 w 5470628"/>
+              <a:gd name="connsiteY38" fmla="*/ 608381 h 3193741"/>
+              <a:gd name="connsiteX39" fmla="*/ 5093172 w 5470628"/>
+              <a:gd name="connsiteY39" fmla="*/ 618385 h 3193741"/>
+              <a:gd name="connsiteX40" fmla="*/ 5153518 w 5470628"/>
+              <a:gd name="connsiteY40" fmla="*/ 687474 h 3193741"/>
+              <a:gd name="connsiteX41" fmla="*/ 5074984 w 5470628"/>
+              <a:gd name="connsiteY41" fmla="*/ 776941 h 3193741"/>
+              <a:gd name="connsiteX42" fmla="*/ 5033348 w 5470628"/>
+              <a:gd name="connsiteY42" fmla="*/ 805473 h 3193741"/>
+              <a:gd name="connsiteX43" fmla="*/ 5116847 w 5470628"/>
+              <a:gd name="connsiteY43" fmla="*/ 803426 h 3193741"/>
+              <a:gd name="connsiteX44" fmla="*/ 5147902 w 5470628"/>
+              <a:gd name="connsiteY44" fmla="*/ 833118 h 3193741"/>
+              <a:gd name="connsiteX45" fmla="*/ 5161665 w 5470628"/>
+              <a:gd name="connsiteY45" fmla="*/ 848297 h 3193741"/>
+              <a:gd name="connsiteX46" fmla="*/ 5246520 w 5470628"/>
+              <a:gd name="connsiteY46" fmla="*/ 942412 h 3193741"/>
+              <a:gd name="connsiteX47" fmla="*/ 5235368 w 5470628"/>
+              <a:gd name="connsiteY47" fmla="*/ 972946 h 3193741"/>
+              <a:gd name="connsiteX48" fmla="*/ 5113739 w 5470628"/>
+              <a:gd name="connsiteY48" fmla="*/ 1128845 h 3193741"/>
+              <a:gd name="connsiteX49" fmla="*/ 5255034 w 5470628"/>
+              <a:gd name="connsiteY49" fmla="*/ 1151117 h 3193741"/>
+              <a:gd name="connsiteX50" fmla="*/ 5267513 w 5470628"/>
+              <a:gd name="connsiteY50" fmla="*/ 1216275 h 3193741"/>
+              <a:gd name="connsiteX51" fmla="*/ 5343113 w 5470628"/>
+              <a:gd name="connsiteY51" fmla="*/ 1281854 h 3193741"/>
+              <a:gd name="connsiteX52" fmla="*/ 5452014 w 5470628"/>
+              <a:gd name="connsiteY52" fmla="*/ 1385543 h 3193741"/>
+              <a:gd name="connsiteX53" fmla="*/ 5459078 w 5470628"/>
+              <a:gd name="connsiteY53" fmla="*/ 1404268 h 3193741"/>
+              <a:gd name="connsiteX54" fmla="*/ 5458838 w 5470628"/>
+              <a:gd name="connsiteY54" fmla="*/ 1406644 h 3193741"/>
+              <a:gd name="connsiteX55" fmla="*/ 5455752 w 5470628"/>
+              <a:gd name="connsiteY55" fmla="*/ 1450751 h 3193741"/>
+              <a:gd name="connsiteX56" fmla="*/ 5454594 w 5470628"/>
+              <a:gd name="connsiteY56" fmla="*/ 1464662 h 3193741"/>
+              <a:gd name="connsiteX57" fmla="*/ 5447215 w 5470628"/>
+              <a:gd name="connsiteY57" fmla="*/ 1463321 h 3193741"/>
+              <a:gd name="connsiteX58" fmla="*/ 5433934 w 5470628"/>
+              <a:gd name="connsiteY58" fmla="*/ 1458428 h 3193741"/>
+              <a:gd name="connsiteX59" fmla="*/ 5424276 w 5470628"/>
+              <a:gd name="connsiteY59" fmla="*/ 1477014 h 3193741"/>
+              <a:gd name="connsiteX60" fmla="*/ 5444628 w 5470628"/>
+              <a:gd name="connsiteY60" fmla="*/ 1511562 h 3193741"/>
+              <a:gd name="connsiteX61" fmla="*/ 5453752 w 5470628"/>
+              <a:gd name="connsiteY61" fmla="*/ 1474786 h 3193741"/>
+              <a:gd name="connsiteX62" fmla="*/ 5454594 w 5470628"/>
+              <a:gd name="connsiteY62" fmla="*/ 1464662 h 3193741"/>
+              <a:gd name="connsiteX63" fmla="*/ 5463208 w 5470628"/>
+              <a:gd name="connsiteY63" fmla="*/ 1466226 h 3193741"/>
+              <a:gd name="connsiteX64" fmla="*/ 5463164 w 5470628"/>
+              <a:gd name="connsiteY64" fmla="*/ 1484226 h 3193741"/>
+              <a:gd name="connsiteX65" fmla="*/ 5456160 w 5470628"/>
+              <a:gd name="connsiteY65" fmla="*/ 1575885 h 3193741"/>
+              <a:gd name="connsiteX66" fmla="*/ 5345636 w 5470628"/>
+              <a:gd name="connsiteY66" fmla="*/ 1714543 h 3193741"/>
+              <a:gd name="connsiteX67" fmla="*/ 5251319 w 5470628"/>
+              <a:gd name="connsiteY67" fmla="*/ 1775792 h 3193741"/>
+              <a:gd name="connsiteX68" fmla="*/ 5043512 w 5470628"/>
+              <a:gd name="connsiteY68" fmla="*/ 2027305 h 3193741"/>
+              <a:gd name="connsiteX69" fmla="*/ 4978144 w 5470628"/>
+              <a:gd name="connsiteY69" fmla="*/ 2108535 h 3193741"/>
+              <a:gd name="connsiteX70" fmla="*/ 5031476 w 5470628"/>
+              <a:gd name="connsiteY70" fmla="*/ 2128173 h 3193741"/>
+              <a:gd name="connsiteX71" fmla="*/ 4937389 w 5470628"/>
+              <a:gd name="connsiteY71" fmla="*/ 2216441 h 3193741"/>
+              <a:gd name="connsiteX72" fmla="*/ 4826122 w 5470628"/>
+              <a:gd name="connsiteY72" fmla="*/ 2315331 h 3193741"/>
+              <a:gd name="connsiteX73" fmla="*/ 2544647 w 5470628"/>
+              <a:gd name="connsiteY73" fmla="*/ 3190975 h 3193741"/>
+              <a:gd name="connsiteX74" fmla="*/ 1328257 w 5470628"/>
+              <a:gd name="connsiteY74" fmla="*/ 3153006 h 3193741"/>
+              <a:gd name="connsiteX75" fmla="*/ 977943 w 5470628"/>
+              <a:gd name="connsiteY75" fmla="*/ 3082502 h 3193741"/>
+              <a:gd name="connsiteX76" fmla="*/ 854473 w 5470628"/>
+              <a:gd name="connsiteY76" fmla="*/ 2994250 h 3193741"/>
+              <a:gd name="connsiteX77" fmla="*/ 811593 w 5470628"/>
+              <a:gd name="connsiteY77" fmla="*/ 2970498 h 3193741"/>
+              <a:gd name="connsiteX78" fmla="*/ 707024 w 5470628"/>
+              <a:gd name="connsiteY78" fmla="*/ 2945439 h 3193741"/>
+              <a:gd name="connsiteX79" fmla="*/ 523487 w 5470628"/>
+              <a:gd name="connsiteY79" fmla="*/ 2886053 h 3193741"/>
+              <a:gd name="connsiteX80" fmla="*/ 587884 w 5470628"/>
+              <a:gd name="connsiteY80" fmla="*/ 2859746 h 3193741"/>
+              <a:gd name="connsiteX81" fmla="*/ 779426 w 5470628"/>
+              <a:gd name="connsiteY81" fmla="*/ 2885897 h 3193741"/>
+              <a:gd name="connsiteX82" fmla="*/ 917288 w 5470628"/>
+              <a:gd name="connsiteY82" fmla="*/ 2882248 h 3193741"/>
+              <a:gd name="connsiteX83" fmla="*/ 718684 w 5470628"/>
+              <a:gd name="connsiteY83" fmla="*/ 2819941 h 3193741"/>
+              <a:gd name="connsiteX84" fmla="*/ 524650 w 5470628"/>
+              <a:gd name="connsiteY84" fmla="*/ 2731220 h 3193741"/>
+              <a:gd name="connsiteX85" fmla="*/ 670138 w 5470628"/>
+              <a:gd name="connsiteY85" fmla="*/ 2735189 h 3193741"/>
+              <a:gd name="connsiteX86" fmla="*/ 675382 w 5470628"/>
+              <a:gd name="connsiteY86" fmla="*/ 2719369 h 3193741"/>
+              <a:gd name="connsiteX87" fmla="*/ 542021 w 5470628"/>
+              <a:gd name="connsiteY87" fmla="*/ 2601946 h 3193741"/>
+              <a:gd name="connsiteX88" fmla="*/ 476895 w 5470628"/>
+              <a:gd name="connsiteY88" fmla="*/ 2555976 h 3193741"/>
+              <a:gd name="connsiteX89" fmla="*/ 188751 w 5470628"/>
+              <a:gd name="connsiteY89" fmla="*/ 2428830 h 3193741"/>
+              <a:gd name="connsiteX90" fmla="*/ 456762 w 5470628"/>
+              <a:gd name="connsiteY90" fmla="*/ 2468731 h 3193741"/>
+              <a:gd name="connsiteX91" fmla="*/ 174514 w 5470628"/>
+              <a:gd name="connsiteY91" fmla="*/ 2345378 h 3193741"/>
+              <a:gd name="connsiteX92" fmla="*/ 38827 w 5470628"/>
+              <a:gd name="connsiteY92" fmla="*/ 2303685 h 3193741"/>
+              <a:gd name="connsiteX93" fmla="*/ 3281 w 5470628"/>
+              <a:gd name="connsiteY93" fmla="*/ 2273587 h 3193741"/>
+              <a:gd name="connsiteX94" fmla="*/ 61590 w 5470628"/>
+              <a:gd name="connsiteY94" fmla="*/ 2259170 h 3193741"/>
+              <a:gd name="connsiteX95" fmla="*/ 242291 w 5470628"/>
+              <a:gd name="connsiteY95" fmla="*/ 2250569 h 3193741"/>
+              <a:gd name="connsiteX96" fmla="*/ 13205 w 5470628"/>
+              <a:gd name="connsiteY96" fmla="*/ 2172263 h 3193741"/>
+              <a:gd name="connsiteX97" fmla="*/ 180810 w 5470628"/>
+              <a:gd name="connsiteY97" fmla="*/ 2168333 h 3193741"/>
+              <a:gd name="connsiteX98" fmla="*/ 226020 w 5470628"/>
+              <a:gd name="connsiteY98" fmla="*/ 2121100 h 3193741"/>
+              <a:gd name="connsiteX99" fmla="*/ 299145 w 5470628"/>
+              <a:gd name="connsiteY99" fmla="*/ 2044862 h 3193741"/>
+              <a:gd name="connsiteX100" fmla="*/ 350236 w 5470628"/>
+              <a:gd name="connsiteY100" fmla="*/ 2001187 h 3193741"/>
+              <a:gd name="connsiteX101" fmla="*/ 365223 w 5470628"/>
+              <a:gd name="connsiteY101" fmla="*/ 1881218 h 3193741"/>
+              <a:gd name="connsiteX102" fmla="*/ 310707 w 5470628"/>
+              <a:gd name="connsiteY102" fmla="*/ 1758752 h 3193741"/>
+              <a:gd name="connsiteX103" fmla="*/ 181659 w 5470628"/>
+              <a:gd name="connsiteY103" fmla="*/ 1709137 h 3193741"/>
+              <a:gd name="connsiteX104" fmla="*/ 213063 w 5470628"/>
+              <a:gd name="connsiteY104" fmla="*/ 1632021 h 3193741"/>
+              <a:gd name="connsiteX105" fmla="*/ 481390 w 5470628"/>
+              <a:gd name="connsiteY105" fmla="*/ 1644125 h 3193741"/>
+              <a:gd name="connsiteX106" fmla="*/ 68930 w 5470628"/>
+              <a:gd name="connsiteY106" fmla="*/ 1457537 h 3193741"/>
+              <a:gd name="connsiteX107" fmla="*/ 135138 w 5470628"/>
+              <a:gd name="connsiteY107" fmla="*/ 1440976 h 3193741"/>
+              <a:gd name="connsiteX108" fmla="*/ 131611 w 5470628"/>
+              <a:gd name="connsiteY108" fmla="*/ 1427642 h 3193741"/>
+              <a:gd name="connsiteX109" fmla="*/ 130443 w 5470628"/>
+              <a:gd name="connsiteY109" fmla="*/ 1343795 h 3193741"/>
+              <a:gd name="connsiteX110" fmla="*/ 138930 w 5470628"/>
+              <a:gd name="connsiteY110" fmla="*/ 1304094 h 3193741"/>
+              <a:gd name="connsiteX111" fmla="*/ 118409 w 5470628"/>
+              <a:gd name="connsiteY111" fmla="*/ 1262212 h 3193741"/>
+              <a:gd name="connsiteX112" fmla="*/ 421410 w 5470628"/>
+              <a:gd name="connsiteY112" fmla="*/ 1304757 h 3193741"/>
+              <a:gd name="connsiteX113" fmla="*/ 655702 w 5470628"/>
+              <a:gd name="connsiteY113" fmla="*/ 1291801 h 3193741"/>
+              <a:gd name="connsiteX114" fmla="*/ 648299 w 5470628"/>
+              <a:gd name="connsiteY114" fmla="*/ 1287715 h 3193741"/>
+              <a:gd name="connsiteX115" fmla="*/ 531027 w 5470628"/>
+              <a:gd name="connsiteY115" fmla="*/ 1193967 h 3193741"/>
+              <a:gd name="connsiteX116" fmla="*/ 526433 w 5470628"/>
+              <a:gd name="connsiteY116" fmla="*/ 1191913 h 3193741"/>
+              <a:gd name="connsiteX117" fmla="*/ 504666 w 5470628"/>
+              <a:gd name="connsiteY117" fmla="*/ 1177230 h 3193741"/>
+              <a:gd name="connsiteX118" fmla="*/ 482307 w 5470628"/>
+              <a:gd name="connsiteY118" fmla="*/ 1162618 h 3193741"/>
+              <a:gd name="connsiteX119" fmla="*/ 479029 w 5470628"/>
+              <a:gd name="connsiteY119" fmla="*/ 1162540 h 3193741"/>
+              <a:gd name="connsiteX120" fmla="*/ 447663 w 5470628"/>
+              <a:gd name="connsiteY120" fmla="*/ 1132649 h 3193741"/>
+              <a:gd name="connsiteX121" fmla="*/ 438547 w 5470628"/>
+              <a:gd name="connsiteY121" fmla="*/ 1110977 h 3193741"/>
+              <a:gd name="connsiteX122" fmla="*/ 405343 w 5470628"/>
+              <a:gd name="connsiteY122" fmla="*/ 1089612 h 3193741"/>
+              <a:gd name="connsiteX123" fmla="*/ 371373 w 5470628"/>
+              <a:gd name="connsiteY123" fmla="*/ 1070238 h 3193741"/>
+              <a:gd name="connsiteX124" fmla="*/ 290358 w 5470628"/>
+              <a:gd name="connsiteY124" fmla="*/ 1059884 h 3193741"/>
+              <a:gd name="connsiteX125" fmla="*/ 235140 w 5470628"/>
+              <a:gd name="connsiteY125" fmla="*/ 1029322 h 3193741"/>
+              <a:gd name="connsiteX126" fmla="*/ 300494 w 5470628"/>
+              <a:gd name="connsiteY126" fmla="*/ 1032083 h 3193741"/>
+              <a:gd name="connsiteX127" fmla="*/ 239661 w 5470628"/>
+              <a:gd name="connsiteY127" fmla="*/ 997457 h 3193741"/>
+              <a:gd name="connsiteX128" fmla="*/ 204788 w 5470628"/>
+              <a:gd name="connsiteY128" fmla="*/ 959211 h 3193741"/>
+              <a:gd name="connsiteX129" fmla="*/ 207583 w 5470628"/>
+              <a:gd name="connsiteY129" fmla="*/ 947009 h 3193741"/>
+              <a:gd name="connsiteX130" fmla="*/ 223061 w 5470628"/>
+              <a:gd name="connsiteY130" fmla="*/ 947033 h 3193741"/>
+              <a:gd name="connsiteX131" fmla="*/ 280015 w 5470628"/>
+              <a:gd name="connsiteY131" fmla="*/ 972164 h 3193741"/>
+              <a:gd name="connsiteX132" fmla="*/ 353948 w 5470628"/>
+              <a:gd name="connsiteY132" fmla="*/ 1006865 h 3193741"/>
+              <a:gd name="connsiteX133" fmla="*/ 240466 w 5470628"/>
+              <a:gd name="connsiteY133" fmla="*/ 939943 h 3193741"/>
+              <a:gd name="connsiteX134" fmla="*/ 158812 w 5470628"/>
+              <a:gd name="connsiteY134" fmla="*/ 891467 h 3193741"/>
+              <a:gd name="connsiteX135" fmla="*/ 139551 w 5470628"/>
+              <a:gd name="connsiteY135" fmla="*/ 855364 h 3193741"/>
+              <a:gd name="connsiteX136" fmla="*/ 145731 w 5470628"/>
+              <a:gd name="connsiteY136" fmla="*/ 844888 h 3193741"/>
+              <a:gd name="connsiteX137" fmla="*/ 158154 w 5470628"/>
+              <a:gd name="connsiteY137" fmla="*/ 848366 h 3193741"/>
+              <a:gd name="connsiteX138" fmla="*/ 169370 w 5470628"/>
+              <a:gd name="connsiteY138" fmla="*/ 856260 h 3193741"/>
+              <a:gd name="connsiteX139" fmla="*/ 288295 w 5470628"/>
+              <a:gd name="connsiteY139" fmla="*/ 915169 h 3193741"/>
+              <a:gd name="connsiteX140" fmla="*/ 462694 w 5470628"/>
+              <a:gd name="connsiteY140" fmla="*/ 994643 h 3193741"/>
+              <a:gd name="connsiteX141" fmla="*/ 531910 w 5470628"/>
+              <a:gd name="connsiteY141" fmla="*/ 1006664 h 3193741"/>
+              <a:gd name="connsiteX142" fmla="*/ 333940 w 5470628"/>
+              <a:gd name="connsiteY142" fmla="*/ 893507 h 3193741"/>
+              <a:gd name="connsiteX143" fmla="*/ 181443 w 5470628"/>
+              <a:gd name="connsiteY143" fmla="*/ 746608 h 3193741"/>
+              <a:gd name="connsiteX144" fmla="*/ 162678 w 5470628"/>
+              <a:gd name="connsiteY144" fmla="*/ 737018 h 3193741"/>
+              <a:gd name="connsiteX145" fmla="*/ 156307 w 5470628"/>
+              <a:gd name="connsiteY145" fmla="*/ 730435 h 3193741"/>
+              <a:gd name="connsiteX146" fmla="*/ 117227 w 5470628"/>
+              <a:gd name="connsiteY146" fmla="*/ 677515 h 3193741"/>
+              <a:gd name="connsiteX147" fmla="*/ 113655 w 5470628"/>
+              <a:gd name="connsiteY147" fmla="*/ 663474 h 3193741"/>
+              <a:gd name="connsiteX148" fmla="*/ 115226 w 5470628"/>
+              <a:gd name="connsiteY148" fmla="*/ 636712 h 3193741"/>
+              <a:gd name="connsiteX149" fmla="*/ 105067 w 5470628"/>
+              <a:gd name="connsiteY149" fmla="*/ 622046 h 3193741"/>
+              <a:gd name="connsiteX150" fmla="*/ 104113 w 5470628"/>
+              <a:gd name="connsiteY150" fmla="*/ 611722 h 3193741"/>
+              <a:gd name="connsiteX151" fmla="*/ 118895 w 5470628"/>
+              <a:gd name="connsiteY151" fmla="*/ 610169 h 3193741"/>
+              <a:gd name="connsiteX152" fmla="*/ 163095 w 5470628"/>
+              <a:gd name="connsiteY152" fmla="*/ 640642 h 3193741"/>
+              <a:gd name="connsiteX153" fmla="*/ 185766 w 5470628"/>
+              <a:gd name="connsiteY153" fmla="*/ 641454 h 3193741"/>
+              <a:gd name="connsiteX154" fmla="*/ 212892 w 5470628"/>
+              <a:gd name="connsiteY154" fmla="*/ 637457 h 3193741"/>
+              <a:gd name="connsiteX155" fmla="*/ 223932 w 5470628"/>
+              <a:gd name="connsiteY155" fmla="*/ 647271 h 3193741"/>
+              <a:gd name="connsiteX156" fmla="*/ 287167 w 5470628"/>
+              <a:gd name="connsiteY156" fmla="*/ 691571 h 3193741"/>
+              <a:gd name="connsiteX157" fmla="*/ 330380 w 5470628"/>
+              <a:gd name="connsiteY157" fmla="*/ 692506 h 3193741"/>
+              <a:gd name="connsiteX158" fmla="*/ 296172 w 5470628"/>
+              <a:gd name="connsiteY158" fmla="*/ 688108 h 3193741"/>
+              <a:gd name="connsiteX159" fmla="*/ 286974 w 5470628"/>
+              <a:gd name="connsiteY159" fmla="*/ 674512 h 3193741"/>
+              <a:gd name="connsiteX160" fmla="*/ 286166 w 5470628"/>
+              <a:gd name="connsiteY160" fmla="*/ 661798 h 3193741"/>
+              <a:gd name="connsiteX161" fmla="*/ 236268 w 5470628"/>
+              <a:gd name="connsiteY161" fmla="*/ 635338 h 3193741"/>
+              <a:gd name="connsiteX162" fmla="*/ 231734 w 5470628"/>
+              <a:gd name="connsiteY162" fmla="*/ 634225 h 3193741"/>
+              <a:gd name="connsiteX163" fmla="*/ 221253 w 5470628"/>
+              <a:gd name="connsiteY163" fmla="*/ 623870 h 3193741"/>
+              <a:gd name="connsiteX164" fmla="*/ 237564 w 5470628"/>
+              <a:gd name="connsiteY164" fmla="*/ 613590 h 3193741"/>
+              <a:gd name="connsiteX165" fmla="*/ 282259 w 5470628"/>
+              <a:gd name="connsiteY165" fmla="*/ 619091 h 3193741"/>
+              <a:gd name="connsiteX166" fmla="*/ 370630 w 5470628"/>
+              <a:gd name="connsiteY166" fmla="*/ 665566 h 3193741"/>
+              <a:gd name="connsiteX167" fmla="*/ 498017 w 5470628"/>
+              <a:gd name="connsiteY167" fmla="*/ 740532 h 3193741"/>
+              <a:gd name="connsiteX168" fmla="*/ 918036 w 5470628"/>
+              <a:gd name="connsiteY168" fmla="*/ 924307 h 3193741"/>
+              <a:gd name="connsiteX169" fmla="*/ 1079304 w 5470628"/>
+              <a:gd name="connsiteY169" fmla="*/ 984494 h 3193741"/>
+              <a:gd name="connsiteX170" fmla="*/ 1079935 w 5470628"/>
+              <a:gd name="connsiteY170" fmla="*/ 980383 h 3193741"/>
+              <a:gd name="connsiteX171" fmla="*/ 1079695 w 5470628"/>
+              <a:gd name="connsiteY171" fmla="*/ 976616 h 3193741"/>
+              <a:gd name="connsiteX172" fmla="*/ 966178 w 5470628"/>
+              <a:gd name="connsiteY172" fmla="*/ 937219 h 3193741"/>
+              <a:gd name="connsiteX173" fmla="*/ 720106 w 5470628"/>
+              <a:gd name="connsiteY173" fmla="*/ 807112 h 3193741"/>
+              <a:gd name="connsiteX174" fmla="*/ 698823 w 5470628"/>
+              <a:gd name="connsiteY174" fmla="*/ 804708 h 3193741"/>
+              <a:gd name="connsiteX175" fmla="*/ 664513 w 5470628"/>
+              <a:gd name="connsiteY175" fmla="*/ 784663 h 3193741"/>
+              <a:gd name="connsiteX176" fmla="*/ 660380 w 5470628"/>
+              <a:gd name="connsiteY176" fmla="*/ 771165 h 3193741"/>
+              <a:gd name="connsiteX177" fmla="*/ 584959 w 5470628"/>
+              <a:gd name="connsiteY177" fmla="*/ 722409 h 3193741"/>
+              <a:gd name="connsiteX178" fmla="*/ 435649 w 5470628"/>
+              <a:gd name="connsiteY178" fmla="*/ 639659 h 3193741"/>
+              <a:gd name="connsiteX179" fmla="*/ 404944 w 5470628"/>
+              <a:gd name="connsiteY179" fmla="*/ 606128 h 3193741"/>
+              <a:gd name="connsiteX180" fmla="*/ 408476 w 5470628"/>
+              <a:gd name="connsiteY180" fmla="*/ 591466 h 3193741"/>
+              <a:gd name="connsiteX181" fmla="*/ 425225 w 5470628"/>
+              <a:gd name="connsiteY181" fmla="*/ 592759 h 3193741"/>
+              <a:gd name="connsiteX182" fmla="*/ 487115 w 5470628"/>
+              <a:gd name="connsiteY182" fmla="*/ 620614 h 3193741"/>
+              <a:gd name="connsiteX183" fmla="*/ 550277 w 5470628"/>
+              <a:gd name="connsiteY183" fmla="*/ 649738 h 3193741"/>
+              <a:gd name="connsiteX184" fmla="*/ 544421 w 5470628"/>
+              <a:gd name="connsiteY184" fmla="*/ 641907 h 3193741"/>
+              <a:gd name="connsiteX185" fmla="*/ 431905 w 5470628"/>
+              <a:gd name="connsiteY185" fmla="*/ 580799 h 3193741"/>
+              <a:gd name="connsiteX186" fmla="*/ 351177 w 5470628"/>
+              <a:gd name="connsiteY186" fmla="*/ 528177 h 3193741"/>
+              <a:gd name="connsiteX187" fmla="*/ 339749 w 5470628"/>
+              <a:gd name="connsiteY187" fmla="*/ 498244 h 3193741"/>
+              <a:gd name="connsiteX188" fmla="*/ 346313 w 5470628"/>
+              <a:gd name="connsiteY188" fmla="*/ 489145 h 3193741"/>
+              <a:gd name="connsiteX189" fmla="*/ 356579 w 5470628"/>
+              <a:gd name="connsiteY189" fmla="*/ 491460 h 3193741"/>
+              <a:gd name="connsiteX190" fmla="*/ 371505 w 5470628"/>
+              <a:gd name="connsiteY190" fmla="*/ 501516 h 3193741"/>
+              <a:gd name="connsiteX191" fmla="*/ 476275 w 5470628"/>
+              <a:gd name="connsiteY191" fmla="*/ 553122 h 3193741"/>
+              <a:gd name="connsiteX192" fmla="*/ 649952 w 5470628"/>
+              <a:gd name="connsiteY192" fmla="*/ 635294 h 3193741"/>
+              <a:gd name="connsiteX193" fmla="*/ 727161 w 5470628"/>
+              <a:gd name="connsiteY193" fmla="*/ 651328 h 3193741"/>
+              <a:gd name="connsiteX194" fmla="*/ 722417 w 5470628"/>
+              <a:gd name="connsiteY194" fmla="*/ 646921 h 3193741"/>
+              <a:gd name="connsiteX195" fmla="*/ 546079 w 5470628"/>
+              <a:gd name="connsiteY195" fmla="*/ 546328 h 3193741"/>
+              <a:gd name="connsiteX196" fmla="*/ 378182 w 5470628"/>
+              <a:gd name="connsiteY196" fmla="*/ 386585 h 3193741"/>
+              <a:gd name="connsiteX197" fmla="*/ 370158 w 5470628"/>
+              <a:gd name="connsiteY197" fmla="*/ 382100 h 3193741"/>
+              <a:gd name="connsiteX198" fmla="*/ 357861 w 5470628"/>
+              <a:gd name="connsiteY198" fmla="*/ 371252 h 3193741"/>
+              <a:gd name="connsiteX199" fmla="*/ 331313 w 5470628"/>
+              <a:gd name="connsiteY199" fmla="*/ 328203 h 3193741"/>
+              <a:gd name="connsiteX200" fmla="*/ 319354 w 5470628"/>
+              <a:gd name="connsiteY200" fmla="*/ 299282 h 3193741"/>
+              <a:gd name="connsiteX201" fmla="*/ 319682 w 5470628"/>
+              <a:gd name="connsiteY201" fmla="*/ 285719 h 3193741"/>
+              <a:gd name="connsiteX202" fmla="*/ 306391 w 5470628"/>
+              <a:gd name="connsiteY202" fmla="*/ 268585 h 3193741"/>
+              <a:gd name="connsiteX203" fmla="*/ 303294 w 5470628"/>
+              <a:gd name="connsiteY203" fmla="*/ 257334 h 3193741"/>
+              <a:gd name="connsiteX204" fmla="*/ 319242 w 5470628"/>
+              <a:gd name="connsiteY204" fmla="*/ 255403 h 3193741"/>
+              <a:gd name="connsiteX205" fmla="*/ 364093 w 5470628"/>
+              <a:gd name="connsiteY205" fmla="*/ 286745 h 3193741"/>
+              <a:gd name="connsiteX206" fmla="*/ 385301 w 5470628"/>
+              <a:gd name="connsiteY206" fmla="*/ 287973 h 3193741"/>
+              <a:gd name="connsiteX207" fmla="*/ 417598 w 5470628"/>
+              <a:gd name="connsiteY207" fmla="*/ 285722 h 3193741"/>
+              <a:gd name="connsiteX208" fmla="*/ 440155 w 5470628"/>
+              <a:gd name="connsiteY208" fmla="*/ 308139 h 3193741"/>
+              <a:gd name="connsiteX209" fmla="*/ 534406 w 5470628"/>
+              <a:gd name="connsiteY209" fmla="*/ 339430 h 3193741"/>
+              <a:gd name="connsiteX210" fmla="*/ 495633 w 5470628"/>
+              <a:gd name="connsiteY210" fmla="*/ 333450 h 3193741"/>
+              <a:gd name="connsiteX211" fmla="*/ 486289 w 5470628"/>
+              <a:gd name="connsiteY211" fmla="*/ 322243 h 3193741"/>
+              <a:gd name="connsiteX212" fmla="*/ 484000 w 5470628"/>
+              <a:gd name="connsiteY212" fmla="*/ 304964 h 3193741"/>
+              <a:gd name="connsiteX213" fmla="*/ 436911 w 5470628"/>
+              <a:gd name="connsiteY213" fmla="*/ 280536 h 3193741"/>
+              <a:gd name="connsiteX214" fmla="*/ 426865 w 5470628"/>
+              <a:gd name="connsiteY214" fmla="*/ 277007 h 3193741"/>
+              <a:gd name="connsiteX215" fmla="*/ 420654 w 5470628"/>
+              <a:gd name="connsiteY215" fmla="*/ 268269 h 3193741"/>
+              <a:gd name="connsiteX216" fmla="*/ 432329 w 5470628"/>
+              <a:gd name="connsiteY216" fmla="*/ 259975 h 3193741"/>
+              <a:gd name="connsiteX217" fmla="*/ 447672 w 5470628"/>
+              <a:gd name="connsiteY217" fmla="*/ 257879 h 3193741"/>
+              <a:gd name="connsiteX218" fmla="*/ 502242 w 5470628"/>
+              <a:gd name="connsiteY218" fmla="*/ 273572 h 3193741"/>
+              <a:gd name="connsiteX219" fmla="*/ 659874 w 5470628"/>
+              <a:gd name="connsiteY219" fmla="*/ 365516 h 3193741"/>
+              <a:gd name="connsiteX220" fmla="*/ 829177 w 5470628"/>
+              <a:gd name="connsiteY220" fmla="*/ 444421 h 3193741"/>
+              <a:gd name="connsiteX221" fmla="*/ 1231903 w 5470628"/>
+              <a:gd name="connsiteY221" fmla="*/ 613682 h 3193741"/>
+              <a:gd name="connsiteX222" fmla="*/ 1911736 w 5470628"/>
+              <a:gd name="connsiteY222" fmla="*/ 685084 h 3193741"/>
+              <a:gd name="connsiteX223" fmla="*/ 2564313 w 5470628"/>
+              <a:gd name="connsiteY223" fmla="*/ 632143 h 3193741"/>
+              <a:gd name="connsiteX224" fmla="*/ 2657304 w 5470628"/>
+              <a:gd name="connsiteY224" fmla="*/ 624913 h 3193741"/>
+              <a:gd name="connsiteX225" fmla="*/ 4235818 w 5470628"/>
+              <a:gd name="connsiteY225" fmla="*/ 259339 h 3193741"/>
+              <a:gd name="connsiteX226" fmla="*/ 4460331 w 5470628"/>
+              <a:gd name="connsiteY226" fmla="*/ 176864 h 3193741"/>
+              <a:gd name="connsiteX227" fmla="*/ 4499578 w 5470628"/>
+              <a:gd name="connsiteY227" fmla="*/ 186791 h 3193741"/>
+              <a:gd name="connsiteX228" fmla="*/ 4514640 w 5470628"/>
+              <a:gd name="connsiteY228" fmla="*/ 188841 h 3193741"/>
+              <a:gd name="connsiteX229" fmla="*/ 4516523 w 5470628"/>
+              <a:gd name="connsiteY229" fmla="*/ 189988 h 3193741"/>
+              <a:gd name="connsiteX230" fmla="*/ 4518126 w 5470628"/>
+              <a:gd name="connsiteY230" fmla="*/ 189316 h 3193741"/>
+              <a:gd name="connsiteX231" fmla="*/ 4514640 w 5470628"/>
+              <a:gd name="connsiteY231" fmla="*/ 188841 h 3193741"/>
+              <a:gd name="connsiteX232" fmla="*/ 4511569 w 5470628"/>
+              <a:gd name="connsiteY232" fmla="*/ 186970 h 3193741"/>
+              <a:gd name="connsiteX233" fmla="*/ 4510888 w 5470628"/>
+              <a:gd name="connsiteY233" fmla="*/ 180943 h 3193741"/>
+              <a:gd name="connsiteX234" fmla="*/ 4531865 w 5470628"/>
+              <a:gd name="connsiteY234" fmla="*/ 155151 h 3193741"/>
+              <a:gd name="connsiteX235" fmla="*/ 4573441 w 5470628"/>
+              <a:gd name="connsiteY235" fmla="*/ 139676 h 3193741"/>
+              <a:gd name="connsiteX236" fmla="*/ 4594964 w 5470628"/>
+              <a:gd name="connsiteY236" fmla="*/ 145847 h 3193741"/>
+              <a:gd name="connsiteX237" fmla="*/ 4623059 w 5470628"/>
+              <a:gd name="connsiteY237" fmla="*/ 152410 h 3193741"/>
+              <a:gd name="connsiteX238" fmla="*/ 4748356 w 5470628"/>
+              <a:gd name="connsiteY238" fmla="*/ 68192 h 3193741"/>
+              <a:gd name="connsiteX239" fmla="*/ 4833812 w 5470628"/>
+              <a:gd name="connsiteY239" fmla="*/ 8017 h 3193741"/>
+              <a:gd name="connsiteX240" fmla="*/ 4850908 w 5470628"/>
+              <a:gd name="connsiteY240" fmla="*/ 727 h 3193741"/>
+            </a:gdLst>
+            <a:ahLst/>
+            <a:cxnLst>
+              <a:cxn ang="0">
+                <a:pos x="connsiteX0" y="connsiteY0"/>
+              </a:cxn>
+              <a:cxn ang="0">
+                <a:pos x="connsiteX1" y="connsiteY1"/>
+              </a:cxn>
+              <a:cxn ang="0">
+                <a:pos x="connsiteX2" y="connsiteY2"/>
+              </a:cxn>
+              <a:cxn ang="0">
+                <a:pos x="connsiteX3" y="connsiteY3"/>
+              </a:cxn>
+              <a:cxn ang="0">
+                <a:pos x="connsiteX4" y="connsiteY4"/>
+              </a:cxn>
+              <a:cxn ang="0">
+                <a:pos x="connsiteX5" y="connsiteY5"/>
+              </a:cxn>
+              <a:cxn ang="0">
+                <a:pos x="connsiteX6" y="connsiteY6"/>
+              </a:cxn>
+              <a:cxn ang="0">
+                <a:pos x="connsiteX7" y="connsiteY7"/>
+              </a:cxn>
+              <a:cxn ang="0">
+                <a:pos x="connsiteX8" y="connsiteY8"/>
+              </a:cxn>
+              <a:cxn ang="0">
+                <a:pos x="connsiteX9" y="connsiteY9"/>
+              </a:cxn>
+              <a:cxn ang="0">
+                <a:pos x="connsiteX10" y="connsiteY10"/>
+              </a:cxn>
+              <a:cxn ang="0">
+                <a:pos x="connsiteX11" y="connsiteY11"/>
+              </a:cxn>
+              <a:cxn ang="0">
+                <a:pos x="connsiteX12" y="connsiteY12"/>
+              </a:cxn>
+              <a:cxn ang="0">
+                <a:pos x="connsiteX13" y="connsiteY13"/>
+              </a:cxn>
+              <a:cxn ang="0">
+                <a:pos x="connsiteX14" y="connsiteY14"/>
+              </a:cxn>
+              <a:cxn ang="0">
+                <a:pos x="connsiteX15" y="connsiteY15"/>
+              </a:cxn>
+              <a:cxn ang="0">
+                <a:pos x="connsiteX16" y="connsiteY16"/>
+              </a:cxn>
+              <a:cxn ang="0">
+                <a:pos x="connsiteX17" y="connsiteY17"/>
+              </a:cxn>
+              <a:cxn ang="0">
+                <a:pos x="connsiteX18" y="connsiteY18"/>
+              </a:cxn>
+              <a:cxn ang="0">
+                <a:pos x="connsiteX19" y="connsiteY19"/>
+              </a:cxn>
+              <a:cxn ang="0">
+                <a:pos x="connsiteX20" y="connsiteY20"/>
+              </a:cxn>
+              <a:cxn ang="0">
+                <a:pos x="connsiteX21" y="connsiteY21"/>
+              </a:cxn>
+              <a:cxn ang="0">
+                <a:pos x="connsiteX22" y="connsiteY22"/>
+              </a:cxn>
+              <a:cxn ang="0">
+                <a:pos x="connsiteX23" y="connsiteY23"/>
+              </a:cxn>
+              <a:cxn ang="0">
+                <a:pos x="connsiteX24" y="connsiteY24"/>
+              </a:cxn>
+              <a:cxn ang="0">
+                <a:pos x="connsiteX25" y="connsiteY25"/>
+              </a:cxn>
+              <a:cxn ang="0">
+                <a:pos x="connsiteX26" y="connsiteY26"/>
+              </a:cxn>
+              <a:cxn ang="0">
+                <a:pos x="connsiteX27" y="connsiteY27"/>
+              </a:cxn>
+              <a:cxn ang="0">
+                <a:pos x="connsiteX28" y="connsiteY28"/>
+              </a:cxn>
+              <a:cxn ang="0">
+                <a:pos x="connsiteX29" y="connsiteY29"/>
+              </a:cxn>
+              <a:cxn ang="0">
+                <a:pos x="connsiteX30" y="connsiteY30"/>
+              </a:cxn>
+              <a:cxn ang="0">
+                <a:pos x="connsiteX31" y="connsiteY31"/>
+              </a:cxn>
+              <a:cxn ang="0">
+                <a:pos x="connsiteX32" y="connsiteY32"/>
+              </a:cxn>
+              <a:cxn ang="0">
+                <a:pos x="connsiteX33" y="connsiteY33"/>
+              </a:cxn>
+              <a:cxn ang="0">
+                <a:pos x="connsiteX34" y="connsiteY34"/>
+              </a:cxn>
+              <a:cxn ang="0">
+                <a:pos x="connsiteX35" y="connsiteY35"/>
+              </a:cxn>
+              <a:cxn ang="0">
+                <a:pos x="connsiteX36" y="connsiteY36"/>
+              </a:cxn>
+              <a:cxn ang="0">
+                <a:pos x="connsiteX37" y="connsiteY37"/>
+              </a:cxn>
+              <a:cxn ang="0">
+                <a:pos x="connsiteX38" y="connsiteY38"/>
+              </a:cxn>
+              <a:cxn ang="0">
+                <a:pos x="connsiteX39" y="connsiteY39"/>
+              </a:cxn>
+              <a:cxn ang="0">
+                <a:pos x="connsiteX40" y="connsiteY40"/>
+              </a:cxn>
+              <a:cxn ang="0">
+                <a:pos x="connsiteX41" y="connsiteY41"/>
+              </a:cxn>
+              <a:cxn ang="0">
+                <a:pos x="connsiteX42" y="connsiteY42"/>
+              </a:cxn>
+              <a:cxn ang="0">
+                <a:pos x="connsiteX43" y="connsiteY43"/>
+              </a:cxn>
+              <a:cxn ang="0">
+                <a:pos x="connsiteX44" y="connsiteY44"/>
+              </a:cxn>
+              <a:cxn ang="0">
+                <a:pos x="connsiteX45" y="connsiteY45"/>
+              </a:cxn>
+              <a:cxn ang="0">
+                <a:pos x="connsiteX46" y="connsiteY46"/>
+              </a:cxn>
+              <a:cxn ang="0">
+                <a:pos x="connsiteX47" y="connsiteY47"/>
+              </a:cxn>
+              <a:cxn ang="0">
+                <a:pos x="connsiteX48" y="connsiteY48"/>
+              </a:cxn>
+              <a:cxn ang="0">
+                <a:pos x="connsiteX49" y="connsiteY49"/>
+              </a:cxn>
+              <a:cxn ang="0">
+                <a:pos x="connsiteX50" y="connsiteY50"/>
+              </a:cxn>
+              <a:cxn ang="0">
+                <a:pos x="connsiteX51" y="connsiteY51"/>
+              </a:cxn>
+              <a:cxn ang="0">
+                <a:pos x="connsiteX52" y="connsiteY52"/>
+              </a:cxn>
+              <a:cxn ang="0">
+                <a:pos x="connsiteX53" y="connsiteY53"/>
+              </a:cxn>
+              <a:cxn ang="0">
+                <a:pos x="connsiteX54" y="connsiteY54"/>
+              </a:cxn>
+              <a:cxn ang="0">
+                <a:pos x="connsiteX55" y="connsiteY55"/>
+              </a:cxn>
+              <a:cxn ang="0">
+                <a:pos x="connsiteX56" y="connsiteY56"/>
+              </a:cxn>
+              <a:cxn ang="0">
+                <a:pos x="connsiteX57" y="connsiteY57"/>
+              </a:cxn>
+              <a:cxn ang="0">
+                <a:pos x="connsiteX58" y="connsiteY58"/>
+              </a:cxn>
+              <a:cxn ang="0">
+                <a:pos x="connsiteX59" y="connsiteY59"/>
+              </a:cxn>
+              <a:cxn ang="0">
+                <a:pos x="connsiteX60" y="connsiteY60"/>
+              </a:cxn>
+              <a:cxn ang="0">
+                <a:pos x="connsiteX61" y="connsiteY61"/>
+              </a:cxn>
+              <a:cxn ang="0">
+                <a:pos x="connsiteX62" y="connsiteY62"/>
+              </a:cxn>
+              <a:cxn ang="0">
+                <a:pos x="connsiteX63" y="connsiteY63"/>
+              </a:cxn>
+              <a:cxn ang="0">
+                <a:pos x="connsiteX64" y="connsiteY64"/>
+              </a:cxn>
+              <a:cxn ang="0">
+                <a:pos x="connsiteX65" y="connsiteY65"/>
+              </a:cxn>
+              <a:cxn ang="0">
+                <a:pos x="connsiteX66" y="connsiteY66"/>
+              </a:cxn>
+              <a:cxn ang="0">
+                <a:pos x="connsiteX67" y="connsiteY67"/>
+              </a:cxn>
+              <a:cxn ang="0">
+                <a:pos x="connsiteX68" y="connsiteY68"/>
+              </a:cxn>
+              <a:cxn ang="0">
+                <a:pos x="connsiteX69" y="connsiteY69"/>
+              </a:cxn>
+              <a:cxn ang="0">
+                <a:pos x="connsiteX70" y="connsiteY70"/>
+              </a:cxn>
+              <a:cxn ang="0">
+                <a:pos x="connsiteX71" y="connsiteY71"/>
+              </a:cxn>
+              <a:cxn ang="0">
+                <a:pos x="connsiteX72" y="connsiteY72"/>
+              </a:cxn>
+              <a:cxn ang="0">
+                <a:pos x="connsiteX73" y="connsiteY73"/>
+              </a:cxn>
+              <a:cxn ang="0">
+                <a:pos x="connsiteX74" y="connsiteY74"/>
+              </a:cxn>
+              <a:cxn ang="0">
+                <a:pos x="connsiteX75" y="connsiteY75"/>
+              </a:cxn>
+              <a:cxn ang="0">
+                <a:pos x="connsiteX76" y="connsiteY76"/>
+              </a:cxn>
+              <a:cxn ang="0">
+                <a:pos x="connsiteX77" y="connsiteY77"/>
+              </a:cxn>
+              <a:cxn ang="0">
+                <a:pos x="connsiteX78" y="connsiteY78"/>
+              </a:cxn>
+              <a:cxn ang="0">
+                <a:pos x="connsiteX79" y="connsiteY79"/>
+              </a:cxn>
+              <a:cxn ang="0">
+                <a:pos x="connsiteX80" y="connsiteY80"/>
+              </a:cxn>
+              <a:cxn ang="0">
+                <a:pos x="connsiteX81" y="connsiteY81"/>
+              </a:cxn>
+              <a:cxn ang="0">
+                <a:pos x="connsiteX82" y="connsiteY82"/>
+              </a:cxn>
+              <a:cxn ang="0">
+                <a:pos x="connsiteX83" y="connsiteY83"/>
+              </a:cxn>
+              <a:cxn ang="0">
+                <a:pos x="connsiteX84" y="connsiteY84"/>
+              </a:cxn>
+              <a:cxn ang="0">
+                <a:pos x="connsiteX85" y="connsiteY85"/>
+              </a:cxn>
+              <a:cxn ang="0">
+                <a:pos x="connsiteX86" y="connsiteY86"/>
+              </a:cxn>
+              <a:cxn ang="0">
+                <a:pos x="connsiteX87" y="connsiteY87"/>
+              </a:cxn>
+              <a:cxn ang="0">
+                <a:pos x="connsiteX88" y="connsiteY88"/>
+              </a:cxn>
+              <a:cxn ang="0">
+                <a:pos x="connsiteX89" y="connsiteY89"/>
+              </a:cxn>
+              <a:cxn ang="0">
+                <a:pos x="connsiteX90" y="connsiteY90"/>
+              </a:cxn>
+              <a:cxn ang="0">
+                <a:pos x="connsiteX91" y="connsiteY91"/>
+              </a:cxn>
+              <a:cxn ang="0">
+                <a:pos x="connsiteX92" y="connsiteY92"/>
+              </a:cxn>
+              <a:cxn ang="0">
+                <a:pos x="connsiteX93" y="connsiteY93"/>
+              </a:cxn>
+              <a:cxn ang="0">
+                <a:pos x="connsiteX94" y="connsiteY94"/>
+              </a:cxn>
+              <a:cxn ang="0">
+                <a:pos x="connsiteX95" y="connsiteY95"/>
+              </a:cxn>
+              <a:cxn ang="0">
+                <a:pos x="connsiteX96" y="connsiteY96"/>
+              </a:cxn>
+              <a:cxn ang="0">
+                <a:pos x="connsiteX97" y="connsiteY97"/>
+              </a:cxn>
+              <a:cxn ang="0">
+                <a:pos x="connsiteX98" y="connsiteY98"/>
+              </a:cxn>
+              <a:cxn ang="0">
+                <a:pos x="connsiteX99" y="connsiteY99"/>
+              </a:cxn>
+              <a:cxn ang="0">
+                <a:pos x="connsiteX100" y="connsiteY100"/>
+              </a:cxn>
+              <a:cxn ang="0">
+                <a:pos x="connsiteX101" y="connsiteY101"/>
+              </a:cxn>
+              <a:cxn ang="0">
+                <a:pos x="connsiteX102" y="connsiteY102"/>
+              </a:cxn>
+              <a:cxn ang="0">
+                <a:pos x="connsiteX103" y="connsiteY103"/>
+              </a:cxn>
+              <a:cxn ang="0">
+                <a:pos x="connsiteX104" y="connsiteY104"/>
+              </a:cxn>
+              <a:cxn ang="0">
+                <a:pos x="connsiteX105" y="connsiteY105"/>
+              </a:cxn>
+              <a:cxn ang="0">
+                <a:pos x="connsiteX106" y="connsiteY106"/>
+              </a:cxn>
+              <a:cxn ang="0">
+                <a:pos x="connsiteX107" y="connsiteY107"/>
+              </a:cxn>
+              <a:cxn ang="0">
+                <a:pos x="connsiteX108" y="connsiteY108"/>
+              </a:cxn>
+              <a:cxn ang="0">
+                <a:pos x="connsiteX109" y="connsiteY109"/>
+              </a:cxn>
+              <a:cxn ang="0">
+                <a:pos x="connsiteX110" y="connsiteY110"/>
+              </a:cxn>
+              <a:cxn ang="0">
+                <a:pos x="connsiteX111" y="connsiteY111"/>
+              </a:cxn>
+              <a:cxn ang="0">
+                <a:pos x="connsiteX112" y="connsiteY112"/>
+              </a:cxn>
+              <a:cxn ang="0">
+                <a:pos x="connsiteX113" y="connsiteY113"/>
+              </a:cxn>
+              <a:cxn ang="0">
+                <a:pos x="connsiteX114" y="connsiteY114"/>
+              </a:cxn>
+              <a:cxn ang="0">
+                <a:pos x="connsiteX115" y="connsiteY115"/>
+              </a:cxn>
+              <a:cxn ang="0">
+                <a:pos x="connsiteX116" y="connsiteY116"/>
+              </a:cxn>
+              <a:cxn ang="0">
+                <a:pos x="connsiteX117" y="connsiteY117"/>
+              </a:cxn>
+              <a:cxn ang="0">
+                <a:pos x="connsiteX118" y="connsiteY118"/>
+              </a:cxn>
+              <a:cxn ang="0">
+                <a:pos x="connsiteX119" y="connsiteY119"/>
+              </a:cxn>
+              <a:cxn ang="0">
+                <a:pos x="connsiteX120" y="connsiteY120"/>
+              </a:cxn>
+              <a:cxn ang="0">
+                <a:pos x="connsiteX121" y="connsiteY121"/>
+              </a:cxn>
+              <a:cxn ang="0">
+                <a:pos x="connsiteX122" y="connsiteY122"/>
+              </a:cxn>
+              <a:cxn ang="0">
+                <a:pos x="connsiteX123" y="connsiteY123"/>
+              </a:cxn>
+              <a:cxn ang="0">
+                <a:pos x="connsiteX124" y="connsiteY124"/>
+              </a:cxn>
+              <a:cxn ang="0">
+                <a:pos x="connsiteX125" y="connsiteY125"/>
+              </a:cxn>
+              <a:cxn ang="0">
+                <a:pos x="connsiteX126" y="connsiteY126"/>
+              </a:cxn>
+              <a:cxn ang="0">
+                <a:pos x="connsiteX127" y="connsiteY127"/>
+              </a:cxn>
+              <a:cxn ang="0">
+                <a:pos x="connsiteX128" y="connsiteY128"/>
+              </a:cxn>
+              <a:cxn ang="0">
+                <a:pos x="connsiteX129" y="connsiteY129"/>
+              </a:cxn>
+              <a:cxn ang="0">
+                <a:pos x="connsiteX130" y="connsiteY130"/>
+              </a:cxn>
+              <a:cxn ang="0">
+                <a:pos x="connsiteX131" y="connsiteY131"/>
+              </a:cxn>
+              <a:cxn ang="0">
+                <a:pos x="connsiteX132" y="connsiteY132"/>
+              </a:cxn>
+              <a:cxn ang="0">
+                <a:pos x="connsiteX133" y="connsiteY133"/>
+              </a:cxn>
+              <a:cxn ang="0">
+                <a:pos x="connsiteX134" y="connsiteY134"/>
+              </a:cxn>
+              <a:cxn ang="0">
+                <a:pos x="connsiteX135" y="connsiteY135"/>
+              </a:cxn>
+              <a:cxn ang="0">
+                <a:pos x="connsiteX136" y="connsiteY136"/>
+              </a:cxn>
+              <a:cxn ang="0">
+                <a:pos x="connsiteX137" y="connsiteY137"/>
+              </a:cxn>
+              <a:cxn ang="0">
+                <a:pos x="connsiteX138" y="connsiteY138"/>
+              </a:cxn>
+              <a:cxn ang="0">
+                <a:pos x="connsiteX139" y="connsiteY139"/>
+              </a:cxn>
+              <a:cxn ang="0">
+                <a:pos x="connsiteX140" y="connsiteY140"/>
+              </a:cxn>
+              <a:cxn ang="0">
+                <a:pos x="connsiteX141" y="connsiteY141"/>
+              </a:cxn>
+              <a:cxn ang="0">
+                <a:pos x="connsiteX142" y="connsiteY142"/>
+              </a:cxn>
+              <a:cxn ang="0">
+                <a:pos x="connsiteX143" y="connsiteY143"/>
+              </a:cxn>
+              <a:cxn ang="0">
+                <a:pos x="connsiteX144" y="connsiteY144"/>
+              </a:cxn>
+              <a:cxn ang="0">
+                <a:pos x="connsiteX145" y="connsiteY145"/>
+              </a:cxn>
+              <a:cxn ang="0">
+                <a:pos x="connsiteX146" y="connsiteY146"/>
+              </a:cxn>
+              <a:cxn ang="0">
+                <a:pos x="connsiteX147" y="connsiteY147"/>
+              </a:cxn>
+              <a:cxn ang="0">
+                <a:pos x="connsiteX148" y="connsiteY148"/>
+              </a:cxn>
+              <a:cxn ang="0">
+                <a:pos x="connsiteX149" y="connsiteY149"/>
+              </a:cxn>
+              <a:cxn ang="0">
+                <a:pos x="connsiteX150" y="connsiteY150"/>
+              </a:cxn>
+              <a:cxn ang="0">
+                <a:pos x="connsiteX151" y="connsiteY151"/>
+              </a:cxn>
+              <a:cxn ang="0">
+                <a:pos x="connsiteX152" y="connsiteY152"/>
+              </a:cxn>
+              <a:cxn ang="0">
+                <a:pos x="connsiteX153" y="connsiteY153"/>
+              </a:cxn>
+              <a:cxn ang="0">
+                <a:pos x="connsiteX154" y="connsiteY154"/>
+              </a:cxn>
+              <a:cxn ang="0">
+                <a:pos x="connsiteX155" y="connsiteY155"/>
+              </a:cxn>
+              <a:cxn ang="0">
+                <a:pos x="connsiteX156" y="connsiteY156"/>
+              </a:cxn>
+              <a:cxn ang="0">
+                <a:pos x="connsiteX157" y="connsiteY157"/>
+              </a:cxn>
+              <a:cxn ang="0">
+                <a:pos x="connsiteX158" y="connsiteY158"/>
+              </a:cxn>
+              <a:cxn ang="0">
+                <a:pos x="connsiteX159" y="connsiteY159"/>
+              </a:cxn>
+              <a:cxn ang="0">
+                <a:pos x="connsiteX160" y="connsiteY160"/>
+              </a:cxn>
+              <a:cxn ang="0">
+                <a:pos x="connsiteX161" y="connsiteY161"/>
+              </a:cxn>
+              <a:cxn ang="0">
+                <a:pos x="connsiteX162" y="connsiteY162"/>
+              </a:cxn>
+              <a:cxn ang="0">
+                <a:pos x="connsiteX163" y="connsiteY163"/>
+              </a:cxn>
+              <a:cxn ang="0">
+                <a:pos x="connsiteX164" y="connsiteY164"/>
+              </a:cxn>
+              <a:cxn ang="0">
+                <a:pos x="connsiteX165" y="connsiteY165"/>
+              </a:cxn>
+              <a:cxn ang="0">
+                <a:pos x="connsiteX166" y="connsiteY166"/>
+              </a:cxn>
+              <a:cxn ang="0">
+                <a:pos x="connsiteX167" y="connsiteY167"/>
+              </a:cxn>
+              <a:cxn ang="0">
+                <a:pos x="connsiteX168" y="connsiteY168"/>
+              </a:cxn>
+              <a:cxn ang="0">
+                <a:pos x="connsiteX169" y="connsiteY169"/>
+              </a:cxn>
+              <a:cxn ang="0">
+                <a:pos x="connsiteX170" y="connsiteY170"/>
+              </a:cxn>
+              <a:cxn ang="0">
+                <a:pos x="connsiteX171" y="connsiteY171"/>
+              </a:cxn>
+              <a:cxn ang="0">
+                <a:pos x="connsiteX172" y="connsiteY172"/>
+              </a:cxn>
+              <a:cxn ang="0">
+                <a:pos x="connsiteX173" y="connsiteY173"/>
+              </a:cxn>
+              <a:cxn ang="0">
+                <a:pos x="connsiteX174" y="connsiteY174"/>
+              </a:cxn>
+              <a:cxn ang="0">
+                <a:pos x="connsiteX175" y="connsiteY175"/>
+              </a:cxn>
+              <a:cxn ang="0">
+                <a:pos x="connsiteX176" y="connsiteY176"/>
+              </a:cxn>
+              <a:cxn ang="0">
+                <a:pos x="connsiteX177" y="connsiteY177"/>
+              </a:cxn>
+              <a:cxn ang="0">
+                <a:pos x="connsiteX178" y="connsiteY178"/>
+              </a:cxn>
+              <a:cxn ang="0">
+                <a:pos x="connsiteX179" y="connsiteY179"/>
+              </a:cxn>
+              <a:cxn ang="0">
+                <a:pos x="connsiteX180" y="connsiteY180"/>
+              </a:cxn>
+              <a:cxn ang="0">
+                <a:pos x="connsiteX181" y="connsiteY181"/>
+              </a:cxn>
+              <a:cxn ang="0">
+                <a:pos x="connsiteX182" y="connsiteY182"/>
+              </a:cxn>
+              <a:cxn ang="0">
+                <a:pos x="connsiteX183" y="connsiteY183"/>
+              </a:cxn>
+              <a:cxn ang="0">
+                <a:pos x="connsiteX184" y="connsiteY184"/>
+              </a:cxn>
+              <a:cxn ang="0">
+                <a:pos x="connsiteX185" y="connsiteY185"/>
+              </a:cxn>
+              <a:cxn ang="0">
+                <a:pos x="connsiteX186" y="connsiteY186"/>
+              </a:cxn>
+              <a:cxn ang="0">
+                <a:pos x="connsiteX187" y="connsiteY187"/>
+              </a:cxn>
+              <a:cxn ang="0">
+                <a:pos x="connsiteX188" y="connsiteY188"/>
+              </a:cxn>
+              <a:cxn ang="0">
+                <a:pos x="connsiteX189" y="connsiteY189"/>
+              </a:cxn>
+              <a:cxn ang="0">
+                <a:pos x="connsiteX190" y="connsiteY190"/>
+              </a:cxn>
+              <a:cxn ang="0">
+                <a:pos x="connsiteX191" y="connsiteY191"/>
+              </a:cxn>
+              <a:cxn ang="0">
+                <a:pos x="connsiteX192" y="connsiteY192"/>
+              </a:cxn>
+              <a:cxn ang="0">
+                <a:pos x="connsiteX193" y="connsiteY193"/>
+              </a:cxn>
+              <a:cxn ang="0">
+                <a:pos x="connsiteX194" y="connsiteY194"/>
+              </a:cxn>
+              <a:cxn ang="0">
+                <a:pos x="connsiteX195" y="connsiteY195"/>
+              </a:cxn>
+              <a:cxn ang="0">
+                <a:pos x="connsiteX196" y="connsiteY196"/>
+              </a:cxn>
+              <a:cxn ang="0">
+                <a:pos x="connsiteX197" y="connsiteY197"/>
+              </a:cxn>
+              <a:cxn ang="0">
+                <a:pos x="connsiteX198" y="connsiteY198"/>
+              </a:cxn>
+              <a:cxn ang="0">
+                <a:pos x="connsiteX199" y="connsiteY199"/>
+              </a:cxn>
+              <a:cxn ang="0">
+                <a:pos x="connsiteX200" y="connsiteY200"/>
+              </a:cxn>
+              <a:cxn ang="0">
+                <a:pos x="connsiteX201" y="connsiteY201"/>
+              </a:cxn>
+              <a:cxn ang="0">
+                <a:pos x="connsiteX202" y="connsiteY202"/>
+              </a:cxn>
+              <a:cxn ang="0">
+                <a:pos x="connsiteX203" y="connsiteY203"/>
+              </a:cxn>
+              <a:cxn ang="0">
+                <a:pos x="connsiteX204" y="connsiteY204"/>
+              </a:cxn>
+              <a:cxn ang="0">
+                <a:pos x="connsiteX205" y="connsiteY205"/>
+              </a:cxn>
+              <a:cxn ang="0">
+                <a:pos x="connsiteX206" y="connsiteY206"/>
+              </a:cxn>
+              <a:cxn ang="0">
+                <a:pos x="connsiteX207" y="connsiteY207"/>
+              </a:cxn>
+              <a:cxn ang="0">
+                <a:pos x="connsiteX208" y="connsiteY208"/>
+              </a:cxn>
+              <a:cxn ang="0">
+                <a:pos x="connsiteX209" y="connsiteY209"/>
+              </a:cxn>
+              <a:cxn ang="0">
+                <a:pos x="connsiteX210" y="connsiteY210"/>
+              </a:cxn>
+              <a:cxn ang="0">
+                <a:pos x="connsiteX211" y="connsiteY211"/>
+              </a:cxn>
+              <a:cxn ang="0">
+                <a:pos x="connsiteX212" y="connsiteY212"/>
+              </a:cxn>
+              <a:cxn ang="0">
+                <a:pos x="connsiteX213" y="connsiteY213"/>
+              </a:cxn>
+              <a:cxn ang="0">
+                <a:pos x="connsiteX214" y="connsiteY214"/>
+              </a:cxn>
+              <a:cxn ang="0">
+                <a:pos x="connsiteX215" y="connsiteY215"/>
+              </a:cxn>
+              <a:cxn ang="0">
+                <a:pos x="connsiteX216" y="connsiteY216"/>
+              </a:cxn>
+              <a:cxn ang="0">
+                <a:pos x="connsiteX217" y="connsiteY217"/>
+              </a:cxn>
+              <a:cxn ang="0">
+                <a:pos x="connsiteX218" y="connsiteY218"/>
+              </a:cxn>
+              <a:cxn ang="0">
+                <a:pos x="connsiteX219" y="connsiteY219"/>
+              </a:cxn>
+              <a:cxn ang="0">
+                <a:pos x="connsiteX220" y="connsiteY220"/>
+              </a:cxn>
+              <a:cxn ang="0">
+                <a:pos x="connsiteX221" y="connsiteY221"/>
+              </a:cxn>
+              <a:cxn ang="0">
+                <a:pos x="connsiteX222" y="connsiteY222"/>
+              </a:cxn>
+              <a:cxn ang="0">
+                <a:pos x="connsiteX223" y="connsiteY223"/>
+              </a:cxn>
+              <a:cxn ang="0">
+                <a:pos x="connsiteX224" y="connsiteY224"/>
+              </a:cxn>
+              <a:cxn ang="0">
+                <a:pos x="connsiteX225" y="connsiteY225"/>
+              </a:cxn>
+              <a:cxn ang="0">
+                <a:pos x="connsiteX226" y="connsiteY226"/>
+              </a:cxn>
+              <a:cxn ang="0">
+                <a:pos x="connsiteX227" y="connsiteY227"/>
+              </a:cxn>
+              <a:cxn ang="0">
+                <a:pos x="connsiteX228" y="connsiteY228"/>
+              </a:cxn>
+              <a:cxn ang="0">
+                <a:pos x="connsiteX229" y="connsiteY229"/>
+              </a:cxn>
+              <a:cxn ang="0">
+                <a:pos x="connsiteX230" y="connsiteY230"/>
+              </a:cxn>
+              <a:cxn ang="0">
+                <a:pos x="connsiteX231" y="connsiteY231"/>
+              </a:cxn>
+              <a:cxn ang="0">
+                <a:pos x="connsiteX232" y="connsiteY232"/>
+              </a:cxn>
+              <a:cxn ang="0">
+                <a:pos x="connsiteX233" y="connsiteY233"/>
+              </a:cxn>
+              <a:cxn ang="0">
+                <a:pos x="connsiteX234" y="connsiteY234"/>
+              </a:cxn>
+              <a:cxn ang="0">
+                <a:pos x="connsiteX235" y="connsiteY235"/>
+              </a:cxn>
+              <a:cxn ang="0">
+                <a:pos x="connsiteX236" y="connsiteY236"/>
+              </a:cxn>
+              <a:cxn ang="0">
+                <a:pos x="connsiteX237" y="connsiteY237"/>
+              </a:cxn>
+              <a:cxn ang="0">
+                <a:pos x="connsiteX238" y="connsiteY238"/>
+              </a:cxn>
+              <a:cxn ang="0">
+                <a:pos x="connsiteX239" y="connsiteY239"/>
+              </a:cxn>
+              <a:cxn ang="0">
+                <a:pos x="connsiteX240" y="connsiteY240"/>
+              </a:cxn>
+            </a:cxnLst>
+            <a:rect l="l" t="t" r="r" b="b"/>
+            <a:pathLst>
+              <a:path w="5470628" h="3193741">
+                <a:moveTo>
+                  <a:pt x="5462602" y="1413608"/>
+                </a:moveTo>
+                <a:lnTo>
+                  <a:pt x="5465724" y="1421881"/>
+                </a:lnTo>
+                <a:cubicBezTo>
+                  <a:pt x="5472118" y="1444281"/>
+                  <a:pt x="5472640" y="1461744"/>
+                  <a:pt x="5465025" y="1466556"/>
+                </a:cubicBezTo>
+                <a:lnTo>
+                  <a:pt x="5463208" y="1466226"/>
+                </a:lnTo>
+                <a:lnTo>
+                  <a:pt x="5463242" y="1451866"/>
+                </a:lnTo>
+                <a:cubicBezTo>
+                  <a:pt x="5463190" y="1441487"/>
+                  <a:pt x="5463068" y="1431722"/>
+                  <a:pt x="5462894" y="1423194"/>
+                </a:cubicBezTo>
+                <a:close/>
+                <a:moveTo>
+                  <a:pt x="5461417" y="1391849"/>
+                </a:moveTo>
+                <a:cubicBezTo>
+                  <a:pt x="5461710" y="1392940"/>
+                  <a:pt x="5461992" y="1396513"/>
+                  <a:pt x="5462246" y="1401944"/>
+                </a:cubicBezTo>
+                <a:lnTo>
+                  <a:pt x="5462602" y="1413608"/>
+                </a:lnTo>
+                <a:lnTo>
+                  <a:pt x="5459078" y="1404268"/>
+                </a:lnTo>
+                <a:lnTo>
+                  <a:pt x="5460137" y="1393780"/>
+                </a:lnTo>
+                <a:cubicBezTo>
+                  <a:pt x="5460561" y="1391114"/>
+                  <a:pt x="5460982" y="1390270"/>
+                  <a:pt x="5461417" y="1391849"/>
+                </a:cubicBezTo>
+                <a:close/>
+                <a:moveTo>
+                  <a:pt x="614271" y="1052206"/>
+                </a:moveTo>
+                <a:cubicBezTo>
+                  <a:pt x="613444" y="1053256"/>
+                  <a:pt x="612323" y="1054339"/>
+                  <a:pt x="611497" y="1055389"/>
+                </a:cubicBezTo>
+                <a:cubicBezTo>
+                  <a:pt x="617673" y="1058912"/>
+                  <a:pt x="624115" y="1061928"/>
+                  <a:pt x="630277" y="1065215"/>
+                </a:cubicBezTo>
+                <a:cubicBezTo>
+                  <a:pt x="637469" y="1066004"/>
+                  <a:pt x="644958" y="1066759"/>
+                  <a:pt x="651856" y="1067584"/>
+                </a:cubicBezTo>
+                <a:cubicBezTo>
+                  <a:pt x="639327" y="1062458"/>
+                  <a:pt x="626799" y="1057332"/>
+                  <a:pt x="614271" y="1052206"/>
+                </a:cubicBezTo>
+                <a:close/>
+                <a:moveTo>
+                  <a:pt x="810628" y="695550"/>
+                </a:moveTo>
+                <a:cubicBezTo>
+                  <a:pt x="873537" y="739416"/>
+                  <a:pt x="951215" y="767494"/>
+                  <a:pt x="1033084" y="791270"/>
+                </a:cubicBezTo>
+                <a:cubicBezTo>
+                  <a:pt x="1034205" y="790184"/>
+                  <a:pt x="1035031" y="789136"/>
+                  <a:pt x="1036153" y="788050"/>
+                </a:cubicBezTo>
+                <a:cubicBezTo>
+                  <a:pt x="960983" y="757296"/>
+                  <a:pt x="885798" y="726306"/>
+                  <a:pt x="810628" y="695550"/>
+                </a:cubicBezTo>
+                <a:close/>
+                <a:moveTo>
+                  <a:pt x="4850908" y="727"/>
+                </a:moveTo>
+                <a:cubicBezTo>
+                  <a:pt x="4858191" y="2929"/>
+                  <a:pt x="4860543" y="7152"/>
+                  <a:pt x="4858584" y="13795"/>
+                </a:cubicBezTo>
+                <a:cubicBezTo>
+                  <a:pt x="4855845" y="22194"/>
+                  <a:pt x="4850092" y="30008"/>
+                  <a:pt x="4843408" y="37224"/>
+                </a:cubicBezTo>
+                <a:cubicBezTo>
+                  <a:pt x="4812232" y="71132"/>
+                  <a:pt x="4827067" y="79774"/>
+                  <a:pt x="4871062" y="78954"/>
+                </a:cubicBezTo>
+                <a:cubicBezTo>
+                  <a:pt x="4910302" y="78234"/>
+                  <a:pt x="4949507" y="72299"/>
+                  <a:pt x="4989038" y="66799"/>
+                </a:cubicBezTo>
+                <a:cubicBezTo>
+                  <a:pt x="5008500" y="63967"/>
+                  <a:pt x="5009491" y="65509"/>
+                  <a:pt x="5002636" y="79388"/>
+                </a:cubicBezTo>
+                <a:cubicBezTo>
+                  <a:pt x="4991594" y="102315"/>
+                  <a:pt x="4990844" y="123285"/>
+                  <a:pt x="5008332" y="140859"/>
+                </a:cubicBezTo>
+                <a:cubicBezTo>
+                  <a:pt x="5012456" y="144868"/>
+                  <a:pt x="5015428" y="149491"/>
+                  <a:pt x="5014326" y="155555"/>
+                </a:cubicBezTo>
+                <a:cubicBezTo>
+                  <a:pt x="5009356" y="180357"/>
+                  <a:pt x="5019874" y="200674"/>
+                  <a:pt x="5030704" y="221190"/>
+                </a:cubicBezTo>
+                <a:cubicBezTo>
+                  <a:pt x="5048958" y="255517"/>
+                  <a:pt x="5072099" y="287116"/>
+                  <a:pt x="5097262" y="317759"/>
+                </a:cubicBezTo>
+                <a:cubicBezTo>
+                  <a:pt x="5115004" y="339336"/>
+                  <a:pt x="5126222" y="365974"/>
+                  <a:pt x="5165084" y="373367"/>
+                </a:cubicBezTo>
+                <a:cubicBezTo>
+                  <a:pt x="5174420" y="375083"/>
+                  <a:pt x="5177498" y="381353"/>
+                  <a:pt x="5174137" y="389353"/>
+                </a:cubicBezTo>
+                <a:cubicBezTo>
+                  <a:pt x="5163026" y="415847"/>
+                  <a:pt x="5172067" y="436343"/>
+                  <a:pt x="5192507" y="453561"/>
+                </a:cubicBezTo>
+                <a:cubicBezTo>
+                  <a:pt x="5199734" y="459565"/>
+                  <a:pt x="5197020" y="463690"/>
+                  <a:pt x="5187160" y="467732"/>
+                </a:cubicBezTo>
+                <a:cubicBezTo>
+                  <a:pt x="5175836" y="472188"/>
+                  <a:pt x="5167025" y="478711"/>
+                  <a:pt x="5160106" y="486904"/>
+                </a:cubicBezTo>
+                <a:cubicBezTo>
+                  <a:pt x="5148744" y="500143"/>
+                  <a:pt x="5143396" y="514315"/>
+                  <a:pt x="5138948" y="528614"/>
+                </a:cubicBezTo>
+                <a:cubicBezTo>
+                  <a:pt x="5132042" y="551041"/>
+                  <a:pt x="5123894" y="572670"/>
+                  <a:pt x="5097016" y="589923"/>
+                </a:cubicBezTo>
+                <a:cubicBezTo>
+                  <a:pt x="5089016" y="595163"/>
+                  <a:pt x="5082598" y="601872"/>
+                  <a:pt x="5075869" y="608381"/>
+                </a:cubicBezTo>
+                <a:cubicBezTo>
+                  <a:pt x="5078016" y="614052"/>
+                  <a:pt x="5083322" y="617918"/>
+                  <a:pt x="5093172" y="618385"/>
+                </a:cubicBezTo>
+                <a:cubicBezTo>
+                  <a:pt x="5155867" y="621469"/>
+                  <a:pt x="5153088" y="652648"/>
+                  <a:pt x="5153518" y="687474"/>
+                </a:cubicBezTo>
+                <a:cubicBezTo>
+                  <a:pt x="5154177" y="730575"/>
+                  <a:pt x="5118812" y="754787"/>
+                  <a:pt x="5074984" y="776941"/>
+                </a:cubicBezTo>
+                <a:cubicBezTo>
+                  <a:pt x="5059986" y="784451"/>
+                  <a:pt x="5038116" y="786863"/>
+                  <a:pt x="5033348" y="805473"/>
+                </a:cubicBezTo>
+                <a:cubicBezTo>
+                  <a:pt x="5059529" y="819384"/>
+                  <a:pt x="5089376" y="802009"/>
+                  <a:pt x="5116847" y="803426"/>
+                </a:cubicBezTo>
+                <a:cubicBezTo>
+                  <a:pt x="5139548" y="804709"/>
+                  <a:pt x="5176330" y="798120"/>
+                  <a:pt x="5147902" y="833118"/>
+                </a:cubicBezTo>
+                <a:cubicBezTo>
+                  <a:pt x="5139626" y="843373"/>
+                  <a:pt x="5150382" y="848714"/>
+                  <a:pt x="5161665" y="848297"/>
+                </a:cubicBezTo>
+                <a:cubicBezTo>
+                  <a:pt x="5253064" y="844106"/>
+                  <a:pt x="5215170" y="912756"/>
+                  <a:pt x="5246520" y="942412"/>
+                </a:cubicBezTo>
+                <a:cubicBezTo>
+                  <a:pt x="5255359" y="950358"/>
+                  <a:pt x="5247812" y="967405"/>
+                  <a:pt x="5235368" y="972946"/>
+                </a:cubicBezTo>
+                <a:cubicBezTo>
+                  <a:pt x="5156387" y="1008610"/>
+                  <a:pt x="5149354" y="1071149"/>
+                  <a:pt x="5113739" y="1128845"/>
+                </a:cubicBezTo>
+                <a:cubicBezTo>
+                  <a:pt x="5157305" y="1144685"/>
+                  <a:pt x="5208388" y="1143005"/>
+                  <a:pt x="5255034" y="1151117"/>
+                </a:cubicBezTo>
+                <a:cubicBezTo>
+                  <a:pt x="5303482" y="1159484"/>
+                  <a:pt x="5304156" y="1170079"/>
+                  <a:pt x="5267513" y="1216275"/>
+                </a:cubicBezTo>
+                <a:cubicBezTo>
+                  <a:pt x="5370269" y="1212844"/>
+                  <a:pt x="5370269" y="1212844"/>
+                  <a:pt x="5343113" y="1281854"/>
+                </a:cubicBezTo>
+                <a:cubicBezTo>
+                  <a:pt x="5386272" y="1279593"/>
+                  <a:pt x="5428618" y="1334726"/>
+                  <a:pt x="5452014" y="1385543"/>
+                </a:cubicBezTo>
+                <a:lnTo>
+                  <a:pt x="5459078" y="1404268"/>
+                </a:lnTo>
+                <a:lnTo>
+                  <a:pt x="5458838" y="1406644"/>
+                </a:lnTo>
+                <a:cubicBezTo>
+                  <a:pt x="5457942" y="1418063"/>
+                  <a:pt x="5456960" y="1434367"/>
+                  <a:pt x="5455752" y="1450751"/>
+                </a:cubicBezTo>
+                <a:lnTo>
+                  <a:pt x="5454594" y="1464662"/>
+                </a:lnTo>
+                <a:lnTo>
+                  <a:pt x="5447215" y="1463321"/>
+                </a:lnTo>
+                <a:cubicBezTo>
+                  <a:pt x="5441256" y="1459714"/>
+                  <a:pt x="5437002" y="1458345"/>
+                  <a:pt x="5433934" y="1458428"/>
+                </a:cubicBezTo>
+                <a:cubicBezTo>
+                  <a:pt x="5424728" y="1458676"/>
+                  <a:pt x="5426188" y="1471978"/>
+                  <a:pt x="5424276" y="1477014"/>
+                </a:cubicBezTo>
+                <a:cubicBezTo>
+                  <a:pt x="5417851" y="1492977"/>
+                  <a:pt x="5433852" y="1501241"/>
+                  <a:pt x="5444628" y="1511562"/>
+                </a:cubicBezTo>
+                <a:cubicBezTo>
+                  <a:pt x="5448663" y="1515344"/>
+                  <a:pt x="5451544" y="1497678"/>
+                  <a:pt x="5453752" y="1474786"/>
+                </a:cubicBezTo>
+                <a:lnTo>
+                  <a:pt x="5454594" y="1464662"/>
+                </a:lnTo>
+                <a:lnTo>
+                  <a:pt x="5463208" y="1466226"/>
+                </a:lnTo>
+                <a:lnTo>
+                  <a:pt x="5463164" y="1484226"/>
+                </a:lnTo>
+                <a:cubicBezTo>
+                  <a:pt x="5462722" y="1528173"/>
+                  <a:pt x="5460824" y="1571999"/>
+                  <a:pt x="5456160" y="1575885"/>
+                </a:cubicBezTo>
+                <a:cubicBezTo>
+                  <a:pt x="5406708" y="1617226"/>
+                  <a:pt x="5442751" y="1692579"/>
+                  <a:pt x="5345636" y="1714543"/>
+                </a:cubicBezTo>
+                <a:cubicBezTo>
+                  <a:pt x="5301930" y="1724583"/>
+                  <a:pt x="5282493" y="1755882"/>
+                  <a:pt x="5251319" y="1775792"/>
+                </a:cubicBezTo>
+                <a:cubicBezTo>
+                  <a:pt x="5142610" y="1844714"/>
+                  <a:pt x="5072132" y="1925140"/>
+                  <a:pt x="5043512" y="2027305"/>
+                </a:cubicBezTo>
+                <a:cubicBezTo>
+                  <a:pt x="5035488" y="2055562"/>
+                  <a:pt x="5000258" y="2081893"/>
+                  <a:pt x="4978144" y="2108535"/>
+                </a:cubicBezTo>
+                <a:cubicBezTo>
+                  <a:pt x="4990785" y="2124798"/>
+                  <a:pt x="5050411" y="2079615"/>
+                  <a:pt x="5031476" y="2128173"/>
+                </a:cubicBezTo>
+                <a:cubicBezTo>
+                  <a:pt x="5017138" y="2164787"/>
+                  <a:pt x="4975973" y="2191363"/>
+                  <a:pt x="4937389" y="2216441"/>
+                </a:cubicBezTo>
+                <a:cubicBezTo>
+                  <a:pt x="4893079" y="2245058"/>
+                  <a:pt x="4843760" y="2269776"/>
+                  <a:pt x="4826122" y="2315331"/>
+                </a:cubicBezTo>
+                <a:cubicBezTo>
+                  <a:pt x="4822276" y="2325050"/>
+                  <a:pt x="3896510" y="3112888"/>
+                  <a:pt x="2544647" y="3190975"/>
+                </a:cubicBezTo>
+                <a:cubicBezTo>
+                  <a:pt x="2323734" y="3203734"/>
+                  <a:pt x="1445947" y="3169121"/>
+                  <a:pt x="1328257" y="3153006"/>
+                </a:cubicBezTo>
+                <a:cubicBezTo>
+                  <a:pt x="1207258" y="3136344"/>
+                  <a:pt x="1101756" y="3091943"/>
+                  <a:pt x="977943" y="3082502"/>
+                </a:cubicBezTo>
+                <a:cubicBezTo>
+                  <a:pt x="912454" y="3077622"/>
+                  <a:pt x="848655" y="3061861"/>
+                  <a:pt x="854473" y="2994250"/>
+                </a:cubicBezTo>
+                <a:cubicBezTo>
+                  <a:pt x="856228" y="2975057"/>
+                  <a:pt x="838125" y="2961827"/>
+                  <a:pt x="811593" y="2970498"/>
+                </a:cubicBezTo>
+                <a:cubicBezTo>
+                  <a:pt x="761454" y="2987010"/>
+                  <a:pt x="736680" y="2962489"/>
+                  <a:pt x="707024" y="2945439"/>
+                </a:cubicBezTo>
+                <a:cubicBezTo>
+                  <a:pt x="654509" y="2915262"/>
+                  <a:pt x="603913" y="2882480"/>
+                  <a:pt x="523487" y="2886053"/>
+                </a:cubicBezTo>
+                <a:cubicBezTo>
+                  <a:pt x="537017" y="2855468"/>
+                  <a:pt x="563587" y="2856758"/>
+                  <a:pt x="587884" y="2859746"/>
+                </a:cubicBezTo>
+                <a:cubicBezTo>
+                  <a:pt x="652090" y="2867866"/>
+                  <a:pt x="715235" y="2878012"/>
+                  <a:pt x="779426" y="2885897"/>
+                </a:cubicBezTo>
+                <a:cubicBezTo>
+                  <a:pt x="821123" y="2891048"/>
+                  <a:pt x="863074" y="2900202"/>
+                  <a:pt x="917288" y="2882248"/>
+                </a:cubicBezTo>
+                <a:cubicBezTo>
+                  <a:pt x="866364" y="2830288"/>
+                  <a:pt x="785092" y="2829930"/>
+                  <a:pt x="718684" y="2819941"/>
+                </a:cubicBezTo>
+                <a:cubicBezTo>
+                  <a:pt x="635747" y="2807447"/>
+                  <a:pt x="584925" y="2771133"/>
+                  <a:pt x="524650" y="2731220"/>
+                </a:cubicBezTo>
+                <a:cubicBezTo>
+                  <a:pt x="584180" y="2712621"/>
+                  <a:pt x="623299" y="2742760"/>
+                  <a:pt x="670138" y="2735189"/>
+                </a:cubicBezTo>
+                <a:cubicBezTo>
+                  <a:pt x="672406" y="2728745"/>
+                  <a:pt x="675988" y="2719532"/>
+                  <a:pt x="675382" y="2719369"/>
+                </a:cubicBezTo>
+                <a:cubicBezTo>
+                  <a:pt x="596666" y="2703042"/>
+                  <a:pt x="557844" y="2658869"/>
+                  <a:pt x="542021" y="2601946"/>
+                </a:cubicBezTo>
+                <a:cubicBezTo>
+                  <a:pt x="533902" y="2572560"/>
+                  <a:pt x="505246" y="2566541"/>
+                  <a:pt x="476895" y="2555976"/>
+                </a:cubicBezTo>
+                <a:cubicBezTo>
+                  <a:pt x="377189" y="2518466"/>
+                  <a:pt x="272496" y="2486779"/>
+                  <a:pt x="188751" y="2428830"/>
+                </a:cubicBezTo>
+                <a:cubicBezTo>
+                  <a:pt x="280875" y="2426687"/>
+                  <a:pt x="357216" y="2461808"/>
+                  <a:pt x="456762" y="2468731"/>
+                </a:cubicBezTo>
+                <a:cubicBezTo>
+                  <a:pt x="373794" y="2404281"/>
+                  <a:pt x="269816" y="2379152"/>
+                  <a:pt x="174514" y="2345378"/>
+                </a:cubicBezTo>
+                <a:cubicBezTo>
+                  <a:pt x="130977" y="2330009"/>
+                  <a:pt x="90329" y="2308598"/>
+                  <a:pt x="38827" y="2303685"/>
+                </a:cubicBezTo>
+                <a:cubicBezTo>
+                  <a:pt x="20556" y="2301864"/>
+                  <a:pt x="-10092" y="2297272"/>
+                  <a:pt x="3281" y="2273587"/>
+                </a:cubicBezTo>
+                <a:cubicBezTo>
+                  <a:pt x="14533" y="2253956"/>
+                  <a:pt x="39095" y="2256437"/>
+                  <a:pt x="61590" y="2259170"/>
+                </a:cubicBezTo>
+                <a:cubicBezTo>
+                  <a:pt x="115591" y="2265916"/>
+                  <a:pt x="170539" y="2259497"/>
+                  <a:pt x="242291" y="2250569"/>
+                </a:cubicBezTo>
+                <a:cubicBezTo>
+                  <a:pt x="178223" y="2197829"/>
+                  <a:pt x="68904" y="2229102"/>
+                  <a:pt x="13205" y="2172263"/>
+                </a:cubicBezTo>
+                <a:cubicBezTo>
+                  <a:pt x="77196" y="2153598"/>
+                  <a:pt x="128251" y="2170191"/>
+                  <a:pt x="180810" y="2168333"/>
+                </a:cubicBezTo>
+                <a:cubicBezTo>
+                  <a:pt x="228319" y="2166612"/>
+                  <a:pt x="239444" y="2154350"/>
+                  <a:pt x="226020" y="2121100"/>
+                </a:cubicBezTo>
+                <a:cubicBezTo>
+                  <a:pt x="205165" y="2069293"/>
+                  <a:pt x="229388" y="2038364"/>
+                  <a:pt x="299145" y="2044862"/>
+                </a:cubicBezTo>
+                <a:cubicBezTo>
+                  <a:pt x="363822" y="2051027"/>
+                  <a:pt x="369032" y="2029991"/>
+                  <a:pt x="350236" y="2001187"/>
+                </a:cubicBezTo>
+                <a:cubicBezTo>
+                  <a:pt x="322862" y="1959187"/>
+                  <a:pt x="348423" y="1921214"/>
+                  <a:pt x="365223" y="1881218"/>
+                </a:cubicBezTo>
+                <a:cubicBezTo>
+                  <a:pt x="390527" y="1820499"/>
+                  <a:pt x="376326" y="1793748"/>
+                  <a:pt x="310707" y="1758752"/>
+                </a:cubicBezTo>
+                <a:cubicBezTo>
+                  <a:pt x="273754" y="1739265"/>
+                  <a:pt x="234367" y="1723631"/>
+                  <a:pt x="181659" y="1709137"/>
+                </a:cubicBezTo>
+                <a:cubicBezTo>
+                  <a:pt x="299387" y="1683727"/>
+                  <a:pt x="172918" y="1660608"/>
+                  <a:pt x="213063" y="1632021"/>
+                </a:cubicBezTo>
+                <a:cubicBezTo>
+                  <a:pt x="296030" y="1612244"/>
+                  <a:pt x="369047" y="1679323"/>
+                  <a:pt x="481390" y="1644125"/>
+                </a:cubicBezTo>
+                <a:cubicBezTo>
+                  <a:pt x="336659" y="1595935"/>
+                  <a:pt x="176348" y="1532074"/>
+                  <a:pt x="68930" y="1457537"/>
+                </a:cubicBezTo>
+                <a:cubicBezTo>
+                  <a:pt x="91299" y="1434897"/>
+                  <a:pt x="115799" y="1450436"/>
+                  <a:pt x="135138" y="1440976"/>
+                </a:cubicBezTo>
+                <a:cubicBezTo>
+                  <a:pt x="133952" y="1436374"/>
+                  <a:pt x="135290" y="1429332"/>
+                  <a:pt x="131611" y="1427642"/>
+                </a:cubicBezTo>
+                <a:cubicBezTo>
+                  <a:pt x="52402" y="1389548"/>
+                  <a:pt x="51441" y="1388478"/>
+                  <a:pt x="130443" y="1343795"/>
+                </a:cubicBezTo>
+                <a:cubicBezTo>
+                  <a:pt x="158017" y="1328118"/>
+                  <a:pt x="154966" y="1317573"/>
+                  <a:pt x="138930" y="1304094"/>
+                </a:cubicBezTo>
+                <a:cubicBezTo>
+                  <a:pt x="127608" y="1294551"/>
+                  <a:pt x="113720" y="1286742"/>
+                  <a:pt x="118409" y="1262212"/>
+                </a:cubicBezTo>
+                <a:cubicBezTo>
+                  <a:pt x="164937" y="1287183"/>
+                  <a:pt x="383505" y="1312432"/>
+                  <a:pt x="421410" y="1304757"/>
+                </a:cubicBezTo>
+                <a:cubicBezTo>
+                  <a:pt x="464009" y="1296037"/>
+                  <a:pt x="610877" y="1288926"/>
+                  <a:pt x="655702" y="1291801"/>
+                </a:cubicBezTo>
+                <a:cubicBezTo>
+                  <a:pt x="653235" y="1290438"/>
+                  <a:pt x="650767" y="1289077"/>
+                  <a:pt x="648299" y="1287715"/>
+                </a:cubicBezTo>
+                <a:cubicBezTo>
+                  <a:pt x="603999" y="1260339"/>
+                  <a:pt x="559107" y="1233035"/>
+                  <a:pt x="531027" y="1193967"/>
+                </a:cubicBezTo>
+                <a:cubicBezTo>
+                  <a:pt x="529741" y="1192462"/>
+                  <a:pt x="529061" y="1191120"/>
+                  <a:pt x="526433" y="1191913"/>
+                </a:cubicBezTo>
+                <a:cubicBezTo>
+                  <a:pt x="503415" y="1199684"/>
+                  <a:pt x="505590" y="1187083"/>
+                  <a:pt x="504666" y="1177230"/>
+                </a:cubicBezTo>
+                <a:cubicBezTo>
+                  <a:pt x="503726" y="1167141"/>
+                  <a:pt x="499378" y="1159602"/>
+                  <a:pt x="482307" y="1162618"/>
+                </a:cubicBezTo>
+                <a:cubicBezTo>
+                  <a:pt x="481421" y="1162726"/>
+                  <a:pt x="480226" y="1162633"/>
+                  <a:pt x="479029" y="1162540"/>
+                </a:cubicBezTo>
+                <a:cubicBezTo>
+                  <a:pt x="470949" y="1161859"/>
+                  <a:pt x="444139" y="1138059"/>
+                  <a:pt x="447663" y="1132649"/>
+                </a:cubicBezTo>
+                <a:cubicBezTo>
+                  <a:pt x="455539" y="1120781"/>
+                  <a:pt x="446335" y="1116439"/>
+                  <a:pt x="438547" y="1110977"/>
+                </a:cubicBezTo>
+                <a:cubicBezTo>
+                  <a:pt x="427656" y="1103517"/>
+                  <a:pt x="416795" y="1096529"/>
+                  <a:pt x="405343" y="1089612"/>
+                </a:cubicBezTo>
+                <a:cubicBezTo>
+                  <a:pt x="394202" y="1082895"/>
+                  <a:pt x="382794" y="1076684"/>
+                  <a:pt x="371373" y="1070238"/>
+                </a:cubicBezTo>
+                <a:cubicBezTo>
+                  <a:pt x="344889" y="1065616"/>
+                  <a:pt x="318169" y="1061972"/>
+                  <a:pt x="290358" y="1059884"/>
+                </a:cubicBezTo>
+                <a:cubicBezTo>
+                  <a:pt x="269709" y="1058114"/>
+                  <a:pt x="246624" y="1055453"/>
+                  <a:pt x="235140" y="1029322"/>
+                </a:cubicBezTo>
+                <a:cubicBezTo>
+                  <a:pt x="256895" y="1029771"/>
+                  <a:pt x="278695" y="1030927"/>
+                  <a:pt x="300494" y="1032083"/>
+                </a:cubicBezTo>
+                <a:cubicBezTo>
+                  <a:pt x="279542" y="1020860"/>
+                  <a:pt x="259181" y="1009565"/>
+                  <a:pt x="239661" y="997457"/>
+                </a:cubicBezTo>
+                <a:cubicBezTo>
+                  <a:pt x="223540" y="987309"/>
+                  <a:pt x="210281" y="975391"/>
+                  <a:pt x="204788" y="959211"/>
+                </a:cubicBezTo>
+                <a:cubicBezTo>
+                  <a:pt x="203337" y="955117"/>
+                  <a:pt x="202166" y="950750"/>
+                  <a:pt x="207583" y="947009"/>
+                </a:cubicBezTo>
+                <a:cubicBezTo>
+                  <a:pt x="213561" y="942727"/>
+                  <a:pt x="218466" y="944980"/>
+                  <a:pt x="223061" y="947033"/>
+                </a:cubicBezTo>
+                <a:cubicBezTo>
+                  <a:pt x="242046" y="955410"/>
+                  <a:pt x="261311" y="963516"/>
+                  <a:pt x="280015" y="972164"/>
+                </a:cubicBezTo>
+                <a:cubicBezTo>
+                  <a:pt x="304852" y="983629"/>
+                  <a:pt x="329408" y="995365"/>
+                  <a:pt x="353948" y="1006865"/>
+                </a:cubicBezTo>
+                <a:cubicBezTo>
+                  <a:pt x="319294" y="981405"/>
+                  <a:pt x="281290" y="959435"/>
+                  <a:pt x="240466" y="939943"/>
+                </a:cubicBezTo>
+                <a:cubicBezTo>
+                  <a:pt x="210990" y="925718"/>
+                  <a:pt x="181514" y="911494"/>
+                  <a:pt x="158812" y="891467"/>
+                </a:cubicBezTo>
+                <a:cubicBezTo>
+                  <a:pt x="147166" y="881489"/>
+                  <a:pt x="141336" y="869384"/>
+                  <a:pt x="139551" y="855364"/>
+                </a:cubicBezTo>
+                <a:cubicBezTo>
+                  <a:pt x="139312" y="851597"/>
+                  <a:pt x="139634" y="847287"/>
+                  <a:pt x="145731" y="844888"/>
+                </a:cubicBezTo>
+                <a:cubicBezTo>
+                  <a:pt x="151843" y="842724"/>
+                  <a:pt x="155581" y="845356"/>
+                  <a:pt x="158154" y="848366"/>
+                </a:cubicBezTo>
+                <a:cubicBezTo>
+                  <a:pt x="161052" y="851811"/>
+                  <a:pt x="164496" y="854479"/>
+                  <a:pt x="169370" y="856260"/>
+                </a:cubicBezTo>
+                <a:cubicBezTo>
+                  <a:pt x="212096" y="872913"/>
+                  <a:pt x="249775" y="894448"/>
+                  <a:pt x="288295" y="915169"/>
+                </a:cubicBezTo>
+                <a:cubicBezTo>
+                  <a:pt x="343452" y="944788"/>
+                  <a:pt x="397769" y="975222"/>
+                  <a:pt x="462694" y="994643"/>
+                </a:cubicBezTo>
+                <a:cubicBezTo>
+                  <a:pt x="487260" y="1001870"/>
+                  <a:pt x="512622" y="1007575"/>
+                  <a:pt x="531910" y="1006664"/>
+                </a:cubicBezTo>
+                <a:cubicBezTo>
+                  <a:pt x="460990" y="972547"/>
+                  <a:pt x="394087" y="936046"/>
+                  <a:pt x="333940" y="893507"/>
+                </a:cubicBezTo>
+                <a:cubicBezTo>
+                  <a:pt x="273173" y="850568"/>
+                  <a:pt x="219876" y="803403"/>
+                  <a:pt x="181443" y="746608"/>
+                </a:cubicBezTo>
+                <a:cubicBezTo>
+                  <a:pt x="177494" y="740681"/>
+                  <a:pt x="175038" y="734810"/>
+                  <a:pt x="162678" y="737018"/>
+                </a:cubicBezTo>
+                <a:cubicBezTo>
+                  <a:pt x="157082" y="737933"/>
+                  <a:pt x="155070" y="734381"/>
+                  <a:pt x="156307" y="730435"/>
+                </a:cubicBezTo>
+                <a:cubicBezTo>
+                  <a:pt x="164051" y="702450"/>
+                  <a:pt x="145532" y="687373"/>
+                  <a:pt x="117227" y="677515"/>
+                </a:cubicBezTo>
+                <a:cubicBezTo>
+                  <a:pt x="108392" y="674314"/>
+                  <a:pt x="107546" y="670384"/>
+                  <a:pt x="113655" y="663474"/>
+                </a:cubicBezTo>
+                <a:cubicBezTo>
+                  <a:pt x="121976" y="653926"/>
+                  <a:pt x="120506" y="644851"/>
+                  <a:pt x="115226" y="636712"/>
+                </a:cubicBezTo>
+                <a:cubicBezTo>
+                  <a:pt x="112224" y="631619"/>
+                  <a:pt x="108350" y="626868"/>
+                  <a:pt x="105067" y="622046"/>
+                </a:cubicBezTo>
+                <a:cubicBezTo>
+                  <a:pt x="102790" y="619000"/>
+                  <a:pt x="99022" y="615897"/>
+                  <a:pt x="104113" y="611722"/>
+                </a:cubicBezTo>
+                <a:cubicBezTo>
+                  <a:pt x="108939" y="608053"/>
+                  <a:pt x="114081" y="609328"/>
+                  <a:pt x="118895" y="610169"/>
+                </a:cubicBezTo>
+                <a:cubicBezTo>
+                  <a:pt x="142040" y="613772"/>
+                  <a:pt x="156094" y="624170"/>
+                  <a:pt x="163095" y="640642"/>
+                </a:cubicBezTo>
+                <a:cubicBezTo>
+                  <a:pt x="168334" y="652819"/>
+                  <a:pt x="173104" y="652953"/>
+                  <a:pt x="185766" y="641454"/>
+                </a:cubicBezTo>
+                <a:cubicBezTo>
+                  <a:pt x="195327" y="632704"/>
+                  <a:pt x="204232" y="632337"/>
+                  <a:pt x="212892" y="637457"/>
+                </a:cubicBezTo>
+                <a:cubicBezTo>
+                  <a:pt x="217516" y="639981"/>
+                  <a:pt x="220444" y="643897"/>
+                  <a:pt x="223932" y="647271"/>
+                </a:cubicBezTo>
+                <a:cubicBezTo>
+                  <a:pt x="241420" y="664845"/>
+                  <a:pt x="259762" y="681841"/>
+                  <a:pt x="287167" y="691571"/>
+                </a:cubicBezTo>
+                <a:cubicBezTo>
+                  <a:pt x="299355" y="696027"/>
+                  <a:pt x="312354" y="699197"/>
+                  <a:pt x="330380" y="692506"/>
+                </a:cubicBezTo>
+                <a:cubicBezTo>
+                  <a:pt x="318517" y="688486"/>
+                  <a:pt x="306954" y="689175"/>
+                  <a:pt x="296172" y="688108"/>
+                </a:cubicBezTo>
+                <a:cubicBezTo>
+                  <a:pt x="285390" y="687041"/>
+                  <a:pt x="279539" y="683953"/>
+                  <a:pt x="286974" y="674512"/>
+                </a:cubicBezTo>
+                <a:cubicBezTo>
+                  <a:pt x="291105" y="669267"/>
+                  <a:pt x="290555" y="665301"/>
+                  <a:pt x="286166" y="661798"/>
+                </a:cubicBezTo>
+                <a:cubicBezTo>
+                  <a:pt x="272052" y="650459"/>
+                  <a:pt x="264416" y="633352"/>
+                  <a:pt x="236268" y="635338"/>
+                </a:cubicBezTo>
+                <a:cubicBezTo>
+                  <a:pt x="234792" y="635517"/>
+                  <a:pt x="233255" y="634754"/>
+                  <a:pt x="231734" y="634225"/>
+                </a:cubicBezTo>
+                <a:cubicBezTo>
+                  <a:pt x="225957" y="632316"/>
+                  <a:pt x="219575" y="630241"/>
+                  <a:pt x="221253" y="623870"/>
+                </a:cubicBezTo>
+                <a:cubicBezTo>
+                  <a:pt x="223227" y="617462"/>
+                  <a:pt x="230816" y="615119"/>
+                  <a:pt x="237564" y="613590"/>
+                </a:cubicBezTo>
+                <a:cubicBezTo>
+                  <a:pt x="254884" y="609831"/>
+                  <a:pt x="268844" y="614072"/>
+                  <a:pt x="282259" y="619091"/>
+                </a:cubicBezTo>
+                <a:cubicBezTo>
+                  <a:pt x="314893" y="631509"/>
+                  <a:pt x="342201" y="649080"/>
+                  <a:pt x="370630" y="665566"/>
+                </a:cubicBezTo>
+                <a:cubicBezTo>
+                  <a:pt x="413275" y="690295"/>
+                  <a:pt x="451153" y="719635"/>
+                  <a:pt x="498017" y="740532"/>
+                </a:cubicBezTo>
+                <a:cubicBezTo>
+                  <a:pt x="637369" y="802423"/>
+                  <a:pt x="774774" y="866448"/>
+                  <a:pt x="918036" y="924307"/>
+                </a:cubicBezTo>
+                <a:cubicBezTo>
+                  <a:pt x="970882" y="945666"/>
+                  <a:pt x="1024819" y="965469"/>
+                  <a:pt x="1079304" y="984494"/>
+                </a:cubicBezTo>
+                <a:cubicBezTo>
+                  <a:pt x="1079509" y="983045"/>
+                  <a:pt x="1079744" y="982067"/>
+                  <a:pt x="1079935" y="980383"/>
+                </a:cubicBezTo>
+                <a:cubicBezTo>
+                  <a:pt x="1079860" y="979206"/>
+                  <a:pt x="1079770" y="977793"/>
+                  <a:pt x="1079695" y="976616"/>
+                </a:cubicBezTo>
+                <a:cubicBezTo>
+                  <a:pt x="1041139" y="964679"/>
+                  <a:pt x="1003098" y="951491"/>
+                  <a:pt x="966178" y="937219"/>
+                </a:cubicBezTo>
+                <a:cubicBezTo>
+                  <a:pt x="875541" y="901932"/>
+                  <a:pt x="791930" y="860100"/>
+                  <a:pt x="720106" y="807112"/>
+                </a:cubicBezTo>
+                <a:cubicBezTo>
+                  <a:pt x="714181" y="802848"/>
+                  <a:pt x="707904" y="802421"/>
+                  <a:pt x="698823" y="804708"/>
+                </a:cubicBezTo>
+                <a:cubicBezTo>
+                  <a:pt x="669544" y="812288"/>
+                  <a:pt x="659939" y="806334"/>
+                  <a:pt x="664513" y="784663"/>
+                </a:cubicBezTo>
+                <a:cubicBezTo>
+                  <a:pt x="665660" y="779304"/>
+                  <a:pt x="665686" y="775031"/>
+                  <a:pt x="660380" y="771165"/>
+                </a:cubicBezTo>
+                <a:cubicBezTo>
+                  <a:pt x="636661" y="753871"/>
+                  <a:pt x="611807" y="737427"/>
+                  <a:pt x="584959" y="722409"/>
+                </a:cubicBezTo>
+                <a:cubicBezTo>
+                  <a:pt x="535282" y="694735"/>
+                  <a:pt x="482226" y="670082"/>
+                  <a:pt x="435649" y="639659"/>
+                </a:cubicBezTo>
+                <a:cubicBezTo>
+                  <a:pt x="421965" y="630403"/>
+                  <a:pt x="411440" y="619340"/>
+                  <a:pt x="404944" y="606128"/>
+                </a:cubicBezTo>
+                <a:cubicBezTo>
+                  <a:pt x="402872" y="601635"/>
+                  <a:pt x="401613" y="595856"/>
+                  <a:pt x="408476" y="591466"/>
+                </a:cubicBezTo>
+                <a:cubicBezTo>
+                  <a:pt x="415044" y="587111"/>
+                  <a:pt x="420320" y="590506"/>
+                  <a:pt x="425225" y="592759"/>
+                </a:cubicBezTo>
+                <a:cubicBezTo>
+                  <a:pt x="445746" y="601899"/>
+                  <a:pt x="466578" y="611238"/>
+                  <a:pt x="487115" y="620614"/>
+                </a:cubicBezTo>
+                <a:cubicBezTo>
+                  <a:pt x="507947" y="629954"/>
+                  <a:pt x="528514" y="639800"/>
+                  <a:pt x="550277" y="649738"/>
+                </a:cubicBezTo>
+                <a:cubicBezTo>
+                  <a:pt x="551408" y="644145"/>
+                  <a:pt x="546904" y="643504"/>
+                  <a:pt x="544421" y="641907"/>
+                </a:cubicBezTo>
+                <a:cubicBezTo>
+                  <a:pt x="509355" y="619344"/>
+                  <a:pt x="471190" y="599529"/>
+                  <a:pt x="431905" y="580799"/>
+                </a:cubicBezTo>
+                <a:cubicBezTo>
+                  <a:pt x="401512" y="566211"/>
+                  <a:pt x="371947" y="550574"/>
+                  <a:pt x="351177" y="528177"/>
+                </a:cubicBezTo>
+                <a:cubicBezTo>
+                  <a:pt x="343180" y="519419"/>
+                  <a:pt x="338696" y="509759"/>
+                  <a:pt x="339749" y="498244"/>
+                </a:cubicBezTo>
+                <a:cubicBezTo>
+                  <a:pt x="340115" y="494641"/>
+                  <a:pt x="340481" y="491037"/>
+                  <a:pt x="346313" y="489145"/>
+                </a:cubicBezTo>
+                <a:cubicBezTo>
+                  <a:pt x="350979" y="487631"/>
+                  <a:pt x="354067" y="489392"/>
+                  <a:pt x="356579" y="491460"/>
+                </a:cubicBezTo>
+                <a:cubicBezTo>
+                  <a:pt x="360984" y="495197"/>
+                  <a:pt x="365388" y="498934"/>
+                  <a:pt x="371505" y="501516"/>
+                </a:cubicBezTo>
+                <a:cubicBezTo>
+                  <a:pt x="408203" y="517000"/>
+                  <a:pt x="442659" y="534654"/>
+                  <a:pt x="476275" y="553122"/>
+                </a:cubicBezTo>
+                <a:cubicBezTo>
+                  <a:pt x="531461" y="583213"/>
+                  <a:pt x="586103" y="614082"/>
+                  <a:pt x="649952" y="635294"/>
+                </a:cubicBezTo>
+                <a:cubicBezTo>
+                  <a:pt x="673972" y="643298"/>
+                  <a:pt x="698805" y="650018"/>
+                  <a:pt x="727161" y="651328"/>
+                </a:cubicBezTo>
+                <a:cubicBezTo>
+                  <a:pt x="726126" y="649081"/>
+                  <a:pt x="724263" y="647883"/>
+                  <a:pt x="722417" y="646921"/>
+                </a:cubicBezTo>
+                <a:cubicBezTo>
+                  <a:pt x="660627" y="615969"/>
+                  <a:pt x="600830" y="583590"/>
+                  <a:pt x="546079" y="546328"/>
+                </a:cubicBezTo>
+                <a:cubicBezTo>
+                  <a:pt x="478576" y="500409"/>
+                  <a:pt x="420223" y="448637"/>
+                  <a:pt x="378182" y="386585"/>
+                </a:cubicBezTo>
+                <a:cubicBezTo>
+                  <a:pt x="376229" y="383975"/>
+                  <a:pt x="374884" y="381528"/>
+                  <a:pt x="370158" y="382100"/>
+                </a:cubicBezTo>
+                <a:cubicBezTo>
+                  <a:pt x="358064" y="383802"/>
+                  <a:pt x="356583" y="379236"/>
+                  <a:pt x="357861" y="371252"/>
+                </a:cubicBezTo>
+                <a:cubicBezTo>
+                  <a:pt x="361373" y="351608"/>
+                  <a:pt x="352380" y="336565"/>
+                  <a:pt x="331313" y="328203"/>
+                </a:cubicBezTo>
+                <a:cubicBezTo>
+                  <a:pt x="316037" y="321986"/>
+                  <a:pt x="303183" y="316425"/>
+                  <a:pt x="319354" y="299282"/>
+                </a:cubicBezTo>
+                <a:cubicBezTo>
+                  <a:pt x="323265" y="295249"/>
+                  <a:pt x="321459" y="290249"/>
+                  <a:pt x="319682" y="285719"/>
+                </a:cubicBezTo>
+                <a:cubicBezTo>
+                  <a:pt x="317166" y="278905"/>
+                  <a:pt x="312080" y="273828"/>
+                  <a:pt x="306391" y="268585"/>
+                </a:cubicBezTo>
+                <a:cubicBezTo>
+                  <a:pt x="303227" y="265647"/>
+                  <a:pt x="299399" y="261602"/>
+                  <a:pt x="303294" y="257334"/>
+                </a:cubicBezTo>
+                <a:cubicBezTo>
+                  <a:pt x="307735" y="252289"/>
+                  <a:pt x="314131" y="254598"/>
+                  <a:pt x="319242" y="255403"/>
+                </a:cubicBezTo>
+                <a:cubicBezTo>
+                  <a:pt x="342683" y="258970"/>
+                  <a:pt x="357062" y="269803"/>
+                  <a:pt x="364093" y="286745"/>
+                </a:cubicBezTo>
+                <a:cubicBezTo>
+                  <a:pt x="368651" y="297582"/>
+                  <a:pt x="374307" y="297608"/>
+                  <a:pt x="385301" y="287973"/>
+                </a:cubicBezTo>
+                <a:cubicBezTo>
+                  <a:pt x="397712" y="277216"/>
+                  <a:pt x="408079" y="276436"/>
+                  <a:pt x="417598" y="285722"/>
+                </a:cubicBezTo>
+                <a:cubicBezTo>
+                  <a:pt x="425226" y="293339"/>
+                  <a:pt x="431406" y="301607"/>
+                  <a:pt x="440155" y="308139"/>
+                </a:cubicBezTo>
+                <a:cubicBezTo>
+                  <a:pt x="463623" y="326175"/>
+                  <a:pt x="485720" y="346039"/>
+                  <a:pt x="534406" y="339430"/>
+                </a:cubicBezTo>
+                <a:cubicBezTo>
+                  <a:pt x="520872" y="332528"/>
+                  <a:pt x="507316" y="334645"/>
+                  <a:pt x="495633" y="333450"/>
+                </a:cubicBezTo>
+                <a:cubicBezTo>
+                  <a:pt x="487244" y="332567"/>
+                  <a:pt x="478750" y="330037"/>
+                  <a:pt x="486289" y="322243"/>
+                </a:cubicBezTo>
+                <a:cubicBezTo>
+                  <a:pt x="494951" y="313365"/>
+                  <a:pt x="489365" y="309771"/>
+                  <a:pt x="484000" y="304964"/>
+                </a:cubicBezTo>
+                <a:cubicBezTo>
+                  <a:pt x="471673" y="293645"/>
+                  <a:pt x="461604" y="280392"/>
+                  <a:pt x="436911" y="280536"/>
+                </a:cubicBezTo>
+                <a:cubicBezTo>
+                  <a:pt x="433041" y="280530"/>
+                  <a:pt x="429923" y="278297"/>
+                  <a:pt x="426865" y="277007"/>
+                </a:cubicBezTo>
+                <a:cubicBezTo>
+                  <a:pt x="422581" y="275154"/>
+                  <a:pt x="418872" y="272993"/>
+                  <a:pt x="420654" y="268269"/>
+                </a:cubicBezTo>
+                <a:cubicBezTo>
+                  <a:pt x="422468" y="264016"/>
+                  <a:pt x="426748" y="261125"/>
+                  <a:pt x="432329" y="259975"/>
+                </a:cubicBezTo>
+                <a:cubicBezTo>
+                  <a:pt x="437320" y="258895"/>
+                  <a:pt x="442621" y="258016"/>
+                  <a:pt x="447672" y="257879"/>
+                </a:cubicBezTo>
+                <a:cubicBezTo>
+                  <a:pt x="470223" y="256809"/>
+                  <a:pt x="486254" y="265543"/>
+                  <a:pt x="502242" y="273572"/>
+                </a:cubicBezTo>
+                <a:cubicBezTo>
+                  <a:pt x="558179" y="301436"/>
+                  <a:pt x="607891" y="334326"/>
+                  <a:pt x="659874" y="365516"/>
+                </a:cubicBezTo>
+                <a:cubicBezTo>
+                  <a:pt x="711842" y="396471"/>
+                  <a:pt x="772192" y="418818"/>
+                  <a:pt x="829177" y="444421"/>
+                </a:cubicBezTo>
+                <a:cubicBezTo>
+                  <a:pt x="960626" y="503711"/>
+                  <a:pt x="1092650" y="562693"/>
+                  <a:pt x="1231903" y="613682"/>
+                </a:cubicBezTo>
+                <a:cubicBezTo>
+                  <a:pt x="1368099" y="663381"/>
+                  <a:pt x="1823141" y="686561"/>
+                  <a:pt x="1911736" y="685084"/>
+                </a:cubicBezTo>
+                <a:cubicBezTo>
+                  <a:pt x="2024994" y="682992"/>
+                  <a:pt x="2291986" y="655399"/>
+                  <a:pt x="2564313" y="632143"/>
+                </a:cubicBezTo>
+                <a:cubicBezTo>
+                  <a:pt x="2595089" y="629364"/>
+                  <a:pt x="2625288" y="626893"/>
+                  <a:pt x="2657304" y="624913"/>
+                </a:cubicBezTo>
+                <a:cubicBezTo>
+                  <a:pt x="3564401" y="568191"/>
+                  <a:pt x="4203594" y="276765"/>
+                  <a:pt x="4235818" y="259339"/>
+                </a:cubicBezTo>
+                <a:cubicBezTo>
+                  <a:pt x="4287616" y="231474"/>
+                  <a:pt x="4460006" y="176429"/>
+                  <a:pt x="4460331" y="176864"/>
+                </a:cubicBezTo>
+                <a:cubicBezTo>
+                  <a:pt x="4464175" y="181144"/>
+                  <a:pt x="4483735" y="184529"/>
+                  <a:pt x="4499578" y="186791"/>
+                </a:cubicBezTo>
+                <a:lnTo>
+                  <a:pt x="4514640" y="188841"/>
+                </a:lnTo>
+                <a:lnTo>
+                  <a:pt x="4516523" y="189988"/>
+                </a:lnTo>
+                <a:cubicBezTo>
+                  <a:pt x="4522035" y="190091"/>
+                  <a:pt x="4521760" y="189857"/>
+                  <a:pt x="4518126" y="189316"/>
+                </a:cubicBezTo>
+                <a:lnTo>
+                  <a:pt x="4514640" y="188841"/>
+                </a:lnTo>
+                <a:lnTo>
+                  <a:pt x="4511569" y="186970"/>
+                </a:lnTo>
+                <a:cubicBezTo>
+                  <a:pt x="4510788" y="185226"/>
+                  <a:pt x="4510719" y="182981"/>
+                  <a:pt x="4510888" y="180943"/>
+                </a:cubicBezTo>
+                <a:cubicBezTo>
+                  <a:pt x="4511690" y="170169"/>
+                  <a:pt x="4517648" y="160906"/>
+                  <a:pt x="4531865" y="155151"/>
+                </a:cubicBezTo>
+                <a:cubicBezTo>
+                  <a:pt x="4545507" y="149703"/>
+                  <a:pt x="4559473" y="144689"/>
+                  <a:pt x="4573441" y="139676"/>
+                </a:cubicBezTo>
+                <a:cubicBezTo>
+                  <a:pt x="4585075" y="135420"/>
+                  <a:pt x="4593048" y="134454"/>
+                  <a:pt x="4594964" y="145847"/>
+                </a:cubicBezTo>
+                <a:cubicBezTo>
+                  <a:pt x="4596879" y="157242"/>
+                  <a:pt x="4613452" y="160454"/>
+                  <a:pt x="4623059" y="152410"/>
+                </a:cubicBezTo>
+                <a:cubicBezTo>
+                  <a:pt x="4660632" y="120811"/>
+                  <a:pt x="4705757" y="95654"/>
+                  <a:pt x="4748356" y="68192"/>
+                </a:cubicBezTo>
+                <a:cubicBezTo>
+                  <a:pt x="4778098" y="49168"/>
+                  <a:pt x="4809406" y="31378"/>
+                  <a:pt x="4833812" y="8017"/>
+                </a:cubicBezTo>
+                <a:cubicBezTo>
+                  <a:pt x="4838299" y="3678"/>
+                  <a:pt x="4842399" y="-2039"/>
+                  <a:pt x="4850908" y="727"/>
+                </a:cubicBezTo>
+                <a:close/>
+              </a:path>
+            </a:pathLst>
+          </a:custGeom>
+          <a:solidFill>
+            <a:schemeClr val="bg2">
+              <a:alpha val="50000"/>
+            </a:schemeClr>
+          </a:solidFill>
+          <a:ln w="32707" cap="flat">
+            <a:noFill/>
+            <a:prstDash val="solid"/>
+            <a:miter/>
+          </a:ln>
+        </p:spPr>
+        <p:txBody>
+          <a:bodyPr wrap="square" rtlCol="0" anchor="ctr">
+            <a:noAutofit/>
+          </a:bodyPr>
+          <a:lstStyle/>
+          <a:p>
+            <a:pPr algn="ctr"/>
+            <a:endParaRPr lang="en-US">
+              <a:solidFill>
+                <a:schemeClr val="tx1"/>
+              </a:solidFill>
+            </a:endParaRPr>
+          </a:p>
+        </p:txBody>
+      </p:sp>
+      <p:sp>
+        <p:nvSpPr>
+          <p:cNvPr id="3" name="Title 2">
+            <a:extLst>
+              <a:ext uri="{FF2B5EF4-FFF2-40B4-BE49-F238E27FC236}">
+                <a16:creationId xmlns:a16="http://schemas.microsoft.com/office/drawing/2014/main" id="{A4F5CEEA-D155-149C-1A29-1F8F4D3B2279}"/>
+              </a:ext>
+            </a:extLst>
+          </p:cNvPr>
+          <p:cNvSpPr>
+            <a:spLocks noGrp="1"/>
+          </p:cNvSpPr>
+          <p:nvPr>
+            <p:ph type="title"/>
+          </p:nvPr>
+        </p:nvSpPr>
+        <p:spPr>
+          <a:xfrm>
+            <a:off x="1000941" y="685801"/>
+            <a:ext cx="3494859" cy="5491162"/>
+          </a:xfrm>
+        </p:spPr>
+        <p:txBody>
+          <a:bodyPr>
+            <a:normAutofit/>
+          </a:bodyPr>
+          <a:lstStyle/>
+          <a:p>
+            <a:r>
+              <a:rPr lang="en-US" dirty="0"/>
+              <a:t>Processing Definitions</a:t>
+            </a:r>
+          </a:p>
+        </p:txBody>
+      </p:sp>
+      <p:graphicFrame>
+        <p:nvGraphicFramePr>
+          <p:cNvPr id="5" name="Content Placeholder 4">
+            <a:extLst>
+              <a:ext uri="{FF2B5EF4-FFF2-40B4-BE49-F238E27FC236}">
+                <a16:creationId xmlns:a16="http://schemas.microsoft.com/office/drawing/2014/main" id="{0FE59677-CED6-095C-622B-83660E49E22E}"/>
+              </a:ext>
+            </a:extLst>
+          </p:cNvPr>
+          <p:cNvGraphicFramePr>
+            <a:graphicFrameLocks noGrp="1"/>
+          </p:cNvGraphicFramePr>
+          <p:nvPr>
+            <p:ph idx="1"/>
+            <p:extLst>
+              <p:ext uri="{D42A27DB-BD31-4B8C-83A1-F6EECF244321}">
+                <p14:modId xmlns:p14="http://schemas.microsoft.com/office/powerpoint/2010/main" val="3043085932"/>
+              </p:ext>
+            </p:extLst>
+          </p:nvPr>
+        </p:nvGraphicFramePr>
+        <p:xfrm>
+          <a:off x="4894295" y="838199"/>
+          <a:ext cx="6992905" cy="4335443"/>
+        </p:xfrm>
+        <a:graphic>
+          <a:graphicData uri="http://schemas.openxmlformats.org/drawingml/2006/table">
+            <a:tbl>
+              <a:tblPr firstRow="1" bandRow="1">
+                <a:tableStyleId>{5C22544A-7EE6-4342-B048-85BDC9FD1C3A}</a:tableStyleId>
+              </a:tblPr>
+              <a:tblGrid>
+                <a:gridCol w="701833">
+                  <a:extLst>
+                    <a:ext uri="{9D8B030D-6E8A-4147-A177-3AD203B41FA5}">
+                      <a16:colId xmlns:a16="http://schemas.microsoft.com/office/drawing/2014/main" val="3314791397"/>
+                    </a:ext>
+                  </a:extLst>
+                </a:gridCol>
+                <a:gridCol w="1389888">
+                  <a:extLst>
+                    <a:ext uri="{9D8B030D-6E8A-4147-A177-3AD203B41FA5}">
+                      <a16:colId xmlns:a16="http://schemas.microsoft.com/office/drawing/2014/main" val="3303135796"/>
+                    </a:ext>
+                  </a:extLst>
+                </a:gridCol>
+                <a:gridCol w="2075688">
+                  <a:extLst>
+                    <a:ext uri="{9D8B030D-6E8A-4147-A177-3AD203B41FA5}">
+                      <a16:colId xmlns:a16="http://schemas.microsoft.com/office/drawing/2014/main" val="2931658599"/>
+                    </a:ext>
+                  </a:extLst>
+                </a:gridCol>
+                <a:gridCol w="2825496">
+                  <a:extLst>
+                    <a:ext uri="{9D8B030D-6E8A-4147-A177-3AD203B41FA5}">
+                      <a16:colId xmlns:a16="http://schemas.microsoft.com/office/drawing/2014/main" val="3748929117"/>
+                    </a:ext>
+                  </a:extLst>
+                </a:gridCol>
+              </a:tblGrid>
+              <a:tr h="322650">
+                <a:tc>
+                  <a:txBody>
+                    <a:bodyPr/>
+                    <a:lstStyle/>
+                    <a:p>
+                      <a:r>
+                        <a:rPr lang="en-US" sz="1900"/>
+                        <a:t>ID</a:t>
+                      </a:r>
+                    </a:p>
+                  </a:txBody>
+                  <a:tcPr marL="98061" marR="98061" marT="49031" marB="49031"/>
+                </a:tc>
+                <a:tc>
+                  <a:txBody>
+                    <a:bodyPr/>
+                    <a:lstStyle/>
+                    <a:p>
+                      <a:r>
+                        <a:rPr lang="en-US" sz="1900"/>
+                        <a:t>Item</a:t>
+                      </a:r>
+                    </a:p>
+                  </a:txBody>
+                  <a:tcPr marL="98061" marR="98061" marT="49031" marB="49031"/>
+                </a:tc>
+                <a:tc>
+                  <a:txBody>
+                    <a:bodyPr/>
+                    <a:lstStyle/>
+                    <a:p>
+                      <a:r>
+                        <a:rPr lang="en-US" sz="1900"/>
+                        <a:t>Use</a:t>
+                      </a:r>
+                    </a:p>
+                  </a:txBody>
+                  <a:tcPr marL="98061" marR="98061" marT="49031" marB="49031"/>
+                </a:tc>
+                <a:tc>
+                  <a:txBody>
+                    <a:bodyPr/>
+                    <a:lstStyle/>
+                    <a:p>
+                      <a:r>
+                        <a:rPr lang="en-US" sz="1900"/>
+                        <a:t>Notes</a:t>
+                      </a:r>
+                    </a:p>
+                  </a:txBody>
+                  <a:tcPr marL="98061" marR="98061" marT="49031" marB="49031"/>
+                </a:tc>
+                <a:extLst>
+                  <a:ext uri="{0D108BD9-81ED-4DB2-BD59-A6C34878D82A}">
+                    <a16:rowId xmlns:a16="http://schemas.microsoft.com/office/drawing/2014/main" val="2465334850"/>
+                  </a:ext>
+                </a:extLst>
+              </a:tr>
+              <a:tr h="1527268">
+                <a:tc>
+                  <a:txBody>
+                    <a:bodyPr/>
+                    <a:lstStyle/>
+                    <a:p>
+                      <a:r>
+                        <a:rPr lang="en-US" sz="1400" dirty="0"/>
+                        <a:t>P1</a:t>
+                      </a:r>
+                    </a:p>
+                  </a:txBody>
+                  <a:tcPr marL="72647" marR="72647" marT="36324" marB="36324"/>
+                </a:tc>
+                <a:tc>
+                  <a:txBody>
+                    <a:bodyPr/>
+                    <a:lstStyle/>
+                    <a:p>
+                      <a:r>
+                        <a:rPr lang="en-US" sz="1400" dirty="0"/>
+                        <a:t>Document Processing</a:t>
+                      </a:r>
+                    </a:p>
+                  </a:txBody>
+                  <a:tcPr marL="72647" marR="72647" marT="36324" marB="36324"/>
+                </a:tc>
+                <a:tc>
+                  <a:txBody>
+                    <a:bodyPr/>
+                    <a:lstStyle/>
+                    <a:p>
+                      <a:r>
+                        <a:rPr lang="en-US" sz="1400" dirty="0"/>
+                        <a:t>Process a document into chunks that can be processed by the Input Processing.</a:t>
+                      </a:r>
+                    </a:p>
+                  </a:txBody>
+                  <a:tcPr marL="72647" marR="72647" marT="36324" marB="36324"/>
+                </a:tc>
+                <a:tc>
+                  <a:txBody>
+                    <a:bodyPr/>
+                    <a:lstStyle/>
+                    <a:p>
+                      <a:r>
+                        <a:rPr lang="en-US" sz="1400" dirty="0"/>
+                        <a:t>Each run add one or more knowledge graphs into the short-term memory. A first cut of the type is assigned. It needs to store the source with the knowledge graph.</a:t>
+                      </a:r>
+                    </a:p>
+                  </a:txBody>
+                  <a:tcPr marL="72647" marR="72647" marT="36324" marB="36324"/>
+                </a:tc>
+                <a:extLst>
+                  <a:ext uri="{0D108BD9-81ED-4DB2-BD59-A6C34878D82A}">
+                    <a16:rowId xmlns:a16="http://schemas.microsoft.com/office/drawing/2014/main" val="2151593779"/>
+                  </a:ext>
+                </a:extLst>
+              </a:tr>
+              <a:tr h="630191">
+                <a:tc>
+                  <a:txBody>
+                    <a:bodyPr/>
+                    <a:lstStyle/>
+                    <a:p>
+                      <a:r>
+                        <a:rPr lang="en-US" sz="1400" dirty="0"/>
+                        <a:t>P2</a:t>
+                      </a:r>
+                    </a:p>
+                  </a:txBody>
+                  <a:tcPr marL="73994" marR="73994" marT="36997" marB="36997"/>
+                </a:tc>
+                <a:tc>
+                  <a:txBody>
+                    <a:bodyPr/>
+                    <a:lstStyle/>
+                    <a:p>
+                      <a:r>
+                        <a:rPr lang="en-US" sz="1400" dirty="0"/>
+                        <a:t>Query Processing</a:t>
+                      </a:r>
+                    </a:p>
+                  </a:txBody>
+                  <a:tcPr marL="73994" marR="73994" marT="36997" marB="36997"/>
+                </a:tc>
+                <a:tc>
+                  <a:txBody>
+                    <a:bodyPr/>
+                    <a:lstStyle/>
+                    <a:p>
+                      <a:r>
+                        <a:rPr lang="en-US" sz="1400" dirty="0"/>
+                        <a:t>Prepare the query for Input Processing.</a:t>
+                      </a:r>
+                    </a:p>
+                  </a:txBody>
+                  <a:tcPr marL="73994" marR="73994" marT="36997" marB="36997"/>
+                </a:tc>
+                <a:tc>
+                  <a:txBody>
+                    <a:bodyPr/>
+                    <a:lstStyle/>
+                    <a:p>
+                      <a:endParaRPr lang="en-US" sz="1400" dirty="0"/>
+                    </a:p>
+                  </a:txBody>
+                  <a:tcPr marL="73994" marR="73994" marT="36997" marB="36997"/>
+                </a:tc>
+                <a:extLst>
+                  <a:ext uri="{0D108BD9-81ED-4DB2-BD59-A6C34878D82A}">
+                    <a16:rowId xmlns:a16="http://schemas.microsoft.com/office/drawing/2014/main" val="1324869696"/>
+                  </a:ext>
+                </a:extLst>
+              </a:tr>
+              <a:tr h="1527268">
+                <a:tc>
+                  <a:txBody>
+                    <a:bodyPr/>
+                    <a:lstStyle/>
+                    <a:p>
+                      <a:r>
+                        <a:rPr lang="en-US" sz="1400" dirty="0"/>
+                        <a:t>P3</a:t>
+                      </a:r>
+                    </a:p>
+                  </a:txBody>
+                  <a:tcPr marL="83482" marR="83482" marT="41741" marB="41741"/>
+                </a:tc>
+                <a:tc>
+                  <a:txBody>
+                    <a:bodyPr/>
+                    <a:lstStyle/>
+                    <a:p>
+                      <a:r>
+                        <a:rPr lang="en-US" sz="1400" dirty="0"/>
+                        <a:t>Input Processing</a:t>
+                      </a:r>
+                    </a:p>
+                  </a:txBody>
+                  <a:tcPr marL="83482" marR="83482" marT="41741" marB="41741"/>
+                </a:tc>
+                <a:tc>
+                  <a:txBody>
+                    <a:bodyPr/>
+                    <a:lstStyle/>
+                    <a:p>
+                      <a:r>
+                        <a:rPr lang="en-US" sz="1400" dirty="0"/>
+                        <a:t>Using a prompt like: Process this input into a knowledge graph and assign attributes to each entity. There should be a type hierarchy. A first cut of the type should be assigned.</a:t>
+                      </a:r>
+                    </a:p>
+                  </a:txBody>
+                  <a:tcPr marL="83482" marR="83482" marT="41741" marB="41741"/>
+                </a:tc>
+                <a:tc>
+                  <a:txBody>
+                    <a:bodyPr/>
+                    <a:lstStyle/>
+                    <a:p>
+                      <a:r>
+                        <a:rPr lang="en-US" sz="1400" dirty="0"/>
+                        <a:t>A future direction would be to have an LLM that specifically knows how to do this task.</a:t>
+                      </a:r>
+                    </a:p>
+                  </a:txBody>
+                  <a:tcPr marL="83482" marR="83482" marT="41741" marB="41741"/>
+                </a:tc>
+                <a:extLst>
+                  <a:ext uri="{0D108BD9-81ED-4DB2-BD59-A6C34878D82A}">
+                    <a16:rowId xmlns:a16="http://schemas.microsoft.com/office/drawing/2014/main" val="204580980"/>
+                  </a:ext>
+                </a:extLst>
+              </a:tr>
+            </a:tbl>
+          </a:graphicData>
+        </a:graphic>
+      </p:graphicFrame>
+    </p:spTree>
+    <p:extLst>
+      <p:ext uri="{BB962C8B-B14F-4D97-AF65-F5344CB8AC3E}">
+        <p14:creationId xmlns:p14="http://schemas.microsoft.com/office/powerpoint/2010/main" val="3391478869"/>
+      </p:ext>
+    </p:extLst>
+  </p:cSld>
+  <p:clrMapOvr>
+    <a:masterClrMapping/>
+  </p:clrMapOvr>
+</p:sld>
+</file>
+
+<file path=ppt/slides/slide9.xml><?xml version="1.0" encoding="utf-8"?>
+<p:sld xmlns:a="http://schemas.openxmlformats.org/drawingml/2006/main" xmlns:r="http://schemas.openxmlformats.org/officeDocument/2006/relationships" xmlns:p="http://schemas.openxmlformats.org/presentationml/2006/main">
+  <p:cSld>
+    <p:bg>
+      <p:bgPr>
+        <a:solidFill>
+          <a:schemeClr val="bg1"/>
+        </a:solidFill>
+        <a:effectLst/>
+      </p:bgPr>
+    </p:bg>
+    <p:spTree>
+      <p:nvGrpSpPr>
+        <p:cNvPr id="1" name="">
+          <a:extLst>
+            <a:ext uri="{FF2B5EF4-FFF2-40B4-BE49-F238E27FC236}">
+              <a16:creationId xmlns:a16="http://schemas.microsoft.com/office/drawing/2014/main" id="{9F2062BF-7214-1EB6-932E-3B314691713E}"/>
+            </a:ext>
+          </a:extLst>
+        </p:cNvPr>
+        <p:cNvGrpSpPr/>
+        <p:nvPr/>
+      </p:nvGrpSpPr>
+      <p:grpSpPr>
+        <a:xfrm>
+          <a:off x="0" y="0"/>
+          <a:ext cx="0" cy="0"/>
+          <a:chOff x="0" y="0"/>
+          <a:chExt cx="0" cy="0"/>
+        </a:xfrm>
+      </p:grpSpPr>
+      <p:sp useBgFill="1">
+        <p:nvSpPr>
+          <p:cNvPr id="14" name="Rectangle 13">
             <a:extLst>
               <a:ext uri="{FF2B5EF4-FFF2-40B4-BE49-F238E27FC236}">
                 <a16:creationId xmlns:a16="http://schemas.microsoft.com/office/drawing/2014/main" id="{98DED6BC-9A3E-48D4-AD7C-A56D63F547E8}"/>
@@ -25349,7 +28347,7 @@
       </p:sp>
       <p:sp>
         <p:nvSpPr>
-          <p:cNvPr id="19" name="Freeform: Shape 18">
+          <p:cNvPr id="15" name="Freeform: Shape 14">
             <a:extLst>
               <a:ext uri="{FF2B5EF4-FFF2-40B4-BE49-F238E27FC236}">
                 <a16:creationId xmlns:a16="http://schemas.microsoft.com/office/drawing/2014/main" id="{6B6E033A-DB2E-49B8-B600-B38E0C280263}"/>
@@ -27790,7 +30788,7 @@
           <p:cNvPr id="3" name="Title 2">
             <a:extLst>
               <a:ext uri="{FF2B5EF4-FFF2-40B4-BE49-F238E27FC236}">
-                <a16:creationId xmlns:a16="http://schemas.microsoft.com/office/drawing/2014/main" id="{5C5BE9E9-EA6B-0394-C208-47A81296E730}"/>
+                <a16:creationId xmlns:a16="http://schemas.microsoft.com/office/drawing/2014/main" id="{A181F1DF-CB2C-9588-DD72-F8EE97663954}"/>
               </a:ext>
             </a:extLst>
           </p:cNvPr>
@@ -27815,7 +30813,7 @@
           <a:p>
             <a:r>
               <a:rPr lang="en-US" dirty="0"/>
-              <a:t>LLM Definitions</a:t>
+              <a:t>Processing Definitions</a:t>
             </a:r>
           </a:p>
         </p:txBody>
@@ -27825,7 +30823,7 @@
           <p:cNvPr id="5" name="Content Placeholder 4">
             <a:extLst>
               <a:ext uri="{FF2B5EF4-FFF2-40B4-BE49-F238E27FC236}">
-                <a16:creationId xmlns:a16="http://schemas.microsoft.com/office/drawing/2014/main" id="{61EDE1D1-8461-0FB9-D2AB-4BC3D1CD88F2}"/>
+                <a16:creationId xmlns:a16="http://schemas.microsoft.com/office/drawing/2014/main" id="{C5C8D3D5-F510-9003-A7C5-C49B508D16AD}"/>
               </a:ext>
             </a:extLst>
           </p:cNvPr>
@@ -27836,14 +30834,14 @@
             <p:ph idx="1"/>
             <p:extLst>
               <p:ext uri="{D42A27DB-BD31-4B8C-83A1-F6EECF244321}">
-                <p14:modId xmlns:p14="http://schemas.microsoft.com/office/powerpoint/2010/main" val="3647848478"/>
+                <p14:modId xmlns:p14="http://schemas.microsoft.com/office/powerpoint/2010/main" val="2057934297"/>
               </p:ext>
             </p:extLst>
           </p:nvPr>
         </p:nvGraphicFramePr>
         <p:xfrm>
-          <a:off x="4702547" y="1116785"/>
-          <a:ext cx="6651254" cy="4781595"/>
+          <a:off x="4702547" y="1302555"/>
+          <a:ext cx="6651256" cy="4607390"/>
         </p:xfrm>
         <a:graphic>
           <a:graphicData uri="http://schemas.openxmlformats.org/drawingml/2006/table">
@@ -27852,28 +30850,28 @@
                 <a:tableStyleId>{5C22544A-7EE6-4342-B048-85BDC9FD1C3A}</a:tableStyleId>
               </a:tblPr>
               <a:tblGrid>
-                <a:gridCol w="519446">
+                <a:gridCol w="480963">
                   <a:extLst>
                     <a:ext uri="{9D8B030D-6E8A-4147-A177-3AD203B41FA5}">
                       <a16:colId xmlns:a16="http://schemas.microsoft.com/office/drawing/2014/main" val="2700288143"/>
                     </a:ext>
                   </a:extLst>
                 </a:gridCol>
-                <a:gridCol w="1405777">
+                <a:gridCol w="1169519">
                   <a:extLst>
                     <a:ext uri="{9D8B030D-6E8A-4147-A177-3AD203B41FA5}">
                       <a16:colId xmlns:a16="http://schemas.microsoft.com/office/drawing/2014/main" val="3303135796"/>
                     </a:ext>
                   </a:extLst>
                 </a:gridCol>
-                <a:gridCol w="2003578">
+                <a:gridCol w="3286575">
                   <a:extLst>
                     <a:ext uri="{9D8B030D-6E8A-4147-A177-3AD203B41FA5}">
                       <a16:colId xmlns:a16="http://schemas.microsoft.com/office/drawing/2014/main" val="2931658599"/>
                     </a:ext>
                   </a:extLst>
                 </a:gridCol>
-                <a:gridCol w="2722453">
+                <a:gridCol w="1714199">
                   <a:extLst>
                     <a:ext uri="{9D8B030D-6E8A-4147-A177-3AD203B41FA5}">
                       <a16:colId xmlns:a16="http://schemas.microsoft.com/office/drawing/2014/main" val="3748929117"/>
@@ -27881,19 +30879,19 @@
                   </a:extLst>
                 </a:gridCol>
               </a:tblGrid>
-              <a:tr h="364763">
+              <a:tr h="325575">
                 <a:tc>
                   <a:txBody>
                     <a:bodyPr/>
                     <a:lstStyle/>
                     <a:p>
                       <a:r>
-                        <a:rPr lang="en-US" sz="1600"/>
+                        <a:rPr lang="en-US" sz="1500"/>
                         <a:t>ID</a:t>
                       </a:r>
                     </a:p>
                   </a:txBody>
-                  <a:tcPr marL="83482" marR="83482" marT="41741" marB="41741"/>
+                  <a:tcPr marL="73994" marR="73994" marT="36997" marB="36997"/>
                 </a:tc>
                 <a:tc>
                   <a:txBody>
@@ -27901,12 +30899,12 @@
                     <a:lstStyle/>
                     <a:p>
                       <a:r>
-                        <a:rPr lang="en-US" sz="1600"/>
+                        <a:rPr lang="en-US" sz="1500"/>
                         <a:t>Item</a:t>
                       </a:r>
                     </a:p>
                   </a:txBody>
-                  <a:tcPr marL="83482" marR="83482" marT="41741" marB="41741"/>
+                  <a:tcPr marL="73994" marR="73994" marT="36997" marB="36997"/>
                 </a:tc>
                 <a:tc>
                   <a:txBody>
@@ -27914,12 +30912,12 @@
                     <a:lstStyle/>
                     <a:p>
                       <a:r>
-                        <a:rPr lang="en-US" sz="1600"/>
+                        <a:rPr lang="en-US" sz="1500"/>
                         <a:t>Use</a:t>
                       </a:r>
                     </a:p>
                   </a:txBody>
-                  <a:tcPr marL="83482" marR="83482" marT="41741" marB="41741"/>
+                  <a:tcPr marL="73994" marR="73994" marT="36997" marB="36997"/>
                 </a:tc>
                 <a:tc>
                   <a:txBody>
@@ -27927,12 +30925,12 @@
                     <a:lstStyle/>
                     <a:p>
                       <a:r>
-                        <a:rPr lang="en-US" sz="1600"/>
+                        <a:rPr lang="en-US" sz="1500"/>
                         <a:t>Notes</a:t>
                       </a:r>
                     </a:p>
                   </a:txBody>
-                  <a:tcPr marL="83482" marR="83482" marT="41741" marB="41741"/>
+                  <a:tcPr marL="73994" marR="73994" marT="36997" marB="36997"/>
                 </a:tc>
                 <a:extLst>
                   <a:ext uri="{0D108BD9-81ED-4DB2-BD59-A6C34878D82A}">
@@ -27940,2978 +30938,15 @@
                   </a:ext>
                 </a:extLst>
               </a:tr>
-              <a:tr h="1104208">
+              <a:tr h="1435487">
                 <a:tc>
                   <a:txBody>
                     <a:bodyPr/>
                     <a:lstStyle/>
                     <a:p>
                       <a:r>
-                        <a:rPr lang="en-US" sz="1600"/>
-                        <a:t>L1</a:t>
-                      </a:r>
-                    </a:p>
-                  </a:txBody>
-                  <a:tcPr marL="83482" marR="83482" marT="41741" marB="41741"/>
-                </a:tc>
-                <a:tc>
-                  <a:txBody>
-                    <a:bodyPr/>
-                    <a:lstStyle/>
-                    <a:p>
-                      <a:r>
-                        <a:rPr lang="en-US" sz="1600" dirty="0"/>
-                        <a:t>Input Processing</a:t>
-                      </a:r>
-                    </a:p>
-                  </a:txBody>
-                  <a:tcPr marL="83482" marR="83482" marT="41741" marB="41741"/>
-                </a:tc>
-                <a:tc>
-                  <a:txBody>
-                    <a:bodyPr/>
-                    <a:lstStyle/>
-                    <a:p>
-                      <a:r>
-                        <a:rPr lang="en-US" sz="1600"/>
-                        <a:t>A pre trained LLM. Not specific to this task.</a:t>
-                      </a:r>
-                    </a:p>
-                  </a:txBody>
-                  <a:tcPr marL="83482" marR="83482" marT="41741" marB="41741"/>
-                </a:tc>
-                <a:tc>
-                  <a:txBody>
-                    <a:bodyPr/>
-                    <a:lstStyle/>
-                    <a:p>
-                      <a:r>
-                        <a:rPr lang="en-US" sz="1600"/>
-                        <a:t>Probably overkill. A future direction would be to have an LLM that specifically knows how to do this task.</a:t>
-                      </a:r>
-                    </a:p>
-                  </a:txBody>
-                  <a:tcPr marL="83482" marR="83482" marT="41741" marB="41741"/>
-                </a:tc>
-                <a:extLst>
-                  <a:ext uri="{0D108BD9-81ED-4DB2-BD59-A6C34878D82A}">
-                    <a16:rowId xmlns:a16="http://schemas.microsoft.com/office/drawing/2014/main" val="1338793342"/>
-                  </a:ext>
-                </a:extLst>
-              </a:tr>
-              <a:tr h="1104208">
-                <a:tc>
-                  <a:txBody>
-                    <a:bodyPr/>
-                    <a:lstStyle/>
-                    <a:p>
-                      <a:r>
-                        <a:rPr lang="en-US" sz="1600"/>
-                        <a:t>L2</a:t>
-                      </a:r>
-                    </a:p>
-                  </a:txBody>
-                  <a:tcPr marL="83482" marR="83482" marT="41741" marB="41741"/>
-                </a:tc>
-                <a:tc>
-                  <a:txBody>
-                    <a:bodyPr/>
-                    <a:lstStyle/>
-                    <a:p>
-                      <a:r>
-                        <a:rPr lang="en-US" sz="1600" dirty="0"/>
-                        <a:t>Memory Formation</a:t>
-                      </a:r>
-                    </a:p>
-                  </a:txBody>
-                  <a:tcPr marL="83482" marR="83482" marT="41741" marB="41741"/>
-                </a:tc>
-                <a:tc>
-                  <a:txBody>
-                    <a:bodyPr/>
-                    <a:lstStyle/>
-                    <a:p>
-                      <a:r>
-                        <a:rPr lang="en-US" sz="1600"/>
-                        <a:t>A pre trained LLM. Not specific to this task.</a:t>
-                      </a:r>
-                    </a:p>
-                  </a:txBody>
-                  <a:tcPr marL="83482" marR="83482" marT="41741" marB="41741"/>
-                </a:tc>
-                <a:tc>
-                  <a:txBody>
-                    <a:bodyPr/>
-                    <a:lstStyle/>
-                    <a:p>
-                      <a:r>
-                        <a:rPr lang="en-US" sz="1600"/>
-                        <a:t>Probably overkill. A future direction would be to have an LLM that specifically knows how to do this task.</a:t>
-                      </a:r>
-                    </a:p>
-                  </a:txBody>
-                  <a:tcPr marL="83482" marR="83482" marT="41741" marB="41741"/>
-                </a:tc>
-                <a:extLst>
-                  <a:ext uri="{0D108BD9-81ED-4DB2-BD59-A6C34878D82A}">
-                    <a16:rowId xmlns:a16="http://schemas.microsoft.com/office/drawing/2014/main" val="2151593779"/>
-                  </a:ext>
-                </a:extLst>
-              </a:tr>
-              <a:tr h="1104208">
-                <a:tc>
-                  <a:txBody>
-                    <a:bodyPr/>
-                    <a:lstStyle/>
-                    <a:p>
-                      <a:r>
-                        <a:rPr lang="en-US" sz="1600"/>
-                        <a:t>L3</a:t>
-                      </a:r>
-                    </a:p>
-                  </a:txBody>
-                  <a:tcPr marL="83482" marR="83482" marT="41741" marB="41741"/>
-                </a:tc>
-                <a:tc>
-                  <a:txBody>
-                    <a:bodyPr/>
-                    <a:lstStyle/>
-                    <a:p>
-                      <a:r>
-                        <a:rPr lang="en-US" sz="1600" dirty="0"/>
-                        <a:t>Memory</a:t>
-                      </a:r>
-                    </a:p>
-                  </a:txBody>
-                  <a:tcPr marL="83482" marR="83482" marT="41741" marB="41741"/>
-                </a:tc>
-                <a:tc>
-                  <a:txBody>
-                    <a:bodyPr/>
-                    <a:lstStyle/>
-                    <a:p>
-                      <a:r>
-                        <a:rPr lang="en-US" sz="1600"/>
-                        <a:t>A pre trained LLM. Not specific to this task.</a:t>
-                      </a:r>
-                    </a:p>
-                  </a:txBody>
-                  <a:tcPr marL="83482" marR="83482" marT="41741" marB="41741"/>
-                </a:tc>
-                <a:tc>
-                  <a:txBody>
-                    <a:bodyPr/>
-                    <a:lstStyle/>
-                    <a:p>
-                      <a:r>
-                        <a:rPr lang="en-US" sz="1600"/>
-                        <a:t>Probably overkill. A future direction would be to have an LLM that specifically knows how to do this task.</a:t>
-                      </a:r>
-                    </a:p>
-                  </a:txBody>
-                  <a:tcPr marL="83482" marR="83482" marT="41741" marB="41741"/>
-                </a:tc>
-                <a:extLst>
-                  <a:ext uri="{0D108BD9-81ED-4DB2-BD59-A6C34878D82A}">
-                    <a16:rowId xmlns:a16="http://schemas.microsoft.com/office/drawing/2014/main" val="204580980"/>
-                  </a:ext>
-                </a:extLst>
-              </a:tr>
-              <a:tr h="1104208">
-                <a:tc>
-                  <a:txBody>
-                    <a:bodyPr/>
-                    <a:lstStyle/>
-                    <a:p>
-                      <a:r>
-                        <a:rPr lang="en-US" sz="1600"/>
-                        <a:t>L4</a:t>
-                      </a:r>
-                    </a:p>
-                  </a:txBody>
-                  <a:tcPr marL="83482" marR="83482" marT="41741" marB="41741"/>
-                </a:tc>
-                <a:tc>
-                  <a:txBody>
-                    <a:bodyPr/>
-                    <a:lstStyle/>
-                    <a:p>
-                      <a:r>
-                        <a:rPr lang="en-US" sz="1600" dirty="0"/>
-                        <a:t>Response Processing</a:t>
-                      </a:r>
-                    </a:p>
-                  </a:txBody>
-                  <a:tcPr marL="83482" marR="83482" marT="41741" marB="41741"/>
-                </a:tc>
-                <a:tc>
-                  <a:txBody>
-                    <a:bodyPr/>
-                    <a:lstStyle/>
-                    <a:p>
-                      <a:r>
-                        <a:rPr lang="en-US" sz="1600"/>
-                        <a:t>A pre trained LLM. Not specific to this task.</a:t>
-                      </a:r>
-                    </a:p>
-                  </a:txBody>
-                  <a:tcPr marL="83482" marR="83482" marT="41741" marB="41741"/>
-                </a:tc>
-                <a:tc>
-                  <a:txBody>
-                    <a:bodyPr/>
-                    <a:lstStyle/>
-                    <a:p>
-                      <a:r>
-                        <a:rPr lang="en-US" sz="1600" dirty="0"/>
-                        <a:t>Probably overkill. A future direction would be to have an LLM that specifically knows how to do this task.</a:t>
-                      </a:r>
-                    </a:p>
-                  </a:txBody>
-                  <a:tcPr marL="83482" marR="83482" marT="41741" marB="41741"/>
-                </a:tc>
-                <a:extLst>
-                  <a:ext uri="{0D108BD9-81ED-4DB2-BD59-A6C34878D82A}">
-                    <a16:rowId xmlns:a16="http://schemas.microsoft.com/office/drawing/2014/main" val="4138756873"/>
-                  </a:ext>
-                </a:extLst>
-              </a:tr>
-            </a:tbl>
-          </a:graphicData>
-        </a:graphic>
-      </p:graphicFrame>
-    </p:spTree>
-    <p:extLst>
-      <p:ext uri="{BB962C8B-B14F-4D97-AF65-F5344CB8AC3E}">
-        <p14:creationId xmlns:p14="http://schemas.microsoft.com/office/powerpoint/2010/main" val="1340126391"/>
-      </p:ext>
-    </p:extLst>
-  </p:cSld>
-  <p:clrMapOvr>
-    <a:masterClrMapping/>
-  </p:clrMapOvr>
-</p:sld>
-</file>
-
-<file path=ppt/slides/slide9.xml><?xml version="1.0" encoding="utf-8"?>
-<p:sld xmlns:a="http://schemas.openxmlformats.org/drawingml/2006/main" xmlns:r="http://schemas.openxmlformats.org/officeDocument/2006/relationships" xmlns:p="http://schemas.openxmlformats.org/presentationml/2006/main">
-  <p:cSld>
-    <p:bg>
-      <p:bgPr>
-        <a:solidFill>
-          <a:schemeClr val="bg1"/>
-        </a:solidFill>
-        <a:effectLst/>
-      </p:bgPr>
-    </p:bg>
-    <p:spTree>
-      <p:nvGrpSpPr>
-        <p:cNvPr id="1" name="">
-          <a:extLst>
-            <a:ext uri="{FF2B5EF4-FFF2-40B4-BE49-F238E27FC236}">
-              <a16:creationId xmlns:a16="http://schemas.microsoft.com/office/drawing/2014/main" id="{FCEAAD76-593E-3F02-4745-78A96E362DD5}"/>
-            </a:ext>
-          </a:extLst>
-        </p:cNvPr>
-        <p:cNvGrpSpPr/>
-        <p:nvPr/>
-      </p:nvGrpSpPr>
-      <p:grpSpPr>
-        <a:xfrm>
-          <a:off x="0" y="0"/>
-          <a:ext cx="0" cy="0"/>
-          <a:chOff x="0" y="0"/>
-          <a:chExt cx="0" cy="0"/>
-        </a:xfrm>
-      </p:grpSpPr>
-      <p:sp useBgFill="1">
-        <p:nvSpPr>
-          <p:cNvPr id="10" name="Rectangle 9">
-            <a:extLst>
-              <a:ext uri="{FF2B5EF4-FFF2-40B4-BE49-F238E27FC236}">
-                <a16:creationId xmlns:a16="http://schemas.microsoft.com/office/drawing/2014/main" id="{229D5B14-4FE4-5E13-86FD-A78FCF71C39D}"/>
-              </a:ext>
-              <a:ext uri="{C183D7F6-B498-43B3-948B-1728B52AA6E4}">
-                <adec:decorative xmlns:adec="http://schemas.microsoft.com/office/drawing/2017/decorative" val="1"/>
-              </a:ext>
-            </a:extLst>
-          </p:cNvPr>
-          <p:cNvSpPr>
-            <a:spLocks noGrp="1" noRot="1" noChangeAspect="1" noMove="1" noResize="1" noEditPoints="1" noAdjustHandles="1" noChangeArrowheads="1" noChangeShapeType="1" noTextEdit="1"/>
-          </p:cNvSpPr>
-          <p:nvPr>
-            <p:extLst>
-              <p:ext uri="{386F3935-93C4-4BCD-93E2-E3B085C9AB24}">
-                <p16:designElem xmlns:p16="http://schemas.microsoft.com/office/powerpoint/2015/main" val="1"/>
-              </p:ext>
-            </p:extLst>
-          </p:nvPr>
-        </p:nvSpPr>
-        <p:spPr>
-          <a:xfrm>
-            <a:off x="0" y="0"/>
-            <a:ext cx="12188952" cy="6858000"/>
-          </a:xfrm>
-          <a:prstGeom prst="rect">
-            <a:avLst/>
-          </a:prstGeom>
-          <a:ln>
-            <a:noFill/>
-          </a:ln>
-        </p:spPr>
-        <p:style>
-          <a:lnRef idx="2">
-            <a:schemeClr val="accent1">
-              <a:shade val="50000"/>
-            </a:schemeClr>
-          </a:lnRef>
-          <a:fillRef idx="1">
-            <a:schemeClr val="accent1"/>
-          </a:fillRef>
-          <a:effectRef idx="0">
-            <a:schemeClr val="accent1"/>
-          </a:effectRef>
-          <a:fontRef idx="minor">
-            <a:schemeClr val="lt1"/>
-          </a:fontRef>
-        </p:style>
-        <p:txBody>
-          <a:bodyPr rtlCol="0" anchor="ctr"/>
-          <a:lstStyle/>
-          <a:p>
-            <a:pPr algn="ctr"/>
-            <a:endParaRPr lang="en-US"/>
-          </a:p>
-        </p:txBody>
-      </p:sp>
-      <p:sp>
-        <p:nvSpPr>
-          <p:cNvPr id="12" name="Freeform: Shape 11">
-            <a:extLst>
-              <a:ext uri="{FF2B5EF4-FFF2-40B4-BE49-F238E27FC236}">
-                <a16:creationId xmlns:a16="http://schemas.microsoft.com/office/drawing/2014/main" id="{F333DD07-1D1D-A1CA-B238-3B8FFAF666CC}"/>
-              </a:ext>
-              <a:ext uri="{C183D7F6-B498-43B3-948B-1728B52AA6E4}">
-                <adec:decorative xmlns:adec="http://schemas.microsoft.com/office/drawing/2017/decorative" val="1"/>
-              </a:ext>
-            </a:extLst>
-          </p:cNvPr>
-          <p:cNvSpPr>
-            <a:spLocks noGrp="1" noRot="1" noChangeAspect="1" noMove="1" noResize="1" noEditPoints="1" noAdjustHandles="1" noChangeArrowheads="1" noChangeShapeType="1" noTextEdit="1"/>
-          </p:cNvSpPr>
-          <p:nvPr>
-            <p:extLst>
-              <p:ext uri="{386F3935-93C4-4BCD-93E2-E3B085C9AB24}">
-                <p16:designElem xmlns:p16="http://schemas.microsoft.com/office/powerpoint/2015/main" val="1"/>
-              </p:ext>
-            </p:extLst>
-          </p:nvPr>
-        </p:nvSpPr>
-        <p:spPr>
-          <a:xfrm>
-            <a:off x="173235" y="1371600"/>
-            <a:ext cx="4529312" cy="3589977"/>
-          </a:xfrm>
-          <a:custGeom>
-            <a:avLst/>
-            <a:gdLst>
-              <a:gd name="connsiteX0" fmla="*/ 5462602 w 5470628"/>
-              <a:gd name="connsiteY0" fmla="*/ 1413608 h 3193741"/>
-              <a:gd name="connsiteX1" fmla="*/ 5465724 w 5470628"/>
-              <a:gd name="connsiteY1" fmla="*/ 1421881 h 3193741"/>
-              <a:gd name="connsiteX2" fmla="*/ 5465025 w 5470628"/>
-              <a:gd name="connsiteY2" fmla="*/ 1466556 h 3193741"/>
-              <a:gd name="connsiteX3" fmla="*/ 5463208 w 5470628"/>
-              <a:gd name="connsiteY3" fmla="*/ 1466226 h 3193741"/>
-              <a:gd name="connsiteX4" fmla="*/ 5463242 w 5470628"/>
-              <a:gd name="connsiteY4" fmla="*/ 1451866 h 3193741"/>
-              <a:gd name="connsiteX5" fmla="*/ 5462894 w 5470628"/>
-              <a:gd name="connsiteY5" fmla="*/ 1423194 h 3193741"/>
-              <a:gd name="connsiteX6" fmla="*/ 5461417 w 5470628"/>
-              <a:gd name="connsiteY6" fmla="*/ 1391849 h 3193741"/>
-              <a:gd name="connsiteX7" fmla="*/ 5462246 w 5470628"/>
-              <a:gd name="connsiteY7" fmla="*/ 1401944 h 3193741"/>
-              <a:gd name="connsiteX8" fmla="*/ 5462602 w 5470628"/>
-              <a:gd name="connsiteY8" fmla="*/ 1413608 h 3193741"/>
-              <a:gd name="connsiteX9" fmla="*/ 5459078 w 5470628"/>
-              <a:gd name="connsiteY9" fmla="*/ 1404268 h 3193741"/>
-              <a:gd name="connsiteX10" fmla="*/ 5460137 w 5470628"/>
-              <a:gd name="connsiteY10" fmla="*/ 1393780 h 3193741"/>
-              <a:gd name="connsiteX11" fmla="*/ 5461417 w 5470628"/>
-              <a:gd name="connsiteY11" fmla="*/ 1391849 h 3193741"/>
-              <a:gd name="connsiteX12" fmla="*/ 614271 w 5470628"/>
-              <a:gd name="connsiteY12" fmla="*/ 1052206 h 3193741"/>
-              <a:gd name="connsiteX13" fmla="*/ 611497 w 5470628"/>
-              <a:gd name="connsiteY13" fmla="*/ 1055389 h 3193741"/>
-              <a:gd name="connsiteX14" fmla="*/ 630277 w 5470628"/>
-              <a:gd name="connsiteY14" fmla="*/ 1065215 h 3193741"/>
-              <a:gd name="connsiteX15" fmla="*/ 651856 w 5470628"/>
-              <a:gd name="connsiteY15" fmla="*/ 1067584 h 3193741"/>
-              <a:gd name="connsiteX16" fmla="*/ 614271 w 5470628"/>
-              <a:gd name="connsiteY16" fmla="*/ 1052206 h 3193741"/>
-              <a:gd name="connsiteX17" fmla="*/ 810628 w 5470628"/>
-              <a:gd name="connsiteY17" fmla="*/ 695550 h 3193741"/>
-              <a:gd name="connsiteX18" fmla="*/ 1033084 w 5470628"/>
-              <a:gd name="connsiteY18" fmla="*/ 791270 h 3193741"/>
-              <a:gd name="connsiteX19" fmla="*/ 1036153 w 5470628"/>
-              <a:gd name="connsiteY19" fmla="*/ 788050 h 3193741"/>
-              <a:gd name="connsiteX20" fmla="*/ 810628 w 5470628"/>
-              <a:gd name="connsiteY20" fmla="*/ 695550 h 3193741"/>
-              <a:gd name="connsiteX21" fmla="*/ 4850908 w 5470628"/>
-              <a:gd name="connsiteY21" fmla="*/ 727 h 3193741"/>
-              <a:gd name="connsiteX22" fmla="*/ 4858584 w 5470628"/>
-              <a:gd name="connsiteY22" fmla="*/ 13795 h 3193741"/>
-              <a:gd name="connsiteX23" fmla="*/ 4843408 w 5470628"/>
-              <a:gd name="connsiteY23" fmla="*/ 37224 h 3193741"/>
-              <a:gd name="connsiteX24" fmla="*/ 4871062 w 5470628"/>
-              <a:gd name="connsiteY24" fmla="*/ 78954 h 3193741"/>
-              <a:gd name="connsiteX25" fmla="*/ 4989038 w 5470628"/>
-              <a:gd name="connsiteY25" fmla="*/ 66799 h 3193741"/>
-              <a:gd name="connsiteX26" fmla="*/ 5002636 w 5470628"/>
-              <a:gd name="connsiteY26" fmla="*/ 79388 h 3193741"/>
-              <a:gd name="connsiteX27" fmla="*/ 5008332 w 5470628"/>
-              <a:gd name="connsiteY27" fmla="*/ 140859 h 3193741"/>
-              <a:gd name="connsiteX28" fmla="*/ 5014326 w 5470628"/>
-              <a:gd name="connsiteY28" fmla="*/ 155555 h 3193741"/>
-              <a:gd name="connsiteX29" fmla="*/ 5030704 w 5470628"/>
-              <a:gd name="connsiteY29" fmla="*/ 221190 h 3193741"/>
-              <a:gd name="connsiteX30" fmla="*/ 5097262 w 5470628"/>
-              <a:gd name="connsiteY30" fmla="*/ 317759 h 3193741"/>
-              <a:gd name="connsiteX31" fmla="*/ 5165084 w 5470628"/>
-              <a:gd name="connsiteY31" fmla="*/ 373367 h 3193741"/>
-              <a:gd name="connsiteX32" fmla="*/ 5174137 w 5470628"/>
-              <a:gd name="connsiteY32" fmla="*/ 389353 h 3193741"/>
-              <a:gd name="connsiteX33" fmla="*/ 5192507 w 5470628"/>
-              <a:gd name="connsiteY33" fmla="*/ 453561 h 3193741"/>
-              <a:gd name="connsiteX34" fmla="*/ 5187160 w 5470628"/>
-              <a:gd name="connsiteY34" fmla="*/ 467732 h 3193741"/>
-              <a:gd name="connsiteX35" fmla="*/ 5160106 w 5470628"/>
-              <a:gd name="connsiteY35" fmla="*/ 486904 h 3193741"/>
-              <a:gd name="connsiteX36" fmla="*/ 5138948 w 5470628"/>
-              <a:gd name="connsiteY36" fmla="*/ 528614 h 3193741"/>
-              <a:gd name="connsiteX37" fmla="*/ 5097016 w 5470628"/>
-              <a:gd name="connsiteY37" fmla="*/ 589923 h 3193741"/>
-              <a:gd name="connsiteX38" fmla="*/ 5075869 w 5470628"/>
-              <a:gd name="connsiteY38" fmla="*/ 608381 h 3193741"/>
-              <a:gd name="connsiteX39" fmla="*/ 5093172 w 5470628"/>
-              <a:gd name="connsiteY39" fmla="*/ 618385 h 3193741"/>
-              <a:gd name="connsiteX40" fmla="*/ 5153518 w 5470628"/>
-              <a:gd name="connsiteY40" fmla="*/ 687474 h 3193741"/>
-              <a:gd name="connsiteX41" fmla="*/ 5074984 w 5470628"/>
-              <a:gd name="connsiteY41" fmla="*/ 776941 h 3193741"/>
-              <a:gd name="connsiteX42" fmla="*/ 5033348 w 5470628"/>
-              <a:gd name="connsiteY42" fmla="*/ 805473 h 3193741"/>
-              <a:gd name="connsiteX43" fmla="*/ 5116847 w 5470628"/>
-              <a:gd name="connsiteY43" fmla="*/ 803426 h 3193741"/>
-              <a:gd name="connsiteX44" fmla="*/ 5147902 w 5470628"/>
-              <a:gd name="connsiteY44" fmla="*/ 833118 h 3193741"/>
-              <a:gd name="connsiteX45" fmla="*/ 5161665 w 5470628"/>
-              <a:gd name="connsiteY45" fmla="*/ 848297 h 3193741"/>
-              <a:gd name="connsiteX46" fmla="*/ 5246520 w 5470628"/>
-              <a:gd name="connsiteY46" fmla="*/ 942412 h 3193741"/>
-              <a:gd name="connsiteX47" fmla="*/ 5235368 w 5470628"/>
-              <a:gd name="connsiteY47" fmla="*/ 972946 h 3193741"/>
-              <a:gd name="connsiteX48" fmla="*/ 5113739 w 5470628"/>
-              <a:gd name="connsiteY48" fmla="*/ 1128845 h 3193741"/>
-              <a:gd name="connsiteX49" fmla="*/ 5255034 w 5470628"/>
-              <a:gd name="connsiteY49" fmla="*/ 1151117 h 3193741"/>
-              <a:gd name="connsiteX50" fmla="*/ 5267513 w 5470628"/>
-              <a:gd name="connsiteY50" fmla="*/ 1216275 h 3193741"/>
-              <a:gd name="connsiteX51" fmla="*/ 5343113 w 5470628"/>
-              <a:gd name="connsiteY51" fmla="*/ 1281854 h 3193741"/>
-              <a:gd name="connsiteX52" fmla="*/ 5452014 w 5470628"/>
-              <a:gd name="connsiteY52" fmla="*/ 1385543 h 3193741"/>
-              <a:gd name="connsiteX53" fmla="*/ 5459078 w 5470628"/>
-              <a:gd name="connsiteY53" fmla="*/ 1404268 h 3193741"/>
-              <a:gd name="connsiteX54" fmla="*/ 5458838 w 5470628"/>
-              <a:gd name="connsiteY54" fmla="*/ 1406644 h 3193741"/>
-              <a:gd name="connsiteX55" fmla="*/ 5455752 w 5470628"/>
-              <a:gd name="connsiteY55" fmla="*/ 1450751 h 3193741"/>
-              <a:gd name="connsiteX56" fmla="*/ 5454594 w 5470628"/>
-              <a:gd name="connsiteY56" fmla="*/ 1464662 h 3193741"/>
-              <a:gd name="connsiteX57" fmla="*/ 5447215 w 5470628"/>
-              <a:gd name="connsiteY57" fmla="*/ 1463321 h 3193741"/>
-              <a:gd name="connsiteX58" fmla="*/ 5433934 w 5470628"/>
-              <a:gd name="connsiteY58" fmla="*/ 1458428 h 3193741"/>
-              <a:gd name="connsiteX59" fmla="*/ 5424276 w 5470628"/>
-              <a:gd name="connsiteY59" fmla="*/ 1477014 h 3193741"/>
-              <a:gd name="connsiteX60" fmla="*/ 5444628 w 5470628"/>
-              <a:gd name="connsiteY60" fmla="*/ 1511562 h 3193741"/>
-              <a:gd name="connsiteX61" fmla="*/ 5453752 w 5470628"/>
-              <a:gd name="connsiteY61" fmla="*/ 1474786 h 3193741"/>
-              <a:gd name="connsiteX62" fmla="*/ 5454594 w 5470628"/>
-              <a:gd name="connsiteY62" fmla="*/ 1464662 h 3193741"/>
-              <a:gd name="connsiteX63" fmla="*/ 5463208 w 5470628"/>
-              <a:gd name="connsiteY63" fmla="*/ 1466226 h 3193741"/>
-              <a:gd name="connsiteX64" fmla="*/ 5463164 w 5470628"/>
-              <a:gd name="connsiteY64" fmla="*/ 1484226 h 3193741"/>
-              <a:gd name="connsiteX65" fmla="*/ 5456160 w 5470628"/>
-              <a:gd name="connsiteY65" fmla="*/ 1575885 h 3193741"/>
-              <a:gd name="connsiteX66" fmla="*/ 5345636 w 5470628"/>
-              <a:gd name="connsiteY66" fmla="*/ 1714543 h 3193741"/>
-              <a:gd name="connsiteX67" fmla="*/ 5251319 w 5470628"/>
-              <a:gd name="connsiteY67" fmla="*/ 1775792 h 3193741"/>
-              <a:gd name="connsiteX68" fmla="*/ 5043512 w 5470628"/>
-              <a:gd name="connsiteY68" fmla="*/ 2027305 h 3193741"/>
-              <a:gd name="connsiteX69" fmla="*/ 4978144 w 5470628"/>
-              <a:gd name="connsiteY69" fmla="*/ 2108535 h 3193741"/>
-              <a:gd name="connsiteX70" fmla="*/ 5031476 w 5470628"/>
-              <a:gd name="connsiteY70" fmla="*/ 2128173 h 3193741"/>
-              <a:gd name="connsiteX71" fmla="*/ 4937389 w 5470628"/>
-              <a:gd name="connsiteY71" fmla="*/ 2216441 h 3193741"/>
-              <a:gd name="connsiteX72" fmla="*/ 4826122 w 5470628"/>
-              <a:gd name="connsiteY72" fmla="*/ 2315331 h 3193741"/>
-              <a:gd name="connsiteX73" fmla="*/ 2544647 w 5470628"/>
-              <a:gd name="connsiteY73" fmla="*/ 3190975 h 3193741"/>
-              <a:gd name="connsiteX74" fmla="*/ 1328257 w 5470628"/>
-              <a:gd name="connsiteY74" fmla="*/ 3153006 h 3193741"/>
-              <a:gd name="connsiteX75" fmla="*/ 977943 w 5470628"/>
-              <a:gd name="connsiteY75" fmla="*/ 3082502 h 3193741"/>
-              <a:gd name="connsiteX76" fmla="*/ 854473 w 5470628"/>
-              <a:gd name="connsiteY76" fmla="*/ 2994250 h 3193741"/>
-              <a:gd name="connsiteX77" fmla="*/ 811593 w 5470628"/>
-              <a:gd name="connsiteY77" fmla="*/ 2970498 h 3193741"/>
-              <a:gd name="connsiteX78" fmla="*/ 707024 w 5470628"/>
-              <a:gd name="connsiteY78" fmla="*/ 2945439 h 3193741"/>
-              <a:gd name="connsiteX79" fmla="*/ 523487 w 5470628"/>
-              <a:gd name="connsiteY79" fmla="*/ 2886053 h 3193741"/>
-              <a:gd name="connsiteX80" fmla="*/ 587884 w 5470628"/>
-              <a:gd name="connsiteY80" fmla="*/ 2859746 h 3193741"/>
-              <a:gd name="connsiteX81" fmla="*/ 779426 w 5470628"/>
-              <a:gd name="connsiteY81" fmla="*/ 2885897 h 3193741"/>
-              <a:gd name="connsiteX82" fmla="*/ 917288 w 5470628"/>
-              <a:gd name="connsiteY82" fmla="*/ 2882248 h 3193741"/>
-              <a:gd name="connsiteX83" fmla="*/ 718684 w 5470628"/>
-              <a:gd name="connsiteY83" fmla="*/ 2819941 h 3193741"/>
-              <a:gd name="connsiteX84" fmla="*/ 524650 w 5470628"/>
-              <a:gd name="connsiteY84" fmla="*/ 2731220 h 3193741"/>
-              <a:gd name="connsiteX85" fmla="*/ 670138 w 5470628"/>
-              <a:gd name="connsiteY85" fmla="*/ 2735189 h 3193741"/>
-              <a:gd name="connsiteX86" fmla="*/ 675382 w 5470628"/>
-              <a:gd name="connsiteY86" fmla="*/ 2719369 h 3193741"/>
-              <a:gd name="connsiteX87" fmla="*/ 542021 w 5470628"/>
-              <a:gd name="connsiteY87" fmla="*/ 2601946 h 3193741"/>
-              <a:gd name="connsiteX88" fmla="*/ 476895 w 5470628"/>
-              <a:gd name="connsiteY88" fmla="*/ 2555976 h 3193741"/>
-              <a:gd name="connsiteX89" fmla="*/ 188751 w 5470628"/>
-              <a:gd name="connsiteY89" fmla="*/ 2428830 h 3193741"/>
-              <a:gd name="connsiteX90" fmla="*/ 456762 w 5470628"/>
-              <a:gd name="connsiteY90" fmla="*/ 2468731 h 3193741"/>
-              <a:gd name="connsiteX91" fmla="*/ 174514 w 5470628"/>
-              <a:gd name="connsiteY91" fmla="*/ 2345378 h 3193741"/>
-              <a:gd name="connsiteX92" fmla="*/ 38827 w 5470628"/>
-              <a:gd name="connsiteY92" fmla="*/ 2303685 h 3193741"/>
-              <a:gd name="connsiteX93" fmla="*/ 3281 w 5470628"/>
-              <a:gd name="connsiteY93" fmla="*/ 2273587 h 3193741"/>
-              <a:gd name="connsiteX94" fmla="*/ 61590 w 5470628"/>
-              <a:gd name="connsiteY94" fmla="*/ 2259170 h 3193741"/>
-              <a:gd name="connsiteX95" fmla="*/ 242291 w 5470628"/>
-              <a:gd name="connsiteY95" fmla="*/ 2250569 h 3193741"/>
-              <a:gd name="connsiteX96" fmla="*/ 13205 w 5470628"/>
-              <a:gd name="connsiteY96" fmla="*/ 2172263 h 3193741"/>
-              <a:gd name="connsiteX97" fmla="*/ 180810 w 5470628"/>
-              <a:gd name="connsiteY97" fmla="*/ 2168333 h 3193741"/>
-              <a:gd name="connsiteX98" fmla="*/ 226020 w 5470628"/>
-              <a:gd name="connsiteY98" fmla="*/ 2121100 h 3193741"/>
-              <a:gd name="connsiteX99" fmla="*/ 299145 w 5470628"/>
-              <a:gd name="connsiteY99" fmla="*/ 2044862 h 3193741"/>
-              <a:gd name="connsiteX100" fmla="*/ 350236 w 5470628"/>
-              <a:gd name="connsiteY100" fmla="*/ 2001187 h 3193741"/>
-              <a:gd name="connsiteX101" fmla="*/ 365223 w 5470628"/>
-              <a:gd name="connsiteY101" fmla="*/ 1881218 h 3193741"/>
-              <a:gd name="connsiteX102" fmla="*/ 310707 w 5470628"/>
-              <a:gd name="connsiteY102" fmla="*/ 1758752 h 3193741"/>
-              <a:gd name="connsiteX103" fmla="*/ 181659 w 5470628"/>
-              <a:gd name="connsiteY103" fmla="*/ 1709137 h 3193741"/>
-              <a:gd name="connsiteX104" fmla="*/ 213063 w 5470628"/>
-              <a:gd name="connsiteY104" fmla="*/ 1632021 h 3193741"/>
-              <a:gd name="connsiteX105" fmla="*/ 481390 w 5470628"/>
-              <a:gd name="connsiteY105" fmla="*/ 1644125 h 3193741"/>
-              <a:gd name="connsiteX106" fmla="*/ 68930 w 5470628"/>
-              <a:gd name="connsiteY106" fmla="*/ 1457537 h 3193741"/>
-              <a:gd name="connsiteX107" fmla="*/ 135138 w 5470628"/>
-              <a:gd name="connsiteY107" fmla="*/ 1440976 h 3193741"/>
-              <a:gd name="connsiteX108" fmla="*/ 131611 w 5470628"/>
-              <a:gd name="connsiteY108" fmla="*/ 1427642 h 3193741"/>
-              <a:gd name="connsiteX109" fmla="*/ 130443 w 5470628"/>
-              <a:gd name="connsiteY109" fmla="*/ 1343795 h 3193741"/>
-              <a:gd name="connsiteX110" fmla="*/ 138930 w 5470628"/>
-              <a:gd name="connsiteY110" fmla="*/ 1304094 h 3193741"/>
-              <a:gd name="connsiteX111" fmla="*/ 118409 w 5470628"/>
-              <a:gd name="connsiteY111" fmla="*/ 1262212 h 3193741"/>
-              <a:gd name="connsiteX112" fmla="*/ 421410 w 5470628"/>
-              <a:gd name="connsiteY112" fmla="*/ 1304757 h 3193741"/>
-              <a:gd name="connsiteX113" fmla="*/ 655702 w 5470628"/>
-              <a:gd name="connsiteY113" fmla="*/ 1291801 h 3193741"/>
-              <a:gd name="connsiteX114" fmla="*/ 648299 w 5470628"/>
-              <a:gd name="connsiteY114" fmla="*/ 1287715 h 3193741"/>
-              <a:gd name="connsiteX115" fmla="*/ 531027 w 5470628"/>
-              <a:gd name="connsiteY115" fmla="*/ 1193967 h 3193741"/>
-              <a:gd name="connsiteX116" fmla="*/ 526433 w 5470628"/>
-              <a:gd name="connsiteY116" fmla="*/ 1191913 h 3193741"/>
-              <a:gd name="connsiteX117" fmla="*/ 504666 w 5470628"/>
-              <a:gd name="connsiteY117" fmla="*/ 1177230 h 3193741"/>
-              <a:gd name="connsiteX118" fmla="*/ 482307 w 5470628"/>
-              <a:gd name="connsiteY118" fmla="*/ 1162618 h 3193741"/>
-              <a:gd name="connsiteX119" fmla="*/ 479029 w 5470628"/>
-              <a:gd name="connsiteY119" fmla="*/ 1162540 h 3193741"/>
-              <a:gd name="connsiteX120" fmla="*/ 447663 w 5470628"/>
-              <a:gd name="connsiteY120" fmla="*/ 1132649 h 3193741"/>
-              <a:gd name="connsiteX121" fmla="*/ 438547 w 5470628"/>
-              <a:gd name="connsiteY121" fmla="*/ 1110977 h 3193741"/>
-              <a:gd name="connsiteX122" fmla="*/ 405343 w 5470628"/>
-              <a:gd name="connsiteY122" fmla="*/ 1089612 h 3193741"/>
-              <a:gd name="connsiteX123" fmla="*/ 371373 w 5470628"/>
-              <a:gd name="connsiteY123" fmla="*/ 1070238 h 3193741"/>
-              <a:gd name="connsiteX124" fmla="*/ 290358 w 5470628"/>
-              <a:gd name="connsiteY124" fmla="*/ 1059884 h 3193741"/>
-              <a:gd name="connsiteX125" fmla="*/ 235140 w 5470628"/>
-              <a:gd name="connsiteY125" fmla="*/ 1029322 h 3193741"/>
-              <a:gd name="connsiteX126" fmla="*/ 300494 w 5470628"/>
-              <a:gd name="connsiteY126" fmla="*/ 1032083 h 3193741"/>
-              <a:gd name="connsiteX127" fmla="*/ 239661 w 5470628"/>
-              <a:gd name="connsiteY127" fmla="*/ 997457 h 3193741"/>
-              <a:gd name="connsiteX128" fmla="*/ 204788 w 5470628"/>
-              <a:gd name="connsiteY128" fmla="*/ 959211 h 3193741"/>
-              <a:gd name="connsiteX129" fmla="*/ 207583 w 5470628"/>
-              <a:gd name="connsiteY129" fmla="*/ 947009 h 3193741"/>
-              <a:gd name="connsiteX130" fmla="*/ 223061 w 5470628"/>
-              <a:gd name="connsiteY130" fmla="*/ 947033 h 3193741"/>
-              <a:gd name="connsiteX131" fmla="*/ 280015 w 5470628"/>
-              <a:gd name="connsiteY131" fmla="*/ 972164 h 3193741"/>
-              <a:gd name="connsiteX132" fmla="*/ 353948 w 5470628"/>
-              <a:gd name="connsiteY132" fmla="*/ 1006865 h 3193741"/>
-              <a:gd name="connsiteX133" fmla="*/ 240466 w 5470628"/>
-              <a:gd name="connsiteY133" fmla="*/ 939943 h 3193741"/>
-              <a:gd name="connsiteX134" fmla="*/ 158812 w 5470628"/>
-              <a:gd name="connsiteY134" fmla="*/ 891467 h 3193741"/>
-              <a:gd name="connsiteX135" fmla="*/ 139551 w 5470628"/>
-              <a:gd name="connsiteY135" fmla="*/ 855364 h 3193741"/>
-              <a:gd name="connsiteX136" fmla="*/ 145731 w 5470628"/>
-              <a:gd name="connsiteY136" fmla="*/ 844888 h 3193741"/>
-              <a:gd name="connsiteX137" fmla="*/ 158154 w 5470628"/>
-              <a:gd name="connsiteY137" fmla="*/ 848366 h 3193741"/>
-              <a:gd name="connsiteX138" fmla="*/ 169370 w 5470628"/>
-              <a:gd name="connsiteY138" fmla="*/ 856260 h 3193741"/>
-              <a:gd name="connsiteX139" fmla="*/ 288295 w 5470628"/>
-              <a:gd name="connsiteY139" fmla="*/ 915169 h 3193741"/>
-              <a:gd name="connsiteX140" fmla="*/ 462694 w 5470628"/>
-              <a:gd name="connsiteY140" fmla="*/ 994643 h 3193741"/>
-              <a:gd name="connsiteX141" fmla="*/ 531910 w 5470628"/>
-              <a:gd name="connsiteY141" fmla="*/ 1006664 h 3193741"/>
-              <a:gd name="connsiteX142" fmla="*/ 333940 w 5470628"/>
-              <a:gd name="connsiteY142" fmla="*/ 893507 h 3193741"/>
-              <a:gd name="connsiteX143" fmla="*/ 181443 w 5470628"/>
-              <a:gd name="connsiteY143" fmla="*/ 746608 h 3193741"/>
-              <a:gd name="connsiteX144" fmla="*/ 162678 w 5470628"/>
-              <a:gd name="connsiteY144" fmla="*/ 737018 h 3193741"/>
-              <a:gd name="connsiteX145" fmla="*/ 156307 w 5470628"/>
-              <a:gd name="connsiteY145" fmla="*/ 730435 h 3193741"/>
-              <a:gd name="connsiteX146" fmla="*/ 117227 w 5470628"/>
-              <a:gd name="connsiteY146" fmla="*/ 677515 h 3193741"/>
-              <a:gd name="connsiteX147" fmla="*/ 113655 w 5470628"/>
-              <a:gd name="connsiteY147" fmla="*/ 663474 h 3193741"/>
-              <a:gd name="connsiteX148" fmla="*/ 115226 w 5470628"/>
-              <a:gd name="connsiteY148" fmla="*/ 636712 h 3193741"/>
-              <a:gd name="connsiteX149" fmla="*/ 105067 w 5470628"/>
-              <a:gd name="connsiteY149" fmla="*/ 622046 h 3193741"/>
-              <a:gd name="connsiteX150" fmla="*/ 104113 w 5470628"/>
-              <a:gd name="connsiteY150" fmla="*/ 611722 h 3193741"/>
-              <a:gd name="connsiteX151" fmla="*/ 118895 w 5470628"/>
-              <a:gd name="connsiteY151" fmla="*/ 610169 h 3193741"/>
-              <a:gd name="connsiteX152" fmla="*/ 163095 w 5470628"/>
-              <a:gd name="connsiteY152" fmla="*/ 640642 h 3193741"/>
-              <a:gd name="connsiteX153" fmla="*/ 185766 w 5470628"/>
-              <a:gd name="connsiteY153" fmla="*/ 641454 h 3193741"/>
-              <a:gd name="connsiteX154" fmla="*/ 212892 w 5470628"/>
-              <a:gd name="connsiteY154" fmla="*/ 637457 h 3193741"/>
-              <a:gd name="connsiteX155" fmla="*/ 223932 w 5470628"/>
-              <a:gd name="connsiteY155" fmla="*/ 647271 h 3193741"/>
-              <a:gd name="connsiteX156" fmla="*/ 287167 w 5470628"/>
-              <a:gd name="connsiteY156" fmla="*/ 691571 h 3193741"/>
-              <a:gd name="connsiteX157" fmla="*/ 330380 w 5470628"/>
-              <a:gd name="connsiteY157" fmla="*/ 692506 h 3193741"/>
-              <a:gd name="connsiteX158" fmla="*/ 296172 w 5470628"/>
-              <a:gd name="connsiteY158" fmla="*/ 688108 h 3193741"/>
-              <a:gd name="connsiteX159" fmla="*/ 286974 w 5470628"/>
-              <a:gd name="connsiteY159" fmla="*/ 674512 h 3193741"/>
-              <a:gd name="connsiteX160" fmla="*/ 286166 w 5470628"/>
-              <a:gd name="connsiteY160" fmla="*/ 661798 h 3193741"/>
-              <a:gd name="connsiteX161" fmla="*/ 236268 w 5470628"/>
-              <a:gd name="connsiteY161" fmla="*/ 635338 h 3193741"/>
-              <a:gd name="connsiteX162" fmla="*/ 231734 w 5470628"/>
-              <a:gd name="connsiteY162" fmla="*/ 634225 h 3193741"/>
-              <a:gd name="connsiteX163" fmla="*/ 221253 w 5470628"/>
-              <a:gd name="connsiteY163" fmla="*/ 623870 h 3193741"/>
-              <a:gd name="connsiteX164" fmla="*/ 237564 w 5470628"/>
-              <a:gd name="connsiteY164" fmla="*/ 613590 h 3193741"/>
-              <a:gd name="connsiteX165" fmla="*/ 282259 w 5470628"/>
-              <a:gd name="connsiteY165" fmla="*/ 619091 h 3193741"/>
-              <a:gd name="connsiteX166" fmla="*/ 370630 w 5470628"/>
-              <a:gd name="connsiteY166" fmla="*/ 665566 h 3193741"/>
-              <a:gd name="connsiteX167" fmla="*/ 498017 w 5470628"/>
-              <a:gd name="connsiteY167" fmla="*/ 740532 h 3193741"/>
-              <a:gd name="connsiteX168" fmla="*/ 918036 w 5470628"/>
-              <a:gd name="connsiteY168" fmla="*/ 924307 h 3193741"/>
-              <a:gd name="connsiteX169" fmla="*/ 1079304 w 5470628"/>
-              <a:gd name="connsiteY169" fmla="*/ 984494 h 3193741"/>
-              <a:gd name="connsiteX170" fmla="*/ 1079935 w 5470628"/>
-              <a:gd name="connsiteY170" fmla="*/ 980383 h 3193741"/>
-              <a:gd name="connsiteX171" fmla="*/ 1079695 w 5470628"/>
-              <a:gd name="connsiteY171" fmla="*/ 976616 h 3193741"/>
-              <a:gd name="connsiteX172" fmla="*/ 966178 w 5470628"/>
-              <a:gd name="connsiteY172" fmla="*/ 937219 h 3193741"/>
-              <a:gd name="connsiteX173" fmla="*/ 720106 w 5470628"/>
-              <a:gd name="connsiteY173" fmla="*/ 807112 h 3193741"/>
-              <a:gd name="connsiteX174" fmla="*/ 698823 w 5470628"/>
-              <a:gd name="connsiteY174" fmla="*/ 804708 h 3193741"/>
-              <a:gd name="connsiteX175" fmla="*/ 664513 w 5470628"/>
-              <a:gd name="connsiteY175" fmla="*/ 784663 h 3193741"/>
-              <a:gd name="connsiteX176" fmla="*/ 660380 w 5470628"/>
-              <a:gd name="connsiteY176" fmla="*/ 771165 h 3193741"/>
-              <a:gd name="connsiteX177" fmla="*/ 584959 w 5470628"/>
-              <a:gd name="connsiteY177" fmla="*/ 722409 h 3193741"/>
-              <a:gd name="connsiteX178" fmla="*/ 435649 w 5470628"/>
-              <a:gd name="connsiteY178" fmla="*/ 639659 h 3193741"/>
-              <a:gd name="connsiteX179" fmla="*/ 404944 w 5470628"/>
-              <a:gd name="connsiteY179" fmla="*/ 606128 h 3193741"/>
-              <a:gd name="connsiteX180" fmla="*/ 408476 w 5470628"/>
-              <a:gd name="connsiteY180" fmla="*/ 591466 h 3193741"/>
-              <a:gd name="connsiteX181" fmla="*/ 425225 w 5470628"/>
-              <a:gd name="connsiteY181" fmla="*/ 592759 h 3193741"/>
-              <a:gd name="connsiteX182" fmla="*/ 487115 w 5470628"/>
-              <a:gd name="connsiteY182" fmla="*/ 620614 h 3193741"/>
-              <a:gd name="connsiteX183" fmla="*/ 550277 w 5470628"/>
-              <a:gd name="connsiteY183" fmla="*/ 649738 h 3193741"/>
-              <a:gd name="connsiteX184" fmla="*/ 544421 w 5470628"/>
-              <a:gd name="connsiteY184" fmla="*/ 641907 h 3193741"/>
-              <a:gd name="connsiteX185" fmla="*/ 431905 w 5470628"/>
-              <a:gd name="connsiteY185" fmla="*/ 580799 h 3193741"/>
-              <a:gd name="connsiteX186" fmla="*/ 351177 w 5470628"/>
-              <a:gd name="connsiteY186" fmla="*/ 528177 h 3193741"/>
-              <a:gd name="connsiteX187" fmla="*/ 339749 w 5470628"/>
-              <a:gd name="connsiteY187" fmla="*/ 498244 h 3193741"/>
-              <a:gd name="connsiteX188" fmla="*/ 346313 w 5470628"/>
-              <a:gd name="connsiteY188" fmla="*/ 489145 h 3193741"/>
-              <a:gd name="connsiteX189" fmla="*/ 356579 w 5470628"/>
-              <a:gd name="connsiteY189" fmla="*/ 491460 h 3193741"/>
-              <a:gd name="connsiteX190" fmla="*/ 371505 w 5470628"/>
-              <a:gd name="connsiteY190" fmla="*/ 501516 h 3193741"/>
-              <a:gd name="connsiteX191" fmla="*/ 476275 w 5470628"/>
-              <a:gd name="connsiteY191" fmla="*/ 553122 h 3193741"/>
-              <a:gd name="connsiteX192" fmla="*/ 649952 w 5470628"/>
-              <a:gd name="connsiteY192" fmla="*/ 635294 h 3193741"/>
-              <a:gd name="connsiteX193" fmla="*/ 727161 w 5470628"/>
-              <a:gd name="connsiteY193" fmla="*/ 651328 h 3193741"/>
-              <a:gd name="connsiteX194" fmla="*/ 722417 w 5470628"/>
-              <a:gd name="connsiteY194" fmla="*/ 646921 h 3193741"/>
-              <a:gd name="connsiteX195" fmla="*/ 546079 w 5470628"/>
-              <a:gd name="connsiteY195" fmla="*/ 546328 h 3193741"/>
-              <a:gd name="connsiteX196" fmla="*/ 378182 w 5470628"/>
-              <a:gd name="connsiteY196" fmla="*/ 386585 h 3193741"/>
-              <a:gd name="connsiteX197" fmla="*/ 370158 w 5470628"/>
-              <a:gd name="connsiteY197" fmla="*/ 382100 h 3193741"/>
-              <a:gd name="connsiteX198" fmla="*/ 357861 w 5470628"/>
-              <a:gd name="connsiteY198" fmla="*/ 371252 h 3193741"/>
-              <a:gd name="connsiteX199" fmla="*/ 331313 w 5470628"/>
-              <a:gd name="connsiteY199" fmla="*/ 328203 h 3193741"/>
-              <a:gd name="connsiteX200" fmla="*/ 319354 w 5470628"/>
-              <a:gd name="connsiteY200" fmla="*/ 299282 h 3193741"/>
-              <a:gd name="connsiteX201" fmla="*/ 319682 w 5470628"/>
-              <a:gd name="connsiteY201" fmla="*/ 285719 h 3193741"/>
-              <a:gd name="connsiteX202" fmla="*/ 306391 w 5470628"/>
-              <a:gd name="connsiteY202" fmla="*/ 268585 h 3193741"/>
-              <a:gd name="connsiteX203" fmla="*/ 303294 w 5470628"/>
-              <a:gd name="connsiteY203" fmla="*/ 257334 h 3193741"/>
-              <a:gd name="connsiteX204" fmla="*/ 319242 w 5470628"/>
-              <a:gd name="connsiteY204" fmla="*/ 255403 h 3193741"/>
-              <a:gd name="connsiteX205" fmla="*/ 364093 w 5470628"/>
-              <a:gd name="connsiteY205" fmla="*/ 286745 h 3193741"/>
-              <a:gd name="connsiteX206" fmla="*/ 385301 w 5470628"/>
-              <a:gd name="connsiteY206" fmla="*/ 287973 h 3193741"/>
-              <a:gd name="connsiteX207" fmla="*/ 417598 w 5470628"/>
-              <a:gd name="connsiteY207" fmla="*/ 285722 h 3193741"/>
-              <a:gd name="connsiteX208" fmla="*/ 440155 w 5470628"/>
-              <a:gd name="connsiteY208" fmla="*/ 308139 h 3193741"/>
-              <a:gd name="connsiteX209" fmla="*/ 534406 w 5470628"/>
-              <a:gd name="connsiteY209" fmla="*/ 339430 h 3193741"/>
-              <a:gd name="connsiteX210" fmla="*/ 495633 w 5470628"/>
-              <a:gd name="connsiteY210" fmla="*/ 333450 h 3193741"/>
-              <a:gd name="connsiteX211" fmla="*/ 486289 w 5470628"/>
-              <a:gd name="connsiteY211" fmla="*/ 322243 h 3193741"/>
-              <a:gd name="connsiteX212" fmla="*/ 484000 w 5470628"/>
-              <a:gd name="connsiteY212" fmla="*/ 304964 h 3193741"/>
-              <a:gd name="connsiteX213" fmla="*/ 436911 w 5470628"/>
-              <a:gd name="connsiteY213" fmla="*/ 280536 h 3193741"/>
-              <a:gd name="connsiteX214" fmla="*/ 426865 w 5470628"/>
-              <a:gd name="connsiteY214" fmla="*/ 277007 h 3193741"/>
-              <a:gd name="connsiteX215" fmla="*/ 420654 w 5470628"/>
-              <a:gd name="connsiteY215" fmla="*/ 268269 h 3193741"/>
-              <a:gd name="connsiteX216" fmla="*/ 432329 w 5470628"/>
-              <a:gd name="connsiteY216" fmla="*/ 259975 h 3193741"/>
-              <a:gd name="connsiteX217" fmla="*/ 447672 w 5470628"/>
-              <a:gd name="connsiteY217" fmla="*/ 257879 h 3193741"/>
-              <a:gd name="connsiteX218" fmla="*/ 502242 w 5470628"/>
-              <a:gd name="connsiteY218" fmla="*/ 273572 h 3193741"/>
-              <a:gd name="connsiteX219" fmla="*/ 659874 w 5470628"/>
-              <a:gd name="connsiteY219" fmla="*/ 365516 h 3193741"/>
-              <a:gd name="connsiteX220" fmla="*/ 829177 w 5470628"/>
-              <a:gd name="connsiteY220" fmla="*/ 444421 h 3193741"/>
-              <a:gd name="connsiteX221" fmla="*/ 1231903 w 5470628"/>
-              <a:gd name="connsiteY221" fmla="*/ 613682 h 3193741"/>
-              <a:gd name="connsiteX222" fmla="*/ 1911736 w 5470628"/>
-              <a:gd name="connsiteY222" fmla="*/ 685084 h 3193741"/>
-              <a:gd name="connsiteX223" fmla="*/ 2564313 w 5470628"/>
-              <a:gd name="connsiteY223" fmla="*/ 632143 h 3193741"/>
-              <a:gd name="connsiteX224" fmla="*/ 2657304 w 5470628"/>
-              <a:gd name="connsiteY224" fmla="*/ 624913 h 3193741"/>
-              <a:gd name="connsiteX225" fmla="*/ 4235818 w 5470628"/>
-              <a:gd name="connsiteY225" fmla="*/ 259339 h 3193741"/>
-              <a:gd name="connsiteX226" fmla="*/ 4460331 w 5470628"/>
-              <a:gd name="connsiteY226" fmla="*/ 176864 h 3193741"/>
-              <a:gd name="connsiteX227" fmla="*/ 4499578 w 5470628"/>
-              <a:gd name="connsiteY227" fmla="*/ 186791 h 3193741"/>
-              <a:gd name="connsiteX228" fmla="*/ 4514640 w 5470628"/>
-              <a:gd name="connsiteY228" fmla="*/ 188841 h 3193741"/>
-              <a:gd name="connsiteX229" fmla="*/ 4516523 w 5470628"/>
-              <a:gd name="connsiteY229" fmla="*/ 189988 h 3193741"/>
-              <a:gd name="connsiteX230" fmla="*/ 4518126 w 5470628"/>
-              <a:gd name="connsiteY230" fmla="*/ 189316 h 3193741"/>
-              <a:gd name="connsiteX231" fmla="*/ 4514640 w 5470628"/>
-              <a:gd name="connsiteY231" fmla="*/ 188841 h 3193741"/>
-              <a:gd name="connsiteX232" fmla="*/ 4511569 w 5470628"/>
-              <a:gd name="connsiteY232" fmla="*/ 186970 h 3193741"/>
-              <a:gd name="connsiteX233" fmla="*/ 4510888 w 5470628"/>
-              <a:gd name="connsiteY233" fmla="*/ 180943 h 3193741"/>
-              <a:gd name="connsiteX234" fmla="*/ 4531865 w 5470628"/>
-              <a:gd name="connsiteY234" fmla="*/ 155151 h 3193741"/>
-              <a:gd name="connsiteX235" fmla="*/ 4573441 w 5470628"/>
-              <a:gd name="connsiteY235" fmla="*/ 139676 h 3193741"/>
-              <a:gd name="connsiteX236" fmla="*/ 4594964 w 5470628"/>
-              <a:gd name="connsiteY236" fmla="*/ 145847 h 3193741"/>
-              <a:gd name="connsiteX237" fmla="*/ 4623059 w 5470628"/>
-              <a:gd name="connsiteY237" fmla="*/ 152410 h 3193741"/>
-              <a:gd name="connsiteX238" fmla="*/ 4748356 w 5470628"/>
-              <a:gd name="connsiteY238" fmla="*/ 68192 h 3193741"/>
-              <a:gd name="connsiteX239" fmla="*/ 4833812 w 5470628"/>
-              <a:gd name="connsiteY239" fmla="*/ 8017 h 3193741"/>
-              <a:gd name="connsiteX240" fmla="*/ 4850908 w 5470628"/>
-              <a:gd name="connsiteY240" fmla="*/ 727 h 3193741"/>
-            </a:gdLst>
-            <a:ahLst/>
-            <a:cxnLst>
-              <a:cxn ang="0">
-                <a:pos x="connsiteX0" y="connsiteY0"/>
-              </a:cxn>
-              <a:cxn ang="0">
-                <a:pos x="connsiteX1" y="connsiteY1"/>
-              </a:cxn>
-              <a:cxn ang="0">
-                <a:pos x="connsiteX2" y="connsiteY2"/>
-              </a:cxn>
-              <a:cxn ang="0">
-                <a:pos x="connsiteX3" y="connsiteY3"/>
-              </a:cxn>
-              <a:cxn ang="0">
-                <a:pos x="connsiteX4" y="connsiteY4"/>
-              </a:cxn>
-              <a:cxn ang="0">
-                <a:pos x="connsiteX5" y="connsiteY5"/>
-              </a:cxn>
-              <a:cxn ang="0">
-                <a:pos x="connsiteX6" y="connsiteY6"/>
-              </a:cxn>
-              <a:cxn ang="0">
-                <a:pos x="connsiteX7" y="connsiteY7"/>
-              </a:cxn>
-              <a:cxn ang="0">
-                <a:pos x="connsiteX8" y="connsiteY8"/>
-              </a:cxn>
-              <a:cxn ang="0">
-                <a:pos x="connsiteX9" y="connsiteY9"/>
-              </a:cxn>
-              <a:cxn ang="0">
-                <a:pos x="connsiteX10" y="connsiteY10"/>
-              </a:cxn>
-              <a:cxn ang="0">
-                <a:pos x="connsiteX11" y="connsiteY11"/>
-              </a:cxn>
-              <a:cxn ang="0">
-                <a:pos x="connsiteX12" y="connsiteY12"/>
-              </a:cxn>
-              <a:cxn ang="0">
-                <a:pos x="connsiteX13" y="connsiteY13"/>
-              </a:cxn>
-              <a:cxn ang="0">
-                <a:pos x="connsiteX14" y="connsiteY14"/>
-              </a:cxn>
-              <a:cxn ang="0">
-                <a:pos x="connsiteX15" y="connsiteY15"/>
-              </a:cxn>
-              <a:cxn ang="0">
-                <a:pos x="connsiteX16" y="connsiteY16"/>
-              </a:cxn>
-              <a:cxn ang="0">
-                <a:pos x="connsiteX17" y="connsiteY17"/>
-              </a:cxn>
-              <a:cxn ang="0">
-                <a:pos x="connsiteX18" y="connsiteY18"/>
-              </a:cxn>
-              <a:cxn ang="0">
-                <a:pos x="connsiteX19" y="connsiteY19"/>
-              </a:cxn>
-              <a:cxn ang="0">
-                <a:pos x="connsiteX20" y="connsiteY20"/>
-              </a:cxn>
-              <a:cxn ang="0">
-                <a:pos x="connsiteX21" y="connsiteY21"/>
-              </a:cxn>
-              <a:cxn ang="0">
-                <a:pos x="connsiteX22" y="connsiteY22"/>
-              </a:cxn>
-              <a:cxn ang="0">
-                <a:pos x="connsiteX23" y="connsiteY23"/>
-              </a:cxn>
-              <a:cxn ang="0">
-                <a:pos x="connsiteX24" y="connsiteY24"/>
-              </a:cxn>
-              <a:cxn ang="0">
-                <a:pos x="connsiteX25" y="connsiteY25"/>
-              </a:cxn>
-              <a:cxn ang="0">
-                <a:pos x="connsiteX26" y="connsiteY26"/>
-              </a:cxn>
-              <a:cxn ang="0">
-                <a:pos x="connsiteX27" y="connsiteY27"/>
-              </a:cxn>
-              <a:cxn ang="0">
-                <a:pos x="connsiteX28" y="connsiteY28"/>
-              </a:cxn>
-              <a:cxn ang="0">
-                <a:pos x="connsiteX29" y="connsiteY29"/>
-              </a:cxn>
-              <a:cxn ang="0">
-                <a:pos x="connsiteX30" y="connsiteY30"/>
-              </a:cxn>
-              <a:cxn ang="0">
-                <a:pos x="connsiteX31" y="connsiteY31"/>
-              </a:cxn>
-              <a:cxn ang="0">
-                <a:pos x="connsiteX32" y="connsiteY32"/>
-              </a:cxn>
-              <a:cxn ang="0">
-                <a:pos x="connsiteX33" y="connsiteY33"/>
-              </a:cxn>
-              <a:cxn ang="0">
-                <a:pos x="connsiteX34" y="connsiteY34"/>
-              </a:cxn>
-              <a:cxn ang="0">
-                <a:pos x="connsiteX35" y="connsiteY35"/>
-              </a:cxn>
-              <a:cxn ang="0">
-                <a:pos x="connsiteX36" y="connsiteY36"/>
-              </a:cxn>
-              <a:cxn ang="0">
-                <a:pos x="connsiteX37" y="connsiteY37"/>
-              </a:cxn>
-              <a:cxn ang="0">
-                <a:pos x="connsiteX38" y="connsiteY38"/>
-              </a:cxn>
-              <a:cxn ang="0">
-                <a:pos x="connsiteX39" y="connsiteY39"/>
-              </a:cxn>
-              <a:cxn ang="0">
-                <a:pos x="connsiteX40" y="connsiteY40"/>
-              </a:cxn>
-              <a:cxn ang="0">
-                <a:pos x="connsiteX41" y="connsiteY41"/>
-              </a:cxn>
-              <a:cxn ang="0">
-                <a:pos x="connsiteX42" y="connsiteY42"/>
-              </a:cxn>
-              <a:cxn ang="0">
-                <a:pos x="connsiteX43" y="connsiteY43"/>
-              </a:cxn>
-              <a:cxn ang="0">
-                <a:pos x="connsiteX44" y="connsiteY44"/>
-              </a:cxn>
-              <a:cxn ang="0">
-                <a:pos x="connsiteX45" y="connsiteY45"/>
-              </a:cxn>
-              <a:cxn ang="0">
-                <a:pos x="connsiteX46" y="connsiteY46"/>
-              </a:cxn>
-              <a:cxn ang="0">
-                <a:pos x="connsiteX47" y="connsiteY47"/>
-              </a:cxn>
-              <a:cxn ang="0">
-                <a:pos x="connsiteX48" y="connsiteY48"/>
-              </a:cxn>
-              <a:cxn ang="0">
-                <a:pos x="connsiteX49" y="connsiteY49"/>
-              </a:cxn>
-              <a:cxn ang="0">
-                <a:pos x="connsiteX50" y="connsiteY50"/>
-              </a:cxn>
-              <a:cxn ang="0">
-                <a:pos x="connsiteX51" y="connsiteY51"/>
-              </a:cxn>
-              <a:cxn ang="0">
-                <a:pos x="connsiteX52" y="connsiteY52"/>
-              </a:cxn>
-              <a:cxn ang="0">
-                <a:pos x="connsiteX53" y="connsiteY53"/>
-              </a:cxn>
-              <a:cxn ang="0">
-                <a:pos x="connsiteX54" y="connsiteY54"/>
-              </a:cxn>
-              <a:cxn ang="0">
-                <a:pos x="connsiteX55" y="connsiteY55"/>
-              </a:cxn>
-              <a:cxn ang="0">
-                <a:pos x="connsiteX56" y="connsiteY56"/>
-              </a:cxn>
-              <a:cxn ang="0">
-                <a:pos x="connsiteX57" y="connsiteY57"/>
-              </a:cxn>
-              <a:cxn ang="0">
-                <a:pos x="connsiteX58" y="connsiteY58"/>
-              </a:cxn>
-              <a:cxn ang="0">
-                <a:pos x="connsiteX59" y="connsiteY59"/>
-              </a:cxn>
-              <a:cxn ang="0">
-                <a:pos x="connsiteX60" y="connsiteY60"/>
-              </a:cxn>
-              <a:cxn ang="0">
-                <a:pos x="connsiteX61" y="connsiteY61"/>
-              </a:cxn>
-              <a:cxn ang="0">
-                <a:pos x="connsiteX62" y="connsiteY62"/>
-              </a:cxn>
-              <a:cxn ang="0">
-                <a:pos x="connsiteX63" y="connsiteY63"/>
-              </a:cxn>
-              <a:cxn ang="0">
-                <a:pos x="connsiteX64" y="connsiteY64"/>
-              </a:cxn>
-              <a:cxn ang="0">
-                <a:pos x="connsiteX65" y="connsiteY65"/>
-              </a:cxn>
-              <a:cxn ang="0">
-                <a:pos x="connsiteX66" y="connsiteY66"/>
-              </a:cxn>
-              <a:cxn ang="0">
-                <a:pos x="connsiteX67" y="connsiteY67"/>
-              </a:cxn>
-              <a:cxn ang="0">
-                <a:pos x="connsiteX68" y="connsiteY68"/>
-              </a:cxn>
-              <a:cxn ang="0">
-                <a:pos x="connsiteX69" y="connsiteY69"/>
-              </a:cxn>
-              <a:cxn ang="0">
-                <a:pos x="connsiteX70" y="connsiteY70"/>
-              </a:cxn>
-              <a:cxn ang="0">
-                <a:pos x="connsiteX71" y="connsiteY71"/>
-              </a:cxn>
-              <a:cxn ang="0">
-                <a:pos x="connsiteX72" y="connsiteY72"/>
-              </a:cxn>
-              <a:cxn ang="0">
-                <a:pos x="connsiteX73" y="connsiteY73"/>
-              </a:cxn>
-              <a:cxn ang="0">
-                <a:pos x="connsiteX74" y="connsiteY74"/>
-              </a:cxn>
-              <a:cxn ang="0">
-                <a:pos x="connsiteX75" y="connsiteY75"/>
-              </a:cxn>
-              <a:cxn ang="0">
-                <a:pos x="connsiteX76" y="connsiteY76"/>
-              </a:cxn>
-              <a:cxn ang="0">
-                <a:pos x="connsiteX77" y="connsiteY77"/>
-              </a:cxn>
-              <a:cxn ang="0">
-                <a:pos x="connsiteX78" y="connsiteY78"/>
-              </a:cxn>
-              <a:cxn ang="0">
-                <a:pos x="connsiteX79" y="connsiteY79"/>
-              </a:cxn>
-              <a:cxn ang="0">
-                <a:pos x="connsiteX80" y="connsiteY80"/>
-              </a:cxn>
-              <a:cxn ang="0">
-                <a:pos x="connsiteX81" y="connsiteY81"/>
-              </a:cxn>
-              <a:cxn ang="0">
-                <a:pos x="connsiteX82" y="connsiteY82"/>
-              </a:cxn>
-              <a:cxn ang="0">
-                <a:pos x="connsiteX83" y="connsiteY83"/>
-              </a:cxn>
-              <a:cxn ang="0">
-                <a:pos x="connsiteX84" y="connsiteY84"/>
-              </a:cxn>
-              <a:cxn ang="0">
-                <a:pos x="connsiteX85" y="connsiteY85"/>
-              </a:cxn>
-              <a:cxn ang="0">
-                <a:pos x="connsiteX86" y="connsiteY86"/>
-              </a:cxn>
-              <a:cxn ang="0">
-                <a:pos x="connsiteX87" y="connsiteY87"/>
-              </a:cxn>
-              <a:cxn ang="0">
-                <a:pos x="connsiteX88" y="connsiteY88"/>
-              </a:cxn>
-              <a:cxn ang="0">
-                <a:pos x="connsiteX89" y="connsiteY89"/>
-              </a:cxn>
-              <a:cxn ang="0">
-                <a:pos x="connsiteX90" y="connsiteY90"/>
-              </a:cxn>
-              <a:cxn ang="0">
-                <a:pos x="connsiteX91" y="connsiteY91"/>
-              </a:cxn>
-              <a:cxn ang="0">
-                <a:pos x="connsiteX92" y="connsiteY92"/>
-              </a:cxn>
-              <a:cxn ang="0">
-                <a:pos x="connsiteX93" y="connsiteY93"/>
-              </a:cxn>
-              <a:cxn ang="0">
-                <a:pos x="connsiteX94" y="connsiteY94"/>
-              </a:cxn>
-              <a:cxn ang="0">
-                <a:pos x="connsiteX95" y="connsiteY95"/>
-              </a:cxn>
-              <a:cxn ang="0">
-                <a:pos x="connsiteX96" y="connsiteY96"/>
-              </a:cxn>
-              <a:cxn ang="0">
-                <a:pos x="connsiteX97" y="connsiteY97"/>
-              </a:cxn>
-              <a:cxn ang="0">
-                <a:pos x="connsiteX98" y="connsiteY98"/>
-              </a:cxn>
-              <a:cxn ang="0">
-                <a:pos x="connsiteX99" y="connsiteY99"/>
-              </a:cxn>
-              <a:cxn ang="0">
-                <a:pos x="connsiteX100" y="connsiteY100"/>
-              </a:cxn>
-              <a:cxn ang="0">
-                <a:pos x="connsiteX101" y="connsiteY101"/>
-              </a:cxn>
-              <a:cxn ang="0">
-                <a:pos x="connsiteX102" y="connsiteY102"/>
-              </a:cxn>
-              <a:cxn ang="0">
-                <a:pos x="connsiteX103" y="connsiteY103"/>
-              </a:cxn>
-              <a:cxn ang="0">
-                <a:pos x="connsiteX104" y="connsiteY104"/>
-              </a:cxn>
-              <a:cxn ang="0">
-                <a:pos x="connsiteX105" y="connsiteY105"/>
-              </a:cxn>
-              <a:cxn ang="0">
-                <a:pos x="connsiteX106" y="connsiteY106"/>
-              </a:cxn>
-              <a:cxn ang="0">
-                <a:pos x="connsiteX107" y="connsiteY107"/>
-              </a:cxn>
-              <a:cxn ang="0">
-                <a:pos x="connsiteX108" y="connsiteY108"/>
-              </a:cxn>
-              <a:cxn ang="0">
-                <a:pos x="connsiteX109" y="connsiteY109"/>
-              </a:cxn>
-              <a:cxn ang="0">
-                <a:pos x="connsiteX110" y="connsiteY110"/>
-              </a:cxn>
-              <a:cxn ang="0">
-                <a:pos x="connsiteX111" y="connsiteY111"/>
-              </a:cxn>
-              <a:cxn ang="0">
-                <a:pos x="connsiteX112" y="connsiteY112"/>
-              </a:cxn>
-              <a:cxn ang="0">
-                <a:pos x="connsiteX113" y="connsiteY113"/>
-              </a:cxn>
-              <a:cxn ang="0">
-                <a:pos x="connsiteX114" y="connsiteY114"/>
-              </a:cxn>
-              <a:cxn ang="0">
-                <a:pos x="connsiteX115" y="connsiteY115"/>
-              </a:cxn>
-              <a:cxn ang="0">
-                <a:pos x="connsiteX116" y="connsiteY116"/>
-              </a:cxn>
-              <a:cxn ang="0">
-                <a:pos x="connsiteX117" y="connsiteY117"/>
-              </a:cxn>
-              <a:cxn ang="0">
-                <a:pos x="connsiteX118" y="connsiteY118"/>
-              </a:cxn>
-              <a:cxn ang="0">
-                <a:pos x="connsiteX119" y="connsiteY119"/>
-              </a:cxn>
-              <a:cxn ang="0">
-                <a:pos x="connsiteX120" y="connsiteY120"/>
-              </a:cxn>
-              <a:cxn ang="0">
-                <a:pos x="connsiteX121" y="connsiteY121"/>
-              </a:cxn>
-              <a:cxn ang="0">
-                <a:pos x="connsiteX122" y="connsiteY122"/>
-              </a:cxn>
-              <a:cxn ang="0">
-                <a:pos x="connsiteX123" y="connsiteY123"/>
-              </a:cxn>
-              <a:cxn ang="0">
-                <a:pos x="connsiteX124" y="connsiteY124"/>
-              </a:cxn>
-              <a:cxn ang="0">
-                <a:pos x="connsiteX125" y="connsiteY125"/>
-              </a:cxn>
-              <a:cxn ang="0">
-                <a:pos x="connsiteX126" y="connsiteY126"/>
-              </a:cxn>
-              <a:cxn ang="0">
-                <a:pos x="connsiteX127" y="connsiteY127"/>
-              </a:cxn>
-              <a:cxn ang="0">
-                <a:pos x="connsiteX128" y="connsiteY128"/>
-              </a:cxn>
-              <a:cxn ang="0">
-                <a:pos x="connsiteX129" y="connsiteY129"/>
-              </a:cxn>
-              <a:cxn ang="0">
-                <a:pos x="connsiteX130" y="connsiteY130"/>
-              </a:cxn>
-              <a:cxn ang="0">
-                <a:pos x="connsiteX131" y="connsiteY131"/>
-              </a:cxn>
-              <a:cxn ang="0">
-                <a:pos x="connsiteX132" y="connsiteY132"/>
-              </a:cxn>
-              <a:cxn ang="0">
-                <a:pos x="connsiteX133" y="connsiteY133"/>
-              </a:cxn>
-              <a:cxn ang="0">
-                <a:pos x="connsiteX134" y="connsiteY134"/>
-              </a:cxn>
-              <a:cxn ang="0">
-                <a:pos x="connsiteX135" y="connsiteY135"/>
-              </a:cxn>
-              <a:cxn ang="0">
-                <a:pos x="connsiteX136" y="connsiteY136"/>
-              </a:cxn>
-              <a:cxn ang="0">
-                <a:pos x="connsiteX137" y="connsiteY137"/>
-              </a:cxn>
-              <a:cxn ang="0">
-                <a:pos x="connsiteX138" y="connsiteY138"/>
-              </a:cxn>
-              <a:cxn ang="0">
-                <a:pos x="connsiteX139" y="connsiteY139"/>
-              </a:cxn>
-              <a:cxn ang="0">
-                <a:pos x="connsiteX140" y="connsiteY140"/>
-              </a:cxn>
-              <a:cxn ang="0">
-                <a:pos x="connsiteX141" y="connsiteY141"/>
-              </a:cxn>
-              <a:cxn ang="0">
-                <a:pos x="connsiteX142" y="connsiteY142"/>
-              </a:cxn>
-              <a:cxn ang="0">
-                <a:pos x="connsiteX143" y="connsiteY143"/>
-              </a:cxn>
-              <a:cxn ang="0">
-                <a:pos x="connsiteX144" y="connsiteY144"/>
-              </a:cxn>
-              <a:cxn ang="0">
-                <a:pos x="connsiteX145" y="connsiteY145"/>
-              </a:cxn>
-              <a:cxn ang="0">
-                <a:pos x="connsiteX146" y="connsiteY146"/>
-              </a:cxn>
-              <a:cxn ang="0">
-                <a:pos x="connsiteX147" y="connsiteY147"/>
-              </a:cxn>
-              <a:cxn ang="0">
-                <a:pos x="connsiteX148" y="connsiteY148"/>
-              </a:cxn>
-              <a:cxn ang="0">
-                <a:pos x="connsiteX149" y="connsiteY149"/>
-              </a:cxn>
-              <a:cxn ang="0">
-                <a:pos x="connsiteX150" y="connsiteY150"/>
-              </a:cxn>
-              <a:cxn ang="0">
-                <a:pos x="connsiteX151" y="connsiteY151"/>
-              </a:cxn>
-              <a:cxn ang="0">
-                <a:pos x="connsiteX152" y="connsiteY152"/>
-              </a:cxn>
-              <a:cxn ang="0">
-                <a:pos x="connsiteX153" y="connsiteY153"/>
-              </a:cxn>
-              <a:cxn ang="0">
-                <a:pos x="connsiteX154" y="connsiteY154"/>
-              </a:cxn>
-              <a:cxn ang="0">
-                <a:pos x="connsiteX155" y="connsiteY155"/>
-              </a:cxn>
-              <a:cxn ang="0">
-                <a:pos x="connsiteX156" y="connsiteY156"/>
-              </a:cxn>
-              <a:cxn ang="0">
-                <a:pos x="connsiteX157" y="connsiteY157"/>
-              </a:cxn>
-              <a:cxn ang="0">
-                <a:pos x="connsiteX158" y="connsiteY158"/>
-              </a:cxn>
-              <a:cxn ang="0">
-                <a:pos x="connsiteX159" y="connsiteY159"/>
-              </a:cxn>
-              <a:cxn ang="0">
-                <a:pos x="connsiteX160" y="connsiteY160"/>
-              </a:cxn>
-              <a:cxn ang="0">
-                <a:pos x="connsiteX161" y="connsiteY161"/>
-              </a:cxn>
-              <a:cxn ang="0">
-                <a:pos x="connsiteX162" y="connsiteY162"/>
-              </a:cxn>
-              <a:cxn ang="0">
-                <a:pos x="connsiteX163" y="connsiteY163"/>
-              </a:cxn>
-              <a:cxn ang="0">
-                <a:pos x="connsiteX164" y="connsiteY164"/>
-              </a:cxn>
-              <a:cxn ang="0">
-                <a:pos x="connsiteX165" y="connsiteY165"/>
-              </a:cxn>
-              <a:cxn ang="0">
-                <a:pos x="connsiteX166" y="connsiteY166"/>
-              </a:cxn>
-              <a:cxn ang="0">
-                <a:pos x="connsiteX167" y="connsiteY167"/>
-              </a:cxn>
-              <a:cxn ang="0">
-                <a:pos x="connsiteX168" y="connsiteY168"/>
-              </a:cxn>
-              <a:cxn ang="0">
-                <a:pos x="connsiteX169" y="connsiteY169"/>
-              </a:cxn>
-              <a:cxn ang="0">
-                <a:pos x="connsiteX170" y="connsiteY170"/>
-              </a:cxn>
-              <a:cxn ang="0">
-                <a:pos x="connsiteX171" y="connsiteY171"/>
-              </a:cxn>
-              <a:cxn ang="0">
-                <a:pos x="connsiteX172" y="connsiteY172"/>
-              </a:cxn>
-              <a:cxn ang="0">
-                <a:pos x="connsiteX173" y="connsiteY173"/>
-              </a:cxn>
-              <a:cxn ang="0">
-                <a:pos x="connsiteX174" y="connsiteY174"/>
-              </a:cxn>
-              <a:cxn ang="0">
-                <a:pos x="connsiteX175" y="connsiteY175"/>
-              </a:cxn>
-              <a:cxn ang="0">
-                <a:pos x="connsiteX176" y="connsiteY176"/>
-              </a:cxn>
-              <a:cxn ang="0">
-                <a:pos x="connsiteX177" y="connsiteY177"/>
-              </a:cxn>
-              <a:cxn ang="0">
-                <a:pos x="connsiteX178" y="connsiteY178"/>
-              </a:cxn>
-              <a:cxn ang="0">
-                <a:pos x="connsiteX179" y="connsiteY179"/>
-              </a:cxn>
-              <a:cxn ang="0">
-                <a:pos x="connsiteX180" y="connsiteY180"/>
-              </a:cxn>
-              <a:cxn ang="0">
-                <a:pos x="connsiteX181" y="connsiteY181"/>
-              </a:cxn>
-              <a:cxn ang="0">
-                <a:pos x="connsiteX182" y="connsiteY182"/>
-              </a:cxn>
-              <a:cxn ang="0">
-                <a:pos x="connsiteX183" y="connsiteY183"/>
-              </a:cxn>
-              <a:cxn ang="0">
-                <a:pos x="connsiteX184" y="connsiteY184"/>
-              </a:cxn>
-              <a:cxn ang="0">
-                <a:pos x="connsiteX185" y="connsiteY185"/>
-              </a:cxn>
-              <a:cxn ang="0">
-                <a:pos x="connsiteX186" y="connsiteY186"/>
-              </a:cxn>
-              <a:cxn ang="0">
-                <a:pos x="connsiteX187" y="connsiteY187"/>
-              </a:cxn>
-              <a:cxn ang="0">
-                <a:pos x="connsiteX188" y="connsiteY188"/>
-              </a:cxn>
-              <a:cxn ang="0">
-                <a:pos x="connsiteX189" y="connsiteY189"/>
-              </a:cxn>
-              <a:cxn ang="0">
-                <a:pos x="connsiteX190" y="connsiteY190"/>
-              </a:cxn>
-              <a:cxn ang="0">
-                <a:pos x="connsiteX191" y="connsiteY191"/>
-              </a:cxn>
-              <a:cxn ang="0">
-                <a:pos x="connsiteX192" y="connsiteY192"/>
-              </a:cxn>
-              <a:cxn ang="0">
-                <a:pos x="connsiteX193" y="connsiteY193"/>
-              </a:cxn>
-              <a:cxn ang="0">
-                <a:pos x="connsiteX194" y="connsiteY194"/>
-              </a:cxn>
-              <a:cxn ang="0">
-                <a:pos x="connsiteX195" y="connsiteY195"/>
-              </a:cxn>
-              <a:cxn ang="0">
-                <a:pos x="connsiteX196" y="connsiteY196"/>
-              </a:cxn>
-              <a:cxn ang="0">
-                <a:pos x="connsiteX197" y="connsiteY197"/>
-              </a:cxn>
-              <a:cxn ang="0">
-                <a:pos x="connsiteX198" y="connsiteY198"/>
-              </a:cxn>
-              <a:cxn ang="0">
-                <a:pos x="connsiteX199" y="connsiteY199"/>
-              </a:cxn>
-              <a:cxn ang="0">
-                <a:pos x="connsiteX200" y="connsiteY200"/>
-              </a:cxn>
-              <a:cxn ang="0">
-                <a:pos x="connsiteX201" y="connsiteY201"/>
-              </a:cxn>
-              <a:cxn ang="0">
-                <a:pos x="connsiteX202" y="connsiteY202"/>
-              </a:cxn>
-              <a:cxn ang="0">
-                <a:pos x="connsiteX203" y="connsiteY203"/>
-              </a:cxn>
-              <a:cxn ang="0">
-                <a:pos x="connsiteX204" y="connsiteY204"/>
-              </a:cxn>
-              <a:cxn ang="0">
-                <a:pos x="connsiteX205" y="connsiteY205"/>
-              </a:cxn>
-              <a:cxn ang="0">
-                <a:pos x="connsiteX206" y="connsiteY206"/>
-              </a:cxn>
-              <a:cxn ang="0">
-                <a:pos x="connsiteX207" y="connsiteY207"/>
-              </a:cxn>
-              <a:cxn ang="0">
-                <a:pos x="connsiteX208" y="connsiteY208"/>
-              </a:cxn>
-              <a:cxn ang="0">
-                <a:pos x="connsiteX209" y="connsiteY209"/>
-              </a:cxn>
-              <a:cxn ang="0">
-                <a:pos x="connsiteX210" y="connsiteY210"/>
-              </a:cxn>
-              <a:cxn ang="0">
-                <a:pos x="connsiteX211" y="connsiteY211"/>
-              </a:cxn>
-              <a:cxn ang="0">
-                <a:pos x="connsiteX212" y="connsiteY212"/>
-              </a:cxn>
-              <a:cxn ang="0">
-                <a:pos x="connsiteX213" y="connsiteY213"/>
-              </a:cxn>
-              <a:cxn ang="0">
-                <a:pos x="connsiteX214" y="connsiteY214"/>
-              </a:cxn>
-              <a:cxn ang="0">
-                <a:pos x="connsiteX215" y="connsiteY215"/>
-              </a:cxn>
-              <a:cxn ang="0">
-                <a:pos x="connsiteX216" y="connsiteY216"/>
-              </a:cxn>
-              <a:cxn ang="0">
-                <a:pos x="connsiteX217" y="connsiteY217"/>
-              </a:cxn>
-              <a:cxn ang="0">
-                <a:pos x="connsiteX218" y="connsiteY218"/>
-              </a:cxn>
-              <a:cxn ang="0">
-                <a:pos x="connsiteX219" y="connsiteY219"/>
-              </a:cxn>
-              <a:cxn ang="0">
-                <a:pos x="connsiteX220" y="connsiteY220"/>
-              </a:cxn>
-              <a:cxn ang="0">
-                <a:pos x="connsiteX221" y="connsiteY221"/>
-              </a:cxn>
-              <a:cxn ang="0">
-                <a:pos x="connsiteX222" y="connsiteY222"/>
-              </a:cxn>
-              <a:cxn ang="0">
-                <a:pos x="connsiteX223" y="connsiteY223"/>
-              </a:cxn>
-              <a:cxn ang="0">
-                <a:pos x="connsiteX224" y="connsiteY224"/>
-              </a:cxn>
-              <a:cxn ang="0">
-                <a:pos x="connsiteX225" y="connsiteY225"/>
-              </a:cxn>
-              <a:cxn ang="0">
-                <a:pos x="connsiteX226" y="connsiteY226"/>
-              </a:cxn>
-              <a:cxn ang="0">
-                <a:pos x="connsiteX227" y="connsiteY227"/>
-              </a:cxn>
-              <a:cxn ang="0">
-                <a:pos x="connsiteX228" y="connsiteY228"/>
-              </a:cxn>
-              <a:cxn ang="0">
-                <a:pos x="connsiteX229" y="connsiteY229"/>
-              </a:cxn>
-              <a:cxn ang="0">
-                <a:pos x="connsiteX230" y="connsiteY230"/>
-              </a:cxn>
-              <a:cxn ang="0">
-                <a:pos x="connsiteX231" y="connsiteY231"/>
-              </a:cxn>
-              <a:cxn ang="0">
-                <a:pos x="connsiteX232" y="connsiteY232"/>
-              </a:cxn>
-              <a:cxn ang="0">
-                <a:pos x="connsiteX233" y="connsiteY233"/>
-              </a:cxn>
-              <a:cxn ang="0">
-                <a:pos x="connsiteX234" y="connsiteY234"/>
-              </a:cxn>
-              <a:cxn ang="0">
-                <a:pos x="connsiteX235" y="connsiteY235"/>
-              </a:cxn>
-              <a:cxn ang="0">
-                <a:pos x="connsiteX236" y="connsiteY236"/>
-              </a:cxn>
-              <a:cxn ang="0">
-                <a:pos x="connsiteX237" y="connsiteY237"/>
-              </a:cxn>
-              <a:cxn ang="0">
-                <a:pos x="connsiteX238" y="connsiteY238"/>
-              </a:cxn>
-              <a:cxn ang="0">
-                <a:pos x="connsiteX239" y="connsiteY239"/>
-              </a:cxn>
-              <a:cxn ang="0">
-                <a:pos x="connsiteX240" y="connsiteY240"/>
-              </a:cxn>
-            </a:cxnLst>
-            <a:rect l="l" t="t" r="r" b="b"/>
-            <a:pathLst>
-              <a:path w="5470628" h="3193741">
-                <a:moveTo>
-                  <a:pt x="5462602" y="1413608"/>
-                </a:moveTo>
-                <a:lnTo>
-                  <a:pt x="5465724" y="1421881"/>
-                </a:lnTo>
-                <a:cubicBezTo>
-                  <a:pt x="5472118" y="1444281"/>
-                  <a:pt x="5472640" y="1461744"/>
-                  <a:pt x="5465025" y="1466556"/>
-                </a:cubicBezTo>
-                <a:lnTo>
-                  <a:pt x="5463208" y="1466226"/>
-                </a:lnTo>
-                <a:lnTo>
-                  <a:pt x="5463242" y="1451866"/>
-                </a:lnTo>
-                <a:cubicBezTo>
-                  <a:pt x="5463190" y="1441487"/>
-                  <a:pt x="5463068" y="1431722"/>
-                  <a:pt x="5462894" y="1423194"/>
-                </a:cubicBezTo>
-                <a:close/>
-                <a:moveTo>
-                  <a:pt x="5461417" y="1391849"/>
-                </a:moveTo>
-                <a:cubicBezTo>
-                  <a:pt x="5461710" y="1392940"/>
-                  <a:pt x="5461992" y="1396513"/>
-                  <a:pt x="5462246" y="1401944"/>
-                </a:cubicBezTo>
-                <a:lnTo>
-                  <a:pt x="5462602" y="1413608"/>
-                </a:lnTo>
-                <a:lnTo>
-                  <a:pt x="5459078" y="1404268"/>
-                </a:lnTo>
-                <a:lnTo>
-                  <a:pt x="5460137" y="1393780"/>
-                </a:lnTo>
-                <a:cubicBezTo>
-                  <a:pt x="5460561" y="1391114"/>
-                  <a:pt x="5460982" y="1390270"/>
-                  <a:pt x="5461417" y="1391849"/>
-                </a:cubicBezTo>
-                <a:close/>
-                <a:moveTo>
-                  <a:pt x="614271" y="1052206"/>
-                </a:moveTo>
-                <a:cubicBezTo>
-                  <a:pt x="613444" y="1053256"/>
-                  <a:pt x="612323" y="1054339"/>
-                  <a:pt x="611497" y="1055389"/>
-                </a:cubicBezTo>
-                <a:cubicBezTo>
-                  <a:pt x="617673" y="1058912"/>
-                  <a:pt x="624115" y="1061928"/>
-                  <a:pt x="630277" y="1065215"/>
-                </a:cubicBezTo>
-                <a:cubicBezTo>
-                  <a:pt x="637469" y="1066004"/>
-                  <a:pt x="644958" y="1066759"/>
-                  <a:pt x="651856" y="1067584"/>
-                </a:cubicBezTo>
-                <a:cubicBezTo>
-                  <a:pt x="639327" y="1062458"/>
-                  <a:pt x="626799" y="1057332"/>
-                  <a:pt x="614271" y="1052206"/>
-                </a:cubicBezTo>
-                <a:close/>
-                <a:moveTo>
-                  <a:pt x="810628" y="695550"/>
-                </a:moveTo>
-                <a:cubicBezTo>
-                  <a:pt x="873537" y="739416"/>
-                  <a:pt x="951215" y="767494"/>
-                  <a:pt x="1033084" y="791270"/>
-                </a:cubicBezTo>
-                <a:cubicBezTo>
-                  <a:pt x="1034205" y="790184"/>
-                  <a:pt x="1035031" y="789136"/>
-                  <a:pt x="1036153" y="788050"/>
-                </a:cubicBezTo>
-                <a:cubicBezTo>
-                  <a:pt x="960983" y="757296"/>
-                  <a:pt x="885798" y="726306"/>
-                  <a:pt x="810628" y="695550"/>
-                </a:cubicBezTo>
-                <a:close/>
-                <a:moveTo>
-                  <a:pt x="4850908" y="727"/>
-                </a:moveTo>
-                <a:cubicBezTo>
-                  <a:pt x="4858191" y="2929"/>
-                  <a:pt x="4860543" y="7152"/>
-                  <a:pt x="4858584" y="13795"/>
-                </a:cubicBezTo>
-                <a:cubicBezTo>
-                  <a:pt x="4855845" y="22194"/>
-                  <a:pt x="4850092" y="30008"/>
-                  <a:pt x="4843408" y="37224"/>
-                </a:cubicBezTo>
-                <a:cubicBezTo>
-                  <a:pt x="4812232" y="71132"/>
-                  <a:pt x="4827067" y="79774"/>
-                  <a:pt x="4871062" y="78954"/>
-                </a:cubicBezTo>
-                <a:cubicBezTo>
-                  <a:pt x="4910302" y="78234"/>
-                  <a:pt x="4949507" y="72299"/>
-                  <a:pt x="4989038" y="66799"/>
-                </a:cubicBezTo>
-                <a:cubicBezTo>
-                  <a:pt x="5008500" y="63967"/>
-                  <a:pt x="5009491" y="65509"/>
-                  <a:pt x="5002636" y="79388"/>
-                </a:cubicBezTo>
-                <a:cubicBezTo>
-                  <a:pt x="4991594" y="102315"/>
-                  <a:pt x="4990844" y="123285"/>
-                  <a:pt x="5008332" y="140859"/>
-                </a:cubicBezTo>
-                <a:cubicBezTo>
-                  <a:pt x="5012456" y="144868"/>
-                  <a:pt x="5015428" y="149491"/>
-                  <a:pt x="5014326" y="155555"/>
-                </a:cubicBezTo>
-                <a:cubicBezTo>
-                  <a:pt x="5009356" y="180357"/>
-                  <a:pt x="5019874" y="200674"/>
-                  <a:pt x="5030704" y="221190"/>
-                </a:cubicBezTo>
-                <a:cubicBezTo>
-                  <a:pt x="5048958" y="255517"/>
-                  <a:pt x="5072099" y="287116"/>
-                  <a:pt x="5097262" y="317759"/>
-                </a:cubicBezTo>
-                <a:cubicBezTo>
-                  <a:pt x="5115004" y="339336"/>
-                  <a:pt x="5126222" y="365974"/>
-                  <a:pt x="5165084" y="373367"/>
-                </a:cubicBezTo>
-                <a:cubicBezTo>
-                  <a:pt x="5174420" y="375083"/>
-                  <a:pt x="5177498" y="381353"/>
-                  <a:pt x="5174137" y="389353"/>
-                </a:cubicBezTo>
-                <a:cubicBezTo>
-                  <a:pt x="5163026" y="415847"/>
-                  <a:pt x="5172067" y="436343"/>
-                  <a:pt x="5192507" y="453561"/>
-                </a:cubicBezTo>
-                <a:cubicBezTo>
-                  <a:pt x="5199734" y="459565"/>
-                  <a:pt x="5197020" y="463690"/>
-                  <a:pt x="5187160" y="467732"/>
-                </a:cubicBezTo>
-                <a:cubicBezTo>
-                  <a:pt x="5175836" y="472188"/>
-                  <a:pt x="5167025" y="478711"/>
-                  <a:pt x="5160106" y="486904"/>
-                </a:cubicBezTo>
-                <a:cubicBezTo>
-                  <a:pt x="5148744" y="500143"/>
-                  <a:pt x="5143396" y="514315"/>
-                  <a:pt x="5138948" y="528614"/>
-                </a:cubicBezTo>
-                <a:cubicBezTo>
-                  <a:pt x="5132042" y="551041"/>
-                  <a:pt x="5123894" y="572670"/>
-                  <a:pt x="5097016" y="589923"/>
-                </a:cubicBezTo>
-                <a:cubicBezTo>
-                  <a:pt x="5089016" y="595163"/>
-                  <a:pt x="5082598" y="601872"/>
-                  <a:pt x="5075869" y="608381"/>
-                </a:cubicBezTo>
-                <a:cubicBezTo>
-                  <a:pt x="5078016" y="614052"/>
-                  <a:pt x="5083322" y="617918"/>
-                  <a:pt x="5093172" y="618385"/>
-                </a:cubicBezTo>
-                <a:cubicBezTo>
-                  <a:pt x="5155867" y="621469"/>
-                  <a:pt x="5153088" y="652648"/>
-                  <a:pt x="5153518" y="687474"/>
-                </a:cubicBezTo>
-                <a:cubicBezTo>
-                  <a:pt x="5154177" y="730575"/>
-                  <a:pt x="5118812" y="754787"/>
-                  <a:pt x="5074984" y="776941"/>
-                </a:cubicBezTo>
-                <a:cubicBezTo>
-                  <a:pt x="5059986" y="784451"/>
-                  <a:pt x="5038116" y="786863"/>
-                  <a:pt x="5033348" y="805473"/>
-                </a:cubicBezTo>
-                <a:cubicBezTo>
-                  <a:pt x="5059529" y="819384"/>
-                  <a:pt x="5089376" y="802009"/>
-                  <a:pt x="5116847" y="803426"/>
-                </a:cubicBezTo>
-                <a:cubicBezTo>
-                  <a:pt x="5139548" y="804709"/>
-                  <a:pt x="5176330" y="798120"/>
-                  <a:pt x="5147902" y="833118"/>
-                </a:cubicBezTo>
-                <a:cubicBezTo>
-                  <a:pt x="5139626" y="843373"/>
-                  <a:pt x="5150382" y="848714"/>
-                  <a:pt x="5161665" y="848297"/>
-                </a:cubicBezTo>
-                <a:cubicBezTo>
-                  <a:pt x="5253064" y="844106"/>
-                  <a:pt x="5215170" y="912756"/>
-                  <a:pt x="5246520" y="942412"/>
-                </a:cubicBezTo>
-                <a:cubicBezTo>
-                  <a:pt x="5255359" y="950358"/>
-                  <a:pt x="5247812" y="967405"/>
-                  <a:pt x="5235368" y="972946"/>
-                </a:cubicBezTo>
-                <a:cubicBezTo>
-                  <a:pt x="5156387" y="1008610"/>
-                  <a:pt x="5149354" y="1071149"/>
-                  <a:pt x="5113739" y="1128845"/>
-                </a:cubicBezTo>
-                <a:cubicBezTo>
-                  <a:pt x="5157305" y="1144685"/>
-                  <a:pt x="5208388" y="1143005"/>
-                  <a:pt x="5255034" y="1151117"/>
-                </a:cubicBezTo>
-                <a:cubicBezTo>
-                  <a:pt x="5303482" y="1159484"/>
-                  <a:pt x="5304156" y="1170079"/>
-                  <a:pt x="5267513" y="1216275"/>
-                </a:cubicBezTo>
-                <a:cubicBezTo>
-                  <a:pt x="5370269" y="1212844"/>
-                  <a:pt x="5370269" y="1212844"/>
-                  <a:pt x="5343113" y="1281854"/>
-                </a:cubicBezTo>
-                <a:cubicBezTo>
-                  <a:pt x="5386272" y="1279593"/>
-                  <a:pt x="5428618" y="1334726"/>
-                  <a:pt x="5452014" y="1385543"/>
-                </a:cubicBezTo>
-                <a:lnTo>
-                  <a:pt x="5459078" y="1404268"/>
-                </a:lnTo>
-                <a:lnTo>
-                  <a:pt x="5458838" y="1406644"/>
-                </a:lnTo>
-                <a:cubicBezTo>
-                  <a:pt x="5457942" y="1418063"/>
-                  <a:pt x="5456960" y="1434367"/>
-                  <a:pt x="5455752" y="1450751"/>
-                </a:cubicBezTo>
-                <a:lnTo>
-                  <a:pt x="5454594" y="1464662"/>
-                </a:lnTo>
-                <a:lnTo>
-                  <a:pt x="5447215" y="1463321"/>
-                </a:lnTo>
-                <a:cubicBezTo>
-                  <a:pt x="5441256" y="1459714"/>
-                  <a:pt x="5437002" y="1458345"/>
-                  <a:pt x="5433934" y="1458428"/>
-                </a:cubicBezTo>
-                <a:cubicBezTo>
-                  <a:pt x="5424728" y="1458676"/>
-                  <a:pt x="5426188" y="1471978"/>
-                  <a:pt x="5424276" y="1477014"/>
-                </a:cubicBezTo>
-                <a:cubicBezTo>
-                  <a:pt x="5417851" y="1492977"/>
-                  <a:pt x="5433852" y="1501241"/>
-                  <a:pt x="5444628" y="1511562"/>
-                </a:cubicBezTo>
-                <a:cubicBezTo>
-                  <a:pt x="5448663" y="1515344"/>
-                  <a:pt x="5451544" y="1497678"/>
-                  <a:pt x="5453752" y="1474786"/>
-                </a:cubicBezTo>
-                <a:lnTo>
-                  <a:pt x="5454594" y="1464662"/>
-                </a:lnTo>
-                <a:lnTo>
-                  <a:pt x="5463208" y="1466226"/>
-                </a:lnTo>
-                <a:lnTo>
-                  <a:pt x="5463164" y="1484226"/>
-                </a:lnTo>
-                <a:cubicBezTo>
-                  <a:pt x="5462722" y="1528173"/>
-                  <a:pt x="5460824" y="1571999"/>
-                  <a:pt x="5456160" y="1575885"/>
-                </a:cubicBezTo>
-                <a:cubicBezTo>
-                  <a:pt x="5406708" y="1617226"/>
-                  <a:pt x="5442751" y="1692579"/>
-                  <a:pt x="5345636" y="1714543"/>
-                </a:cubicBezTo>
-                <a:cubicBezTo>
-                  <a:pt x="5301930" y="1724583"/>
-                  <a:pt x="5282493" y="1755882"/>
-                  <a:pt x="5251319" y="1775792"/>
-                </a:cubicBezTo>
-                <a:cubicBezTo>
-                  <a:pt x="5142610" y="1844714"/>
-                  <a:pt x="5072132" y="1925140"/>
-                  <a:pt x="5043512" y="2027305"/>
-                </a:cubicBezTo>
-                <a:cubicBezTo>
-                  <a:pt x="5035488" y="2055562"/>
-                  <a:pt x="5000258" y="2081893"/>
-                  <a:pt x="4978144" y="2108535"/>
-                </a:cubicBezTo>
-                <a:cubicBezTo>
-                  <a:pt x="4990785" y="2124798"/>
-                  <a:pt x="5050411" y="2079615"/>
-                  <a:pt x="5031476" y="2128173"/>
-                </a:cubicBezTo>
-                <a:cubicBezTo>
-                  <a:pt x="5017138" y="2164787"/>
-                  <a:pt x="4975973" y="2191363"/>
-                  <a:pt x="4937389" y="2216441"/>
-                </a:cubicBezTo>
-                <a:cubicBezTo>
-                  <a:pt x="4893079" y="2245058"/>
-                  <a:pt x="4843760" y="2269776"/>
-                  <a:pt x="4826122" y="2315331"/>
-                </a:cubicBezTo>
-                <a:cubicBezTo>
-                  <a:pt x="4822276" y="2325050"/>
-                  <a:pt x="3896510" y="3112888"/>
-                  <a:pt x="2544647" y="3190975"/>
-                </a:cubicBezTo>
-                <a:cubicBezTo>
-                  <a:pt x="2323734" y="3203734"/>
-                  <a:pt x="1445947" y="3169121"/>
-                  <a:pt x="1328257" y="3153006"/>
-                </a:cubicBezTo>
-                <a:cubicBezTo>
-                  <a:pt x="1207258" y="3136344"/>
-                  <a:pt x="1101756" y="3091943"/>
-                  <a:pt x="977943" y="3082502"/>
-                </a:cubicBezTo>
-                <a:cubicBezTo>
-                  <a:pt x="912454" y="3077622"/>
-                  <a:pt x="848655" y="3061861"/>
-                  <a:pt x="854473" y="2994250"/>
-                </a:cubicBezTo>
-                <a:cubicBezTo>
-                  <a:pt x="856228" y="2975057"/>
-                  <a:pt x="838125" y="2961827"/>
-                  <a:pt x="811593" y="2970498"/>
-                </a:cubicBezTo>
-                <a:cubicBezTo>
-                  <a:pt x="761454" y="2987010"/>
-                  <a:pt x="736680" y="2962489"/>
-                  <a:pt x="707024" y="2945439"/>
-                </a:cubicBezTo>
-                <a:cubicBezTo>
-                  <a:pt x="654509" y="2915262"/>
-                  <a:pt x="603913" y="2882480"/>
-                  <a:pt x="523487" y="2886053"/>
-                </a:cubicBezTo>
-                <a:cubicBezTo>
-                  <a:pt x="537017" y="2855468"/>
-                  <a:pt x="563587" y="2856758"/>
-                  <a:pt x="587884" y="2859746"/>
-                </a:cubicBezTo>
-                <a:cubicBezTo>
-                  <a:pt x="652090" y="2867866"/>
-                  <a:pt x="715235" y="2878012"/>
-                  <a:pt x="779426" y="2885897"/>
-                </a:cubicBezTo>
-                <a:cubicBezTo>
-                  <a:pt x="821123" y="2891048"/>
-                  <a:pt x="863074" y="2900202"/>
-                  <a:pt x="917288" y="2882248"/>
-                </a:cubicBezTo>
-                <a:cubicBezTo>
-                  <a:pt x="866364" y="2830288"/>
-                  <a:pt x="785092" y="2829930"/>
-                  <a:pt x="718684" y="2819941"/>
-                </a:cubicBezTo>
-                <a:cubicBezTo>
-                  <a:pt x="635747" y="2807447"/>
-                  <a:pt x="584925" y="2771133"/>
-                  <a:pt x="524650" y="2731220"/>
-                </a:cubicBezTo>
-                <a:cubicBezTo>
-                  <a:pt x="584180" y="2712621"/>
-                  <a:pt x="623299" y="2742760"/>
-                  <a:pt x="670138" y="2735189"/>
-                </a:cubicBezTo>
-                <a:cubicBezTo>
-                  <a:pt x="672406" y="2728745"/>
-                  <a:pt x="675988" y="2719532"/>
-                  <a:pt x="675382" y="2719369"/>
-                </a:cubicBezTo>
-                <a:cubicBezTo>
-                  <a:pt x="596666" y="2703042"/>
-                  <a:pt x="557844" y="2658869"/>
-                  <a:pt x="542021" y="2601946"/>
-                </a:cubicBezTo>
-                <a:cubicBezTo>
-                  <a:pt x="533902" y="2572560"/>
-                  <a:pt x="505246" y="2566541"/>
-                  <a:pt x="476895" y="2555976"/>
-                </a:cubicBezTo>
-                <a:cubicBezTo>
-                  <a:pt x="377189" y="2518466"/>
-                  <a:pt x="272496" y="2486779"/>
-                  <a:pt x="188751" y="2428830"/>
-                </a:cubicBezTo>
-                <a:cubicBezTo>
-                  <a:pt x="280875" y="2426687"/>
-                  <a:pt x="357216" y="2461808"/>
-                  <a:pt x="456762" y="2468731"/>
-                </a:cubicBezTo>
-                <a:cubicBezTo>
-                  <a:pt x="373794" y="2404281"/>
-                  <a:pt x="269816" y="2379152"/>
-                  <a:pt x="174514" y="2345378"/>
-                </a:cubicBezTo>
-                <a:cubicBezTo>
-                  <a:pt x="130977" y="2330009"/>
-                  <a:pt x="90329" y="2308598"/>
-                  <a:pt x="38827" y="2303685"/>
-                </a:cubicBezTo>
-                <a:cubicBezTo>
-                  <a:pt x="20556" y="2301864"/>
-                  <a:pt x="-10092" y="2297272"/>
-                  <a:pt x="3281" y="2273587"/>
-                </a:cubicBezTo>
-                <a:cubicBezTo>
-                  <a:pt x="14533" y="2253956"/>
-                  <a:pt x="39095" y="2256437"/>
-                  <a:pt x="61590" y="2259170"/>
-                </a:cubicBezTo>
-                <a:cubicBezTo>
-                  <a:pt x="115591" y="2265916"/>
-                  <a:pt x="170539" y="2259497"/>
-                  <a:pt x="242291" y="2250569"/>
-                </a:cubicBezTo>
-                <a:cubicBezTo>
-                  <a:pt x="178223" y="2197829"/>
-                  <a:pt x="68904" y="2229102"/>
-                  <a:pt x="13205" y="2172263"/>
-                </a:cubicBezTo>
-                <a:cubicBezTo>
-                  <a:pt x="77196" y="2153598"/>
-                  <a:pt x="128251" y="2170191"/>
-                  <a:pt x="180810" y="2168333"/>
-                </a:cubicBezTo>
-                <a:cubicBezTo>
-                  <a:pt x="228319" y="2166612"/>
-                  <a:pt x="239444" y="2154350"/>
-                  <a:pt x="226020" y="2121100"/>
-                </a:cubicBezTo>
-                <a:cubicBezTo>
-                  <a:pt x="205165" y="2069293"/>
-                  <a:pt x="229388" y="2038364"/>
-                  <a:pt x="299145" y="2044862"/>
-                </a:cubicBezTo>
-                <a:cubicBezTo>
-                  <a:pt x="363822" y="2051027"/>
-                  <a:pt x="369032" y="2029991"/>
-                  <a:pt x="350236" y="2001187"/>
-                </a:cubicBezTo>
-                <a:cubicBezTo>
-                  <a:pt x="322862" y="1959187"/>
-                  <a:pt x="348423" y="1921214"/>
-                  <a:pt x="365223" y="1881218"/>
-                </a:cubicBezTo>
-                <a:cubicBezTo>
-                  <a:pt x="390527" y="1820499"/>
-                  <a:pt x="376326" y="1793748"/>
-                  <a:pt x="310707" y="1758752"/>
-                </a:cubicBezTo>
-                <a:cubicBezTo>
-                  <a:pt x="273754" y="1739265"/>
-                  <a:pt x="234367" y="1723631"/>
-                  <a:pt x="181659" y="1709137"/>
-                </a:cubicBezTo>
-                <a:cubicBezTo>
-                  <a:pt x="299387" y="1683727"/>
-                  <a:pt x="172918" y="1660608"/>
-                  <a:pt x="213063" y="1632021"/>
-                </a:cubicBezTo>
-                <a:cubicBezTo>
-                  <a:pt x="296030" y="1612244"/>
-                  <a:pt x="369047" y="1679323"/>
-                  <a:pt x="481390" y="1644125"/>
-                </a:cubicBezTo>
-                <a:cubicBezTo>
-                  <a:pt x="336659" y="1595935"/>
-                  <a:pt x="176348" y="1532074"/>
-                  <a:pt x="68930" y="1457537"/>
-                </a:cubicBezTo>
-                <a:cubicBezTo>
-                  <a:pt x="91299" y="1434897"/>
-                  <a:pt x="115799" y="1450436"/>
-                  <a:pt x="135138" y="1440976"/>
-                </a:cubicBezTo>
-                <a:cubicBezTo>
-                  <a:pt x="133952" y="1436374"/>
-                  <a:pt x="135290" y="1429332"/>
-                  <a:pt x="131611" y="1427642"/>
-                </a:cubicBezTo>
-                <a:cubicBezTo>
-                  <a:pt x="52402" y="1389548"/>
-                  <a:pt x="51441" y="1388478"/>
-                  <a:pt x="130443" y="1343795"/>
-                </a:cubicBezTo>
-                <a:cubicBezTo>
-                  <a:pt x="158017" y="1328118"/>
-                  <a:pt x="154966" y="1317573"/>
-                  <a:pt x="138930" y="1304094"/>
-                </a:cubicBezTo>
-                <a:cubicBezTo>
-                  <a:pt x="127608" y="1294551"/>
-                  <a:pt x="113720" y="1286742"/>
-                  <a:pt x="118409" y="1262212"/>
-                </a:cubicBezTo>
-                <a:cubicBezTo>
-                  <a:pt x="164937" y="1287183"/>
-                  <a:pt x="383505" y="1312432"/>
-                  <a:pt x="421410" y="1304757"/>
-                </a:cubicBezTo>
-                <a:cubicBezTo>
-                  <a:pt x="464009" y="1296037"/>
-                  <a:pt x="610877" y="1288926"/>
-                  <a:pt x="655702" y="1291801"/>
-                </a:cubicBezTo>
-                <a:cubicBezTo>
-                  <a:pt x="653235" y="1290438"/>
-                  <a:pt x="650767" y="1289077"/>
-                  <a:pt x="648299" y="1287715"/>
-                </a:cubicBezTo>
-                <a:cubicBezTo>
-                  <a:pt x="603999" y="1260339"/>
-                  <a:pt x="559107" y="1233035"/>
-                  <a:pt x="531027" y="1193967"/>
-                </a:cubicBezTo>
-                <a:cubicBezTo>
-                  <a:pt x="529741" y="1192462"/>
-                  <a:pt x="529061" y="1191120"/>
-                  <a:pt x="526433" y="1191913"/>
-                </a:cubicBezTo>
-                <a:cubicBezTo>
-                  <a:pt x="503415" y="1199684"/>
-                  <a:pt x="505590" y="1187083"/>
-                  <a:pt x="504666" y="1177230"/>
-                </a:cubicBezTo>
-                <a:cubicBezTo>
-                  <a:pt x="503726" y="1167141"/>
-                  <a:pt x="499378" y="1159602"/>
-                  <a:pt x="482307" y="1162618"/>
-                </a:cubicBezTo>
-                <a:cubicBezTo>
-                  <a:pt x="481421" y="1162726"/>
-                  <a:pt x="480226" y="1162633"/>
-                  <a:pt x="479029" y="1162540"/>
-                </a:cubicBezTo>
-                <a:cubicBezTo>
-                  <a:pt x="470949" y="1161859"/>
-                  <a:pt x="444139" y="1138059"/>
-                  <a:pt x="447663" y="1132649"/>
-                </a:cubicBezTo>
-                <a:cubicBezTo>
-                  <a:pt x="455539" y="1120781"/>
-                  <a:pt x="446335" y="1116439"/>
-                  <a:pt x="438547" y="1110977"/>
-                </a:cubicBezTo>
-                <a:cubicBezTo>
-                  <a:pt x="427656" y="1103517"/>
-                  <a:pt x="416795" y="1096529"/>
-                  <a:pt x="405343" y="1089612"/>
-                </a:cubicBezTo>
-                <a:cubicBezTo>
-                  <a:pt x="394202" y="1082895"/>
-                  <a:pt x="382794" y="1076684"/>
-                  <a:pt x="371373" y="1070238"/>
-                </a:cubicBezTo>
-                <a:cubicBezTo>
-                  <a:pt x="344889" y="1065616"/>
-                  <a:pt x="318169" y="1061972"/>
-                  <a:pt x="290358" y="1059884"/>
-                </a:cubicBezTo>
-                <a:cubicBezTo>
-                  <a:pt x="269709" y="1058114"/>
-                  <a:pt x="246624" y="1055453"/>
-                  <a:pt x="235140" y="1029322"/>
-                </a:cubicBezTo>
-                <a:cubicBezTo>
-                  <a:pt x="256895" y="1029771"/>
-                  <a:pt x="278695" y="1030927"/>
-                  <a:pt x="300494" y="1032083"/>
-                </a:cubicBezTo>
-                <a:cubicBezTo>
-                  <a:pt x="279542" y="1020860"/>
-                  <a:pt x="259181" y="1009565"/>
-                  <a:pt x="239661" y="997457"/>
-                </a:cubicBezTo>
-                <a:cubicBezTo>
-                  <a:pt x="223540" y="987309"/>
-                  <a:pt x="210281" y="975391"/>
-                  <a:pt x="204788" y="959211"/>
-                </a:cubicBezTo>
-                <a:cubicBezTo>
-                  <a:pt x="203337" y="955117"/>
-                  <a:pt x="202166" y="950750"/>
-                  <a:pt x="207583" y="947009"/>
-                </a:cubicBezTo>
-                <a:cubicBezTo>
-                  <a:pt x="213561" y="942727"/>
-                  <a:pt x="218466" y="944980"/>
-                  <a:pt x="223061" y="947033"/>
-                </a:cubicBezTo>
-                <a:cubicBezTo>
-                  <a:pt x="242046" y="955410"/>
-                  <a:pt x="261311" y="963516"/>
-                  <a:pt x="280015" y="972164"/>
-                </a:cubicBezTo>
-                <a:cubicBezTo>
-                  <a:pt x="304852" y="983629"/>
-                  <a:pt x="329408" y="995365"/>
-                  <a:pt x="353948" y="1006865"/>
-                </a:cubicBezTo>
-                <a:cubicBezTo>
-                  <a:pt x="319294" y="981405"/>
-                  <a:pt x="281290" y="959435"/>
-                  <a:pt x="240466" y="939943"/>
-                </a:cubicBezTo>
-                <a:cubicBezTo>
-                  <a:pt x="210990" y="925718"/>
-                  <a:pt x="181514" y="911494"/>
-                  <a:pt x="158812" y="891467"/>
-                </a:cubicBezTo>
-                <a:cubicBezTo>
-                  <a:pt x="147166" y="881489"/>
-                  <a:pt x="141336" y="869384"/>
-                  <a:pt x="139551" y="855364"/>
-                </a:cubicBezTo>
-                <a:cubicBezTo>
-                  <a:pt x="139312" y="851597"/>
-                  <a:pt x="139634" y="847287"/>
-                  <a:pt x="145731" y="844888"/>
-                </a:cubicBezTo>
-                <a:cubicBezTo>
-                  <a:pt x="151843" y="842724"/>
-                  <a:pt x="155581" y="845356"/>
-                  <a:pt x="158154" y="848366"/>
-                </a:cubicBezTo>
-                <a:cubicBezTo>
-                  <a:pt x="161052" y="851811"/>
-                  <a:pt x="164496" y="854479"/>
-                  <a:pt x="169370" y="856260"/>
-                </a:cubicBezTo>
-                <a:cubicBezTo>
-                  <a:pt x="212096" y="872913"/>
-                  <a:pt x="249775" y="894448"/>
-                  <a:pt x="288295" y="915169"/>
-                </a:cubicBezTo>
-                <a:cubicBezTo>
-                  <a:pt x="343452" y="944788"/>
-                  <a:pt x="397769" y="975222"/>
-                  <a:pt x="462694" y="994643"/>
-                </a:cubicBezTo>
-                <a:cubicBezTo>
-                  <a:pt x="487260" y="1001870"/>
-                  <a:pt x="512622" y="1007575"/>
-                  <a:pt x="531910" y="1006664"/>
-                </a:cubicBezTo>
-                <a:cubicBezTo>
-                  <a:pt x="460990" y="972547"/>
-                  <a:pt x="394087" y="936046"/>
-                  <a:pt x="333940" y="893507"/>
-                </a:cubicBezTo>
-                <a:cubicBezTo>
-                  <a:pt x="273173" y="850568"/>
-                  <a:pt x="219876" y="803403"/>
-                  <a:pt x="181443" y="746608"/>
-                </a:cubicBezTo>
-                <a:cubicBezTo>
-                  <a:pt x="177494" y="740681"/>
-                  <a:pt x="175038" y="734810"/>
-                  <a:pt x="162678" y="737018"/>
-                </a:cubicBezTo>
-                <a:cubicBezTo>
-                  <a:pt x="157082" y="737933"/>
-                  <a:pt x="155070" y="734381"/>
-                  <a:pt x="156307" y="730435"/>
-                </a:cubicBezTo>
-                <a:cubicBezTo>
-                  <a:pt x="164051" y="702450"/>
-                  <a:pt x="145532" y="687373"/>
-                  <a:pt x="117227" y="677515"/>
-                </a:cubicBezTo>
-                <a:cubicBezTo>
-                  <a:pt x="108392" y="674314"/>
-                  <a:pt x="107546" y="670384"/>
-                  <a:pt x="113655" y="663474"/>
-                </a:cubicBezTo>
-                <a:cubicBezTo>
-                  <a:pt x="121976" y="653926"/>
-                  <a:pt x="120506" y="644851"/>
-                  <a:pt x="115226" y="636712"/>
-                </a:cubicBezTo>
-                <a:cubicBezTo>
-                  <a:pt x="112224" y="631619"/>
-                  <a:pt x="108350" y="626868"/>
-                  <a:pt x="105067" y="622046"/>
-                </a:cubicBezTo>
-                <a:cubicBezTo>
-                  <a:pt x="102790" y="619000"/>
-                  <a:pt x="99022" y="615897"/>
-                  <a:pt x="104113" y="611722"/>
-                </a:cubicBezTo>
-                <a:cubicBezTo>
-                  <a:pt x="108939" y="608053"/>
-                  <a:pt x="114081" y="609328"/>
-                  <a:pt x="118895" y="610169"/>
-                </a:cubicBezTo>
-                <a:cubicBezTo>
-                  <a:pt x="142040" y="613772"/>
-                  <a:pt x="156094" y="624170"/>
-                  <a:pt x="163095" y="640642"/>
-                </a:cubicBezTo>
-                <a:cubicBezTo>
-                  <a:pt x="168334" y="652819"/>
-                  <a:pt x="173104" y="652953"/>
-                  <a:pt x="185766" y="641454"/>
-                </a:cubicBezTo>
-                <a:cubicBezTo>
-                  <a:pt x="195327" y="632704"/>
-                  <a:pt x="204232" y="632337"/>
-                  <a:pt x="212892" y="637457"/>
-                </a:cubicBezTo>
-                <a:cubicBezTo>
-                  <a:pt x="217516" y="639981"/>
-                  <a:pt x="220444" y="643897"/>
-                  <a:pt x="223932" y="647271"/>
-                </a:cubicBezTo>
-                <a:cubicBezTo>
-                  <a:pt x="241420" y="664845"/>
-                  <a:pt x="259762" y="681841"/>
-                  <a:pt x="287167" y="691571"/>
-                </a:cubicBezTo>
-                <a:cubicBezTo>
-                  <a:pt x="299355" y="696027"/>
-                  <a:pt x="312354" y="699197"/>
-                  <a:pt x="330380" y="692506"/>
-                </a:cubicBezTo>
-                <a:cubicBezTo>
-                  <a:pt x="318517" y="688486"/>
-                  <a:pt x="306954" y="689175"/>
-                  <a:pt x="296172" y="688108"/>
-                </a:cubicBezTo>
-                <a:cubicBezTo>
-                  <a:pt x="285390" y="687041"/>
-                  <a:pt x="279539" y="683953"/>
-                  <a:pt x="286974" y="674512"/>
-                </a:cubicBezTo>
-                <a:cubicBezTo>
-                  <a:pt x="291105" y="669267"/>
-                  <a:pt x="290555" y="665301"/>
-                  <a:pt x="286166" y="661798"/>
-                </a:cubicBezTo>
-                <a:cubicBezTo>
-                  <a:pt x="272052" y="650459"/>
-                  <a:pt x="264416" y="633352"/>
-                  <a:pt x="236268" y="635338"/>
-                </a:cubicBezTo>
-                <a:cubicBezTo>
-                  <a:pt x="234792" y="635517"/>
-                  <a:pt x="233255" y="634754"/>
-                  <a:pt x="231734" y="634225"/>
-                </a:cubicBezTo>
-                <a:cubicBezTo>
-                  <a:pt x="225957" y="632316"/>
-                  <a:pt x="219575" y="630241"/>
-                  <a:pt x="221253" y="623870"/>
-                </a:cubicBezTo>
-                <a:cubicBezTo>
-                  <a:pt x="223227" y="617462"/>
-                  <a:pt x="230816" y="615119"/>
-                  <a:pt x="237564" y="613590"/>
-                </a:cubicBezTo>
-                <a:cubicBezTo>
-                  <a:pt x="254884" y="609831"/>
-                  <a:pt x="268844" y="614072"/>
-                  <a:pt x="282259" y="619091"/>
-                </a:cubicBezTo>
-                <a:cubicBezTo>
-                  <a:pt x="314893" y="631509"/>
-                  <a:pt x="342201" y="649080"/>
-                  <a:pt x="370630" y="665566"/>
-                </a:cubicBezTo>
-                <a:cubicBezTo>
-                  <a:pt x="413275" y="690295"/>
-                  <a:pt x="451153" y="719635"/>
-                  <a:pt x="498017" y="740532"/>
-                </a:cubicBezTo>
-                <a:cubicBezTo>
-                  <a:pt x="637369" y="802423"/>
-                  <a:pt x="774774" y="866448"/>
-                  <a:pt x="918036" y="924307"/>
-                </a:cubicBezTo>
-                <a:cubicBezTo>
-                  <a:pt x="970882" y="945666"/>
-                  <a:pt x="1024819" y="965469"/>
-                  <a:pt x="1079304" y="984494"/>
-                </a:cubicBezTo>
-                <a:cubicBezTo>
-                  <a:pt x="1079509" y="983045"/>
-                  <a:pt x="1079744" y="982067"/>
-                  <a:pt x="1079935" y="980383"/>
-                </a:cubicBezTo>
-                <a:cubicBezTo>
-                  <a:pt x="1079860" y="979206"/>
-                  <a:pt x="1079770" y="977793"/>
-                  <a:pt x="1079695" y="976616"/>
-                </a:cubicBezTo>
-                <a:cubicBezTo>
-                  <a:pt x="1041139" y="964679"/>
-                  <a:pt x="1003098" y="951491"/>
-                  <a:pt x="966178" y="937219"/>
-                </a:cubicBezTo>
-                <a:cubicBezTo>
-                  <a:pt x="875541" y="901932"/>
-                  <a:pt x="791930" y="860100"/>
-                  <a:pt x="720106" y="807112"/>
-                </a:cubicBezTo>
-                <a:cubicBezTo>
-                  <a:pt x="714181" y="802848"/>
-                  <a:pt x="707904" y="802421"/>
-                  <a:pt x="698823" y="804708"/>
-                </a:cubicBezTo>
-                <a:cubicBezTo>
-                  <a:pt x="669544" y="812288"/>
-                  <a:pt x="659939" y="806334"/>
-                  <a:pt x="664513" y="784663"/>
-                </a:cubicBezTo>
-                <a:cubicBezTo>
-                  <a:pt x="665660" y="779304"/>
-                  <a:pt x="665686" y="775031"/>
-                  <a:pt x="660380" y="771165"/>
-                </a:cubicBezTo>
-                <a:cubicBezTo>
-                  <a:pt x="636661" y="753871"/>
-                  <a:pt x="611807" y="737427"/>
-                  <a:pt x="584959" y="722409"/>
-                </a:cubicBezTo>
-                <a:cubicBezTo>
-                  <a:pt x="535282" y="694735"/>
-                  <a:pt x="482226" y="670082"/>
-                  <a:pt x="435649" y="639659"/>
-                </a:cubicBezTo>
-                <a:cubicBezTo>
-                  <a:pt x="421965" y="630403"/>
-                  <a:pt x="411440" y="619340"/>
-                  <a:pt x="404944" y="606128"/>
-                </a:cubicBezTo>
-                <a:cubicBezTo>
-                  <a:pt x="402872" y="601635"/>
-                  <a:pt x="401613" y="595856"/>
-                  <a:pt x="408476" y="591466"/>
-                </a:cubicBezTo>
-                <a:cubicBezTo>
-                  <a:pt x="415044" y="587111"/>
-                  <a:pt x="420320" y="590506"/>
-                  <a:pt x="425225" y="592759"/>
-                </a:cubicBezTo>
-                <a:cubicBezTo>
-                  <a:pt x="445746" y="601899"/>
-                  <a:pt x="466578" y="611238"/>
-                  <a:pt x="487115" y="620614"/>
-                </a:cubicBezTo>
-                <a:cubicBezTo>
-                  <a:pt x="507947" y="629954"/>
-                  <a:pt x="528514" y="639800"/>
-                  <a:pt x="550277" y="649738"/>
-                </a:cubicBezTo>
-                <a:cubicBezTo>
-                  <a:pt x="551408" y="644145"/>
-                  <a:pt x="546904" y="643504"/>
-                  <a:pt x="544421" y="641907"/>
-                </a:cubicBezTo>
-                <a:cubicBezTo>
-                  <a:pt x="509355" y="619344"/>
-                  <a:pt x="471190" y="599529"/>
-                  <a:pt x="431905" y="580799"/>
-                </a:cubicBezTo>
-                <a:cubicBezTo>
-                  <a:pt x="401512" y="566211"/>
-                  <a:pt x="371947" y="550574"/>
-                  <a:pt x="351177" y="528177"/>
-                </a:cubicBezTo>
-                <a:cubicBezTo>
-                  <a:pt x="343180" y="519419"/>
-                  <a:pt x="338696" y="509759"/>
-                  <a:pt x="339749" y="498244"/>
-                </a:cubicBezTo>
-                <a:cubicBezTo>
-                  <a:pt x="340115" y="494641"/>
-                  <a:pt x="340481" y="491037"/>
-                  <a:pt x="346313" y="489145"/>
-                </a:cubicBezTo>
-                <a:cubicBezTo>
-                  <a:pt x="350979" y="487631"/>
-                  <a:pt x="354067" y="489392"/>
-                  <a:pt x="356579" y="491460"/>
-                </a:cubicBezTo>
-                <a:cubicBezTo>
-                  <a:pt x="360984" y="495197"/>
-                  <a:pt x="365388" y="498934"/>
-                  <a:pt x="371505" y="501516"/>
-                </a:cubicBezTo>
-                <a:cubicBezTo>
-                  <a:pt x="408203" y="517000"/>
-                  <a:pt x="442659" y="534654"/>
-                  <a:pt x="476275" y="553122"/>
-                </a:cubicBezTo>
-                <a:cubicBezTo>
-                  <a:pt x="531461" y="583213"/>
-                  <a:pt x="586103" y="614082"/>
-                  <a:pt x="649952" y="635294"/>
-                </a:cubicBezTo>
-                <a:cubicBezTo>
-                  <a:pt x="673972" y="643298"/>
-                  <a:pt x="698805" y="650018"/>
-                  <a:pt x="727161" y="651328"/>
-                </a:cubicBezTo>
-                <a:cubicBezTo>
-                  <a:pt x="726126" y="649081"/>
-                  <a:pt x="724263" y="647883"/>
-                  <a:pt x="722417" y="646921"/>
-                </a:cubicBezTo>
-                <a:cubicBezTo>
-                  <a:pt x="660627" y="615969"/>
-                  <a:pt x="600830" y="583590"/>
-                  <a:pt x="546079" y="546328"/>
-                </a:cubicBezTo>
-                <a:cubicBezTo>
-                  <a:pt x="478576" y="500409"/>
-                  <a:pt x="420223" y="448637"/>
-                  <a:pt x="378182" y="386585"/>
-                </a:cubicBezTo>
-                <a:cubicBezTo>
-                  <a:pt x="376229" y="383975"/>
-                  <a:pt x="374884" y="381528"/>
-                  <a:pt x="370158" y="382100"/>
-                </a:cubicBezTo>
-                <a:cubicBezTo>
-                  <a:pt x="358064" y="383802"/>
-                  <a:pt x="356583" y="379236"/>
-                  <a:pt x="357861" y="371252"/>
-                </a:cubicBezTo>
-                <a:cubicBezTo>
-                  <a:pt x="361373" y="351608"/>
-                  <a:pt x="352380" y="336565"/>
-                  <a:pt x="331313" y="328203"/>
-                </a:cubicBezTo>
-                <a:cubicBezTo>
-                  <a:pt x="316037" y="321986"/>
-                  <a:pt x="303183" y="316425"/>
-                  <a:pt x="319354" y="299282"/>
-                </a:cubicBezTo>
-                <a:cubicBezTo>
-                  <a:pt x="323265" y="295249"/>
-                  <a:pt x="321459" y="290249"/>
-                  <a:pt x="319682" y="285719"/>
-                </a:cubicBezTo>
-                <a:cubicBezTo>
-                  <a:pt x="317166" y="278905"/>
-                  <a:pt x="312080" y="273828"/>
-                  <a:pt x="306391" y="268585"/>
-                </a:cubicBezTo>
-                <a:cubicBezTo>
-                  <a:pt x="303227" y="265647"/>
-                  <a:pt x="299399" y="261602"/>
-                  <a:pt x="303294" y="257334"/>
-                </a:cubicBezTo>
-                <a:cubicBezTo>
-                  <a:pt x="307735" y="252289"/>
-                  <a:pt x="314131" y="254598"/>
-                  <a:pt x="319242" y="255403"/>
-                </a:cubicBezTo>
-                <a:cubicBezTo>
-                  <a:pt x="342683" y="258970"/>
-                  <a:pt x="357062" y="269803"/>
-                  <a:pt x="364093" y="286745"/>
-                </a:cubicBezTo>
-                <a:cubicBezTo>
-                  <a:pt x="368651" y="297582"/>
-                  <a:pt x="374307" y="297608"/>
-                  <a:pt x="385301" y="287973"/>
-                </a:cubicBezTo>
-                <a:cubicBezTo>
-                  <a:pt x="397712" y="277216"/>
-                  <a:pt x="408079" y="276436"/>
-                  <a:pt x="417598" y="285722"/>
-                </a:cubicBezTo>
-                <a:cubicBezTo>
-                  <a:pt x="425226" y="293339"/>
-                  <a:pt x="431406" y="301607"/>
-                  <a:pt x="440155" y="308139"/>
-                </a:cubicBezTo>
-                <a:cubicBezTo>
-                  <a:pt x="463623" y="326175"/>
-                  <a:pt x="485720" y="346039"/>
-                  <a:pt x="534406" y="339430"/>
-                </a:cubicBezTo>
-                <a:cubicBezTo>
-                  <a:pt x="520872" y="332528"/>
-                  <a:pt x="507316" y="334645"/>
-                  <a:pt x="495633" y="333450"/>
-                </a:cubicBezTo>
-                <a:cubicBezTo>
-                  <a:pt x="487244" y="332567"/>
-                  <a:pt x="478750" y="330037"/>
-                  <a:pt x="486289" y="322243"/>
-                </a:cubicBezTo>
-                <a:cubicBezTo>
-                  <a:pt x="494951" y="313365"/>
-                  <a:pt x="489365" y="309771"/>
-                  <a:pt x="484000" y="304964"/>
-                </a:cubicBezTo>
-                <a:cubicBezTo>
-                  <a:pt x="471673" y="293645"/>
-                  <a:pt x="461604" y="280392"/>
-                  <a:pt x="436911" y="280536"/>
-                </a:cubicBezTo>
-                <a:cubicBezTo>
-                  <a:pt x="433041" y="280530"/>
-                  <a:pt x="429923" y="278297"/>
-                  <a:pt x="426865" y="277007"/>
-                </a:cubicBezTo>
-                <a:cubicBezTo>
-                  <a:pt x="422581" y="275154"/>
-                  <a:pt x="418872" y="272993"/>
-                  <a:pt x="420654" y="268269"/>
-                </a:cubicBezTo>
-                <a:cubicBezTo>
-                  <a:pt x="422468" y="264016"/>
-                  <a:pt x="426748" y="261125"/>
-                  <a:pt x="432329" y="259975"/>
-                </a:cubicBezTo>
-                <a:cubicBezTo>
-                  <a:pt x="437320" y="258895"/>
-                  <a:pt x="442621" y="258016"/>
-                  <a:pt x="447672" y="257879"/>
-                </a:cubicBezTo>
-                <a:cubicBezTo>
-                  <a:pt x="470223" y="256809"/>
-                  <a:pt x="486254" y="265543"/>
-                  <a:pt x="502242" y="273572"/>
-                </a:cubicBezTo>
-                <a:cubicBezTo>
-                  <a:pt x="558179" y="301436"/>
-                  <a:pt x="607891" y="334326"/>
-                  <a:pt x="659874" y="365516"/>
-                </a:cubicBezTo>
-                <a:cubicBezTo>
-                  <a:pt x="711842" y="396471"/>
-                  <a:pt x="772192" y="418818"/>
-                  <a:pt x="829177" y="444421"/>
-                </a:cubicBezTo>
-                <a:cubicBezTo>
-                  <a:pt x="960626" y="503711"/>
-                  <a:pt x="1092650" y="562693"/>
-                  <a:pt x="1231903" y="613682"/>
-                </a:cubicBezTo>
-                <a:cubicBezTo>
-                  <a:pt x="1368099" y="663381"/>
-                  <a:pt x="1823141" y="686561"/>
-                  <a:pt x="1911736" y="685084"/>
-                </a:cubicBezTo>
-                <a:cubicBezTo>
-                  <a:pt x="2024994" y="682992"/>
-                  <a:pt x="2291986" y="655399"/>
-                  <a:pt x="2564313" y="632143"/>
-                </a:cubicBezTo>
-                <a:cubicBezTo>
-                  <a:pt x="2595089" y="629364"/>
-                  <a:pt x="2625288" y="626893"/>
-                  <a:pt x="2657304" y="624913"/>
-                </a:cubicBezTo>
-                <a:cubicBezTo>
-                  <a:pt x="3564401" y="568191"/>
-                  <a:pt x="4203594" y="276765"/>
-                  <a:pt x="4235818" y="259339"/>
-                </a:cubicBezTo>
-                <a:cubicBezTo>
-                  <a:pt x="4287616" y="231474"/>
-                  <a:pt x="4460006" y="176429"/>
-                  <a:pt x="4460331" y="176864"/>
-                </a:cubicBezTo>
-                <a:cubicBezTo>
-                  <a:pt x="4464175" y="181144"/>
-                  <a:pt x="4483735" y="184529"/>
-                  <a:pt x="4499578" y="186791"/>
-                </a:cubicBezTo>
-                <a:lnTo>
-                  <a:pt x="4514640" y="188841"/>
-                </a:lnTo>
-                <a:lnTo>
-                  <a:pt x="4516523" y="189988"/>
-                </a:lnTo>
-                <a:cubicBezTo>
-                  <a:pt x="4522035" y="190091"/>
-                  <a:pt x="4521760" y="189857"/>
-                  <a:pt x="4518126" y="189316"/>
-                </a:cubicBezTo>
-                <a:lnTo>
-                  <a:pt x="4514640" y="188841"/>
-                </a:lnTo>
-                <a:lnTo>
-                  <a:pt x="4511569" y="186970"/>
-                </a:lnTo>
-                <a:cubicBezTo>
-                  <a:pt x="4510788" y="185226"/>
-                  <a:pt x="4510719" y="182981"/>
-                  <a:pt x="4510888" y="180943"/>
-                </a:cubicBezTo>
-                <a:cubicBezTo>
-                  <a:pt x="4511690" y="170169"/>
-                  <a:pt x="4517648" y="160906"/>
-                  <a:pt x="4531865" y="155151"/>
-                </a:cubicBezTo>
-                <a:cubicBezTo>
-                  <a:pt x="4545507" y="149703"/>
-                  <a:pt x="4559473" y="144689"/>
-                  <a:pt x="4573441" y="139676"/>
-                </a:cubicBezTo>
-                <a:cubicBezTo>
-                  <a:pt x="4585075" y="135420"/>
-                  <a:pt x="4593048" y="134454"/>
-                  <a:pt x="4594964" y="145847"/>
-                </a:cubicBezTo>
-                <a:cubicBezTo>
-                  <a:pt x="4596879" y="157242"/>
-                  <a:pt x="4613452" y="160454"/>
-                  <a:pt x="4623059" y="152410"/>
-                </a:cubicBezTo>
-                <a:cubicBezTo>
-                  <a:pt x="4660632" y="120811"/>
-                  <a:pt x="4705757" y="95654"/>
-                  <a:pt x="4748356" y="68192"/>
-                </a:cubicBezTo>
-                <a:cubicBezTo>
-                  <a:pt x="4778098" y="49168"/>
-                  <a:pt x="4809406" y="31378"/>
-                  <a:pt x="4833812" y="8017"/>
-                </a:cubicBezTo>
-                <a:cubicBezTo>
-                  <a:pt x="4838299" y="3678"/>
-                  <a:pt x="4842399" y="-2039"/>
-                  <a:pt x="4850908" y="727"/>
-                </a:cubicBezTo>
-                <a:close/>
-              </a:path>
-            </a:pathLst>
-          </a:custGeom>
-          <a:solidFill>
-            <a:schemeClr val="bg2">
-              <a:alpha val="50000"/>
-            </a:schemeClr>
-          </a:solidFill>
-          <a:ln w="32707" cap="flat">
-            <a:noFill/>
-            <a:prstDash val="solid"/>
-            <a:miter/>
-          </a:ln>
-        </p:spPr>
-        <p:txBody>
-          <a:bodyPr wrap="square" rtlCol="0" anchor="ctr">
-            <a:noAutofit/>
-          </a:bodyPr>
-          <a:lstStyle/>
-          <a:p>
-            <a:pPr algn="ctr"/>
-            <a:endParaRPr lang="en-US">
-              <a:solidFill>
-                <a:schemeClr val="tx1"/>
-              </a:solidFill>
-            </a:endParaRPr>
-          </a:p>
-        </p:txBody>
-      </p:sp>
-      <p:sp>
-        <p:nvSpPr>
-          <p:cNvPr id="3" name="Title 2">
-            <a:extLst>
-              <a:ext uri="{FF2B5EF4-FFF2-40B4-BE49-F238E27FC236}">
-                <a16:creationId xmlns:a16="http://schemas.microsoft.com/office/drawing/2014/main" id="{26F678F8-8248-09B1-D3CD-837A80F33AA8}"/>
-              </a:ext>
-            </a:extLst>
-          </p:cNvPr>
-          <p:cNvSpPr>
-            <a:spLocks noGrp="1"/>
-          </p:cNvSpPr>
-          <p:nvPr>
-            <p:ph type="title"/>
-          </p:nvPr>
-        </p:nvSpPr>
-        <p:spPr>
-          <a:xfrm>
-            <a:off x="1000941" y="685801"/>
-            <a:ext cx="3494859" cy="5491162"/>
-          </a:xfrm>
-        </p:spPr>
-        <p:txBody>
-          <a:bodyPr>
-            <a:normAutofit/>
-          </a:bodyPr>
-          <a:lstStyle/>
-          <a:p>
-            <a:r>
-              <a:rPr lang="en-US" dirty="0"/>
-              <a:t>Prompt Definitions</a:t>
-            </a:r>
-          </a:p>
-        </p:txBody>
-      </p:sp>
-      <p:graphicFrame>
-        <p:nvGraphicFramePr>
-          <p:cNvPr id="5" name="Content Placeholder 4">
-            <a:extLst>
-              <a:ext uri="{FF2B5EF4-FFF2-40B4-BE49-F238E27FC236}">
-                <a16:creationId xmlns:a16="http://schemas.microsoft.com/office/drawing/2014/main" id="{EDBF83E9-BC2D-C846-F89D-43F0253CBA65}"/>
-              </a:ext>
-            </a:extLst>
-          </p:cNvPr>
-          <p:cNvGraphicFramePr>
-            <a:graphicFrameLocks noGrp="1"/>
-          </p:cNvGraphicFramePr>
-          <p:nvPr>
-            <p:ph idx="1"/>
-            <p:extLst>
-              <p:ext uri="{D42A27DB-BD31-4B8C-83A1-F6EECF244321}">
-                <p14:modId xmlns:p14="http://schemas.microsoft.com/office/powerpoint/2010/main" val="1311861"/>
-              </p:ext>
-            </p:extLst>
-          </p:nvPr>
-        </p:nvGraphicFramePr>
-        <p:xfrm>
-          <a:off x="4702547" y="1015783"/>
-          <a:ext cx="6651254" cy="4446008"/>
-        </p:xfrm>
-        <a:graphic>
-          <a:graphicData uri="http://schemas.openxmlformats.org/drawingml/2006/table">
-            <a:tbl>
-              <a:tblPr firstRow="1" bandRow="1">
-                <a:tableStyleId>{5C22544A-7EE6-4342-B048-85BDC9FD1C3A}</a:tableStyleId>
-              </a:tblPr>
-              <a:tblGrid>
-                <a:gridCol w="482297">
-                  <a:extLst>
-                    <a:ext uri="{9D8B030D-6E8A-4147-A177-3AD203B41FA5}">
-                      <a16:colId xmlns:a16="http://schemas.microsoft.com/office/drawing/2014/main" val="2854712380"/>
-                    </a:ext>
-                  </a:extLst>
-                </a:gridCol>
-                <a:gridCol w="1168409">
-                  <a:extLst>
-                    <a:ext uri="{9D8B030D-6E8A-4147-A177-3AD203B41FA5}">
-                      <a16:colId xmlns:a16="http://schemas.microsoft.com/office/drawing/2014/main" val="3303135796"/>
-                    </a:ext>
-                  </a:extLst>
-                </a:gridCol>
-                <a:gridCol w="2702072">
-                  <a:extLst>
-                    <a:ext uri="{9D8B030D-6E8A-4147-A177-3AD203B41FA5}">
-                      <a16:colId xmlns:a16="http://schemas.microsoft.com/office/drawing/2014/main" val="2931658599"/>
-                    </a:ext>
-                  </a:extLst>
-                </a:gridCol>
-                <a:gridCol w="2298476">
-                  <a:extLst>
-                    <a:ext uri="{9D8B030D-6E8A-4147-A177-3AD203B41FA5}">
-                      <a16:colId xmlns:a16="http://schemas.microsoft.com/office/drawing/2014/main" val="3748929117"/>
-                    </a:ext>
-                  </a:extLst>
-                </a:gridCol>
-              </a:tblGrid>
-              <a:tr h="319648">
-                <a:tc>
-                  <a:txBody>
-                    <a:bodyPr/>
-                    <a:lstStyle/>
-                    <a:p>
-                      <a:r>
-                        <a:rPr lang="en-US" sz="1400"/>
-                        <a:t>ID</a:t>
-                      </a:r>
-                    </a:p>
-                  </a:txBody>
-                  <a:tcPr marL="72647" marR="72647" marT="36324" marB="36324"/>
-                </a:tc>
-                <a:tc>
-                  <a:txBody>
-                    <a:bodyPr/>
-                    <a:lstStyle/>
-                    <a:p>
-                      <a:r>
-                        <a:rPr lang="en-US" sz="1400"/>
-                        <a:t>Item</a:t>
-                      </a:r>
-                    </a:p>
-                  </a:txBody>
-                  <a:tcPr marL="72647" marR="72647" marT="36324" marB="36324"/>
-                </a:tc>
-                <a:tc>
-                  <a:txBody>
-                    <a:bodyPr/>
-                    <a:lstStyle/>
-                    <a:p>
-                      <a:r>
-                        <a:rPr lang="en-US" sz="1400"/>
-                        <a:t>Use</a:t>
-                      </a:r>
-                    </a:p>
-                  </a:txBody>
-                  <a:tcPr marL="72647" marR="72647" marT="36324" marB="36324"/>
-                </a:tc>
-                <a:tc>
-                  <a:txBody>
-                    <a:bodyPr/>
-                    <a:lstStyle/>
-                    <a:p>
-                      <a:r>
-                        <a:rPr lang="en-US" sz="1400"/>
-                        <a:t>Notes</a:t>
-                      </a:r>
-                    </a:p>
-                  </a:txBody>
-                  <a:tcPr marL="72647" marR="72647" marT="36324" marB="36324"/>
-                </a:tc>
-                <a:extLst>
-                  <a:ext uri="{0D108BD9-81ED-4DB2-BD59-A6C34878D82A}">
-                    <a16:rowId xmlns:a16="http://schemas.microsoft.com/office/drawing/2014/main" val="2465334850"/>
-                  </a:ext>
-                </a:extLst>
-              </a:tr>
-              <a:tr h="2063180">
-                <a:tc>
-                  <a:txBody>
-                    <a:bodyPr/>
-                    <a:lstStyle/>
-                    <a:p>
-                      <a:r>
-                        <a:rPr lang="en-US" sz="1400"/>
-                        <a:t>P1</a:t>
-                      </a:r>
-                    </a:p>
-                  </a:txBody>
-                  <a:tcPr marL="72647" marR="72647" marT="36324" marB="36324"/>
-                </a:tc>
-                <a:tc>
-                  <a:txBody>
-                    <a:bodyPr/>
-                    <a:lstStyle/>
-                    <a:p>
-                      <a:r>
-                        <a:rPr lang="en-US" sz="1400"/>
-                        <a:t>Document Processing</a:t>
-                      </a:r>
-                    </a:p>
-                  </a:txBody>
-                  <a:tcPr marL="72647" marR="72647" marT="36324" marB="36324"/>
-                </a:tc>
-                <a:tc>
-                  <a:txBody>
-                    <a:bodyPr/>
-                    <a:lstStyle/>
-                    <a:p>
-                      <a:r>
-                        <a:rPr lang="en-US" sz="1400"/>
-                        <a:t>Process one document at a time. Using a prompt like: Process this document into a knowledge graph and assign attributes to each entity. There should be a type hierarchy. A first cut of the type should be done by looking at the Long-Term Memory.</a:t>
+                        <a:rPr lang="en-US" sz="1400" dirty="0"/>
+                        <a:t>P4</a:t>
                       </a:r>
                     </a:p>
                   </a:txBody>
@@ -30924,39 +30959,6 @@
                     <a:p>
                       <a:r>
                         <a:rPr lang="en-US" sz="1400" dirty="0"/>
-                        <a:t>Each run add one or more knowledge graphs into the short-term memory. A first cut of the type is assigned. It needs to store the source with the knowledge graph.</a:t>
-                      </a:r>
-                    </a:p>
-                  </a:txBody>
-                  <a:tcPr marL="72647" marR="72647" marT="36324" marB="36324"/>
-                </a:tc>
-                <a:extLst>
-                  <a:ext uri="{0D108BD9-81ED-4DB2-BD59-A6C34878D82A}">
-                    <a16:rowId xmlns:a16="http://schemas.microsoft.com/office/drawing/2014/main" val="2151593779"/>
-                  </a:ext>
-                </a:extLst>
-              </a:tr>
-              <a:tr h="2063180">
-                <a:tc>
-                  <a:txBody>
-                    <a:bodyPr/>
-                    <a:lstStyle/>
-                    <a:p>
-                      <a:r>
-                        <a:rPr lang="en-US" sz="1400"/>
-                        <a:t>P2</a:t>
-                      </a:r>
-                    </a:p>
-                  </a:txBody>
-                  <a:tcPr marL="72647" marR="72647" marT="36324" marB="36324"/>
-                </a:tc>
-                <a:tc>
-                  <a:txBody>
-                    <a:bodyPr/>
-                    <a:lstStyle/>
-                    <a:p>
-                      <a:r>
-                        <a:rPr lang="en-US" sz="1400"/>
                         <a:t>Long Term Memory Formation</a:t>
                       </a:r>
                     </a:p>
@@ -30969,7 +30971,7 @@
                     <a:lstStyle/>
                     <a:p>
                       <a:r>
-                        <a:rPr lang="en-US" sz="1400"/>
+                        <a:rPr lang="en-US" sz="1400" dirty="0"/>
                         <a:t>A prompt like: Review the knowledge graph in the short-term memory and integrate it into the long-term memory resolving any duplicates and consolidating into a consistent type hierarchy.</a:t>
                       </a:r>
                     </a:p>
@@ -30991,7 +30993,66 @@
                 </a:tc>
                 <a:extLst>
                   <a:ext uri="{0D108BD9-81ED-4DB2-BD59-A6C34878D82A}">
-                    <a16:rowId xmlns:a16="http://schemas.microsoft.com/office/drawing/2014/main" val="204580980"/>
+                    <a16:rowId xmlns:a16="http://schemas.microsoft.com/office/drawing/2014/main" val="2392787521"/>
+                  </a:ext>
+                </a:extLst>
+              </a:tr>
+              <a:tr h="1435487">
+                <a:tc>
+                  <a:txBody>
+                    <a:bodyPr/>
+                    <a:lstStyle/>
+                    <a:p>
+                      <a:r>
+                        <a:rPr lang="en-US" sz="1400" dirty="0"/>
+                        <a:t>P5</a:t>
+                      </a:r>
+                    </a:p>
+                  </a:txBody>
+                  <a:tcPr marL="73994" marR="73994" marT="36997" marB="36997"/>
+                </a:tc>
+                <a:tc>
+                  <a:txBody>
+                    <a:bodyPr/>
+                    <a:lstStyle/>
+                    <a:p>
+                      <a:r>
+                        <a:rPr lang="en-US" sz="1400" dirty="0"/>
+                        <a:t>Long Term Memory Processing</a:t>
+                      </a:r>
+                    </a:p>
+                  </a:txBody>
+                  <a:tcPr marL="73994" marR="73994" marT="36997" marB="36997"/>
+                </a:tc>
+                <a:tc>
+                  <a:txBody>
+                    <a:bodyPr/>
+                    <a:lstStyle/>
+                    <a:p>
+                      <a:r>
+                        <a:rPr lang="en-US" sz="1400" dirty="0"/>
+                        <a:t>A prompt like: Review all nodes of the knowledge graphs and look for ways to improve them by creating new relationships, adding attributes, making similar things similar. Replace with the better version.</a:t>
+                      </a:r>
+                    </a:p>
+                  </a:txBody>
+                  <a:tcPr marL="73994" marR="73994" marT="36997" marB="36997"/>
+                </a:tc>
+                <a:tc>
+                  <a:txBody>
+                    <a:bodyPr/>
+                    <a:lstStyle/>
+                    <a:p>
+                      <a:r>
+                        <a:rPr lang="en-US" sz="1400" dirty="0"/>
+                        <a:t>Runs once a day to keep the long-term memory well organized.</a:t>
+                      </a:r>
+                    </a:p>
+                  </a:txBody>
+                  <a:tcPr marL="73994" marR="73994" marT="36997" marB="36997"/>
+                </a:tc>
+                <a:extLst>
+                  <a:ext uri="{0D108BD9-81ED-4DB2-BD59-A6C34878D82A}">
+                    <a16:rowId xmlns:a16="http://schemas.microsoft.com/office/drawing/2014/main" val="2151593779"/>
                   </a:ext>
                 </a:extLst>
               </a:tr>
@@ -31002,7 +31063,7 @@
     </p:spTree>
     <p:extLst>
       <p:ext uri="{BB962C8B-B14F-4D97-AF65-F5344CB8AC3E}">
-        <p14:creationId xmlns:p14="http://schemas.microsoft.com/office/powerpoint/2010/main" val="1976723613"/>
+        <p14:creationId xmlns:p14="http://schemas.microsoft.com/office/powerpoint/2010/main" val="3561826105"/>
       </p:ext>
     </p:extLst>
   </p:cSld>
